--- a/GoLangDataStructures.pptx
+++ b/GoLangDataStructures.pptx
@@ -40,8 +40,20 @@
     <p:sldId id="288" r:id="rId34"/>
     <p:sldId id="289" r:id="rId35"/>
     <p:sldId id="290" r:id="rId36"/>
-    <p:sldId id="280" r:id="rId37"/>
-    <p:sldId id="269" r:id="rId38"/>
+    <p:sldId id="293" r:id="rId37"/>
+    <p:sldId id="294" r:id="rId38"/>
+    <p:sldId id="295" r:id="rId39"/>
+    <p:sldId id="296" r:id="rId40"/>
+    <p:sldId id="297" r:id="rId41"/>
+    <p:sldId id="298" r:id="rId42"/>
+    <p:sldId id="280" r:id="rId43"/>
+    <p:sldId id="299" r:id="rId44"/>
+    <p:sldId id="300" r:id="rId45"/>
+    <p:sldId id="301" r:id="rId46"/>
+    <p:sldId id="302" r:id="rId47"/>
+    <p:sldId id="303" r:id="rId48"/>
+    <p:sldId id="304" r:id="rId49"/>
+    <p:sldId id="269" r:id="rId50"/>
   </p:sldIdLst>
   <p:sldSz cx="12192000" cy="6858000"/>
   <p:notesSz cx="6858000" cy="9144000"/>
@@ -2602,6 +2614,753 @@
     <dgm:fillClrLst meth="repeat">
       <a:schemeClr val="accent2">
         <a:tint val="40000"/>
+      </a:schemeClr>
+    </dgm:fillClrLst>
+    <dgm:linClrLst meth="repeat">
+      <a:schemeClr val="lt1"/>
+    </dgm:linClrLst>
+    <dgm:effectClrLst/>
+    <dgm:txLinClrLst/>
+    <dgm:txFillClrLst meth="repeat">
+      <a:schemeClr val="dk1"/>
+    </dgm:txFillClrLst>
+    <dgm:txEffectClrLst/>
+  </dgm:styleLbl>
+  <dgm:styleLbl name="revTx">
+    <dgm:fillClrLst meth="repeat">
+      <a:schemeClr val="lt1">
+        <a:alpha val="0"/>
+      </a:schemeClr>
+    </dgm:fillClrLst>
+    <dgm:linClrLst meth="repeat">
+      <a:schemeClr val="dk1">
+        <a:alpha val="0"/>
+      </a:schemeClr>
+    </dgm:linClrLst>
+    <dgm:effectClrLst/>
+    <dgm:txLinClrLst/>
+    <dgm:txFillClrLst meth="repeat">
+      <a:schemeClr val="tx1"/>
+    </dgm:txFillClrLst>
+    <dgm:txEffectClrLst/>
+  </dgm:styleLbl>
+</dgm:colorsDef>
+</file>
+
+<file path=ppt/diagrams/colors4.xml><?xml version="1.0" encoding="utf-8"?>
+<dgm:colorsDef xmlns:dgm="http://schemas.openxmlformats.org/drawingml/2006/diagram" xmlns:a="http://schemas.openxmlformats.org/drawingml/2006/main" uniqueId="urn:microsoft.com/office/officeart/2005/8/colors/accent3_2">
+  <dgm:title val=""/>
+  <dgm:desc val=""/>
+  <dgm:catLst>
+    <dgm:cat type="accent3" pri="11200"/>
+  </dgm:catLst>
+  <dgm:styleLbl name="node0">
+    <dgm:fillClrLst meth="repeat">
+      <a:schemeClr val="accent3"/>
+    </dgm:fillClrLst>
+    <dgm:linClrLst meth="repeat">
+      <a:schemeClr val="lt1"/>
+    </dgm:linClrLst>
+    <dgm:effectClrLst/>
+    <dgm:txLinClrLst/>
+    <dgm:txFillClrLst/>
+    <dgm:txEffectClrLst/>
+  </dgm:styleLbl>
+  <dgm:styleLbl name="node1">
+    <dgm:fillClrLst meth="repeat">
+      <a:schemeClr val="accent3"/>
+    </dgm:fillClrLst>
+    <dgm:linClrLst meth="repeat">
+      <a:schemeClr val="lt1"/>
+    </dgm:linClrLst>
+    <dgm:effectClrLst/>
+    <dgm:txLinClrLst/>
+    <dgm:txFillClrLst/>
+    <dgm:txEffectClrLst/>
+  </dgm:styleLbl>
+  <dgm:styleLbl name="alignNode1">
+    <dgm:fillClrLst meth="repeat">
+      <a:schemeClr val="accent3"/>
+    </dgm:fillClrLst>
+    <dgm:linClrLst meth="repeat">
+      <a:schemeClr val="accent3"/>
+    </dgm:linClrLst>
+    <dgm:effectClrLst/>
+    <dgm:txLinClrLst/>
+    <dgm:txFillClrLst/>
+    <dgm:txEffectClrLst/>
+  </dgm:styleLbl>
+  <dgm:styleLbl name="lnNode1">
+    <dgm:fillClrLst meth="repeat">
+      <a:schemeClr val="accent3"/>
+    </dgm:fillClrLst>
+    <dgm:linClrLst meth="repeat">
+      <a:schemeClr val="lt1"/>
+    </dgm:linClrLst>
+    <dgm:effectClrLst/>
+    <dgm:txLinClrLst/>
+    <dgm:txFillClrLst/>
+    <dgm:txEffectClrLst/>
+  </dgm:styleLbl>
+  <dgm:styleLbl name="vennNode1">
+    <dgm:fillClrLst meth="repeat">
+      <a:schemeClr val="accent3">
+        <a:alpha val="50000"/>
+      </a:schemeClr>
+    </dgm:fillClrLst>
+    <dgm:linClrLst meth="repeat">
+      <a:schemeClr val="lt1"/>
+    </dgm:linClrLst>
+    <dgm:effectClrLst/>
+    <dgm:txLinClrLst/>
+    <dgm:txFillClrLst/>
+    <dgm:txEffectClrLst/>
+  </dgm:styleLbl>
+  <dgm:styleLbl name="node2">
+    <dgm:fillClrLst meth="repeat">
+      <a:schemeClr val="accent3"/>
+    </dgm:fillClrLst>
+    <dgm:linClrLst meth="repeat">
+      <a:schemeClr val="lt1"/>
+    </dgm:linClrLst>
+    <dgm:effectClrLst/>
+    <dgm:txLinClrLst/>
+    <dgm:txFillClrLst/>
+    <dgm:txEffectClrLst/>
+  </dgm:styleLbl>
+  <dgm:styleLbl name="node3">
+    <dgm:fillClrLst meth="repeat">
+      <a:schemeClr val="accent3"/>
+    </dgm:fillClrLst>
+    <dgm:linClrLst meth="repeat">
+      <a:schemeClr val="lt1"/>
+    </dgm:linClrLst>
+    <dgm:effectClrLst/>
+    <dgm:txLinClrLst/>
+    <dgm:txFillClrLst/>
+    <dgm:txEffectClrLst/>
+  </dgm:styleLbl>
+  <dgm:styleLbl name="node4">
+    <dgm:fillClrLst meth="repeat">
+      <a:schemeClr val="accent3"/>
+    </dgm:fillClrLst>
+    <dgm:linClrLst meth="repeat">
+      <a:schemeClr val="lt1"/>
+    </dgm:linClrLst>
+    <dgm:effectClrLst/>
+    <dgm:txLinClrLst/>
+    <dgm:txFillClrLst/>
+    <dgm:txEffectClrLst/>
+  </dgm:styleLbl>
+  <dgm:styleLbl name="fgImgPlace1">
+    <dgm:fillClrLst meth="repeat">
+      <a:schemeClr val="accent3">
+        <a:tint val="50000"/>
+      </a:schemeClr>
+    </dgm:fillClrLst>
+    <dgm:linClrLst meth="repeat">
+      <a:schemeClr val="lt1"/>
+    </dgm:linClrLst>
+    <dgm:effectClrLst/>
+    <dgm:txLinClrLst/>
+    <dgm:txFillClrLst meth="repeat">
+      <a:schemeClr val="lt1"/>
+    </dgm:txFillClrLst>
+    <dgm:txEffectClrLst/>
+  </dgm:styleLbl>
+  <dgm:styleLbl name="alignImgPlace1">
+    <dgm:fillClrLst meth="repeat">
+      <a:schemeClr val="accent3">
+        <a:tint val="50000"/>
+      </a:schemeClr>
+    </dgm:fillClrLst>
+    <dgm:linClrLst meth="repeat">
+      <a:schemeClr val="lt1"/>
+    </dgm:linClrLst>
+    <dgm:effectClrLst/>
+    <dgm:txLinClrLst/>
+    <dgm:txFillClrLst meth="repeat">
+      <a:schemeClr val="lt1"/>
+    </dgm:txFillClrLst>
+    <dgm:txEffectClrLst/>
+  </dgm:styleLbl>
+  <dgm:styleLbl name="bgImgPlace1">
+    <dgm:fillClrLst meth="repeat">
+      <a:schemeClr val="accent3">
+        <a:tint val="50000"/>
+      </a:schemeClr>
+    </dgm:fillClrLst>
+    <dgm:linClrLst meth="repeat">
+      <a:schemeClr val="lt1"/>
+    </dgm:linClrLst>
+    <dgm:effectClrLst/>
+    <dgm:txLinClrLst/>
+    <dgm:txFillClrLst meth="repeat">
+      <a:schemeClr val="lt1"/>
+    </dgm:txFillClrLst>
+    <dgm:txEffectClrLst/>
+  </dgm:styleLbl>
+  <dgm:styleLbl name="sibTrans2D1">
+    <dgm:fillClrLst meth="repeat">
+      <a:schemeClr val="accent3">
+        <a:tint val="60000"/>
+      </a:schemeClr>
+    </dgm:fillClrLst>
+    <dgm:linClrLst meth="repeat">
+      <a:schemeClr val="accent3">
+        <a:tint val="60000"/>
+      </a:schemeClr>
+    </dgm:linClrLst>
+    <dgm:effectClrLst/>
+    <dgm:txLinClrLst/>
+    <dgm:txFillClrLst/>
+    <dgm:txEffectClrLst/>
+  </dgm:styleLbl>
+  <dgm:styleLbl name="fgSibTrans2D1">
+    <dgm:fillClrLst meth="repeat">
+      <a:schemeClr val="accent3">
+        <a:tint val="60000"/>
+      </a:schemeClr>
+    </dgm:fillClrLst>
+    <dgm:linClrLst meth="repeat">
+      <a:schemeClr val="accent3">
+        <a:tint val="60000"/>
+      </a:schemeClr>
+    </dgm:linClrLst>
+    <dgm:effectClrLst/>
+    <dgm:txLinClrLst/>
+    <dgm:txFillClrLst/>
+    <dgm:txEffectClrLst/>
+  </dgm:styleLbl>
+  <dgm:styleLbl name="bgSibTrans2D1">
+    <dgm:fillClrLst meth="repeat">
+      <a:schemeClr val="accent3">
+        <a:tint val="60000"/>
+      </a:schemeClr>
+    </dgm:fillClrLst>
+    <dgm:linClrLst meth="repeat">
+      <a:schemeClr val="accent3">
+        <a:tint val="60000"/>
+      </a:schemeClr>
+    </dgm:linClrLst>
+    <dgm:effectClrLst/>
+    <dgm:txLinClrLst/>
+    <dgm:txFillClrLst/>
+    <dgm:txEffectClrLst/>
+  </dgm:styleLbl>
+  <dgm:styleLbl name="sibTrans1D1">
+    <dgm:fillClrLst meth="repeat">
+      <a:schemeClr val="accent3"/>
+    </dgm:fillClrLst>
+    <dgm:linClrLst meth="repeat">
+      <a:schemeClr val="accent3"/>
+    </dgm:linClrLst>
+    <dgm:effectClrLst/>
+    <dgm:txLinClrLst/>
+    <dgm:txFillClrLst meth="repeat">
+      <a:schemeClr val="tx1"/>
+    </dgm:txFillClrLst>
+    <dgm:txEffectClrLst/>
+  </dgm:styleLbl>
+  <dgm:styleLbl name="callout">
+    <dgm:fillClrLst meth="repeat">
+      <a:schemeClr val="accent3"/>
+    </dgm:fillClrLst>
+    <dgm:linClrLst meth="repeat">
+      <a:schemeClr val="accent3">
+        <a:tint val="50000"/>
+      </a:schemeClr>
+    </dgm:linClrLst>
+    <dgm:effectClrLst/>
+    <dgm:txLinClrLst/>
+    <dgm:txFillClrLst meth="repeat">
+      <a:schemeClr val="tx1"/>
+    </dgm:txFillClrLst>
+    <dgm:txEffectClrLst/>
+  </dgm:styleLbl>
+  <dgm:styleLbl name="asst0">
+    <dgm:fillClrLst meth="repeat">
+      <a:schemeClr val="accent3"/>
+    </dgm:fillClrLst>
+    <dgm:linClrLst meth="repeat">
+      <a:schemeClr val="lt1"/>
+    </dgm:linClrLst>
+    <dgm:effectClrLst/>
+    <dgm:txLinClrLst/>
+    <dgm:txFillClrLst/>
+    <dgm:txEffectClrLst/>
+  </dgm:styleLbl>
+  <dgm:styleLbl name="asst1">
+    <dgm:fillClrLst meth="repeat">
+      <a:schemeClr val="accent3"/>
+    </dgm:fillClrLst>
+    <dgm:linClrLst meth="repeat">
+      <a:schemeClr val="lt1"/>
+    </dgm:linClrLst>
+    <dgm:effectClrLst/>
+    <dgm:txLinClrLst/>
+    <dgm:txFillClrLst/>
+    <dgm:txEffectClrLst/>
+  </dgm:styleLbl>
+  <dgm:styleLbl name="asst2">
+    <dgm:fillClrLst meth="repeat">
+      <a:schemeClr val="accent3"/>
+    </dgm:fillClrLst>
+    <dgm:linClrLst meth="repeat">
+      <a:schemeClr val="lt1"/>
+    </dgm:linClrLst>
+    <dgm:effectClrLst/>
+    <dgm:txLinClrLst/>
+    <dgm:txFillClrLst/>
+    <dgm:txEffectClrLst/>
+  </dgm:styleLbl>
+  <dgm:styleLbl name="asst3">
+    <dgm:fillClrLst meth="repeat">
+      <a:schemeClr val="accent3"/>
+    </dgm:fillClrLst>
+    <dgm:linClrLst meth="repeat">
+      <a:schemeClr val="lt1"/>
+    </dgm:linClrLst>
+    <dgm:effectClrLst/>
+    <dgm:txLinClrLst/>
+    <dgm:txFillClrLst/>
+    <dgm:txEffectClrLst/>
+  </dgm:styleLbl>
+  <dgm:styleLbl name="asst4">
+    <dgm:fillClrLst meth="repeat">
+      <a:schemeClr val="accent3"/>
+    </dgm:fillClrLst>
+    <dgm:linClrLst meth="repeat">
+      <a:schemeClr val="lt1"/>
+    </dgm:linClrLst>
+    <dgm:effectClrLst/>
+    <dgm:txLinClrLst/>
+    <dgm:txFillClrLst/>
+    <dgm:txEffectClrLst/>
+  </dgm:styleLbl>
+  <dgm:styleLbl name="parChTrans2D1">
+    <dgm:fillClrLst meth="repeat">
+      <a:schemeClr val="accent3">
+        <a:tint val="60000"/>
+      </a:schemeClr>
+    </dgm:fillClrLst>
+    <dgm:linClrLst meth="repeat">
+      <a:schemeClr val="accent3">
+        <a:tint val="60000"/>
+      </a:schemeClr>
+    </dgm:linClrLst>
+    <dgm:effectClrLst/>
+    <dgm:txLinClrLst/>
+    <dgm:txFillClrLst meth="repeat">
+      <a:schemeClr val="lt1"/>
+    </dgm:txFillClrLst>
+    <dgm:txEffectClrLst/>
+  </dgm:styleLbl>
+  <dgm:styleLbl name="parChTrans2D2">
+    <dgm:fillClrLst meth="repeat">
+      <a:schemeClr val="accent3"/>
+    </dgm:fillClrLst>
+    <dgm:linClrLst meth="repeat">
+      <a:schemeClr val="accent3"/>
+    </dgm:linClrLst>
+    <dgm:effectClrLst/>
+    <dgm:txLinClrLst/>
+    <dgm:txFillClrLst meth="repeat">
+      <a:schemeClr val="lt1"/>
+    </dgm:txFillClrLst>
+    <dgm:txEffectClrLst/>
+  </dgm:styleLbl>
+  <dgm:styleLbl name="parChTrans2D3">
+    <dgm:fillClrLst meth="repeat">
+      <a:schemeClr val="accent3"/>
+    </dgm:fillClrLst>
+    <dgm:linClrLst meth="repeat">
+      <a:schemeClr val="accent3"/>
+    </dgm:linClrLst>
+    <dgm:effectClrLst/>
+    <dgm:txLinClrLst/>
+    <dgm:txFillClrLst meth="repeat">
+      <a:schemeClr val="lt1"/>
+    </dgm:txFillClrLst>
+    <dgm:txEffectClrLst/>
+  </dgm:styleLbl>
+  <dgm:styleLbl name="parChTrans2D4">
+    <dgm:fillClrLst meth="repeat">
+      <a:schemeClr val="accent3"/>
+    </dgm:fillClrLst>
+    <dgm:linClrLst meth="repeat">
+      <a:schemeClr val="accent3"/>
+    </dgm:linClrLst>
+    <dgm:effectClrLst/>
+    <dgm:txLinClrLst/>
+    <dgm:txFillClrLst meth="repeat">
+      <a:schemeClr val="lt1"/>
+    </dgm:txFillClrLst>
+    <dgm:txEffectClrLst/>
+  </dgm:styleLbl>
+  <dgm:styleLbl name="parChTrans1D1">
+    <dgm:fillClrLst meth="repeat">
+      <a:schemeClr val="accent3"/>
+    </dgm:fillClrLst>
+    <dgm:linClrLst meth="repeat">
+      <a:schemeClr val="accent3">
+        <a:shade val="60000"/>
+      </a:schemeClr>
+    </dgm:linClrLst>
+    <dgm:effectClrLst/>
+    <dgm:txLinClrLst/>
+    <dgm:txFillClrLst meth="repeat">
+      <a:schemeClr val="tx1"/>
+    </dgm:txFillClrLst>
+    <dgm:txEffectClrLst/>
+  </dgm:styleLbl>
+  <dgm:styleLbl name="parChTrans1D2">
+    <dgm:fillClrLst meth="repeat">
+      <a:schemeClr val="accent3"/>
+    </dgm:fillClrLst>
+    <dgm:linClrLst meth="repeat">
+      <a:schemeClr val="accent3">
+        <a:shade val="60000"/>
+      </a:schemeClr>
+    </dgm:linClrLst>
+    <dgm:effectClrLst/>
+    <dgm:txLinClrLst/>
+    <dgm:txFillClrLst meth="repeat">
+      <a:schemeClr val="tx1"/>
+    </dgm:txFillClrLst>
+    <dgm:txEffectClrLst/>
+  </dgm:styleLbl>
+  <dgm:styleLbl name="parChTrans1D3">
+    <dgm:fillClrLst meth="repeat">
+      <a:schemeClr val="accent3"/>
+    </dgm:fillClrLst>
+    <dgm:linClrLst meth="repeat">
+      <a:schemeClr val="accent3">
+        <a:shade val="80000"/>
+      </a:schemeClr>
+    </dgm:linClrLst>
+    <dgm:effectClrLst/>
+    <dgm:txLinClrLst/>
+    <dgm:txFillClrLst meth="repeat">
+      <a:schemeClr val="tx1"/>
+    </dgm:txFillClrLst>
+    <dgm:txEffectClrLst/>
+  </dgm:styleLbl>
+  <dgm:styleLbl name="parChTrans1D4">
+    <dgm:fillClrLst meth="repeat">
+      <a:schemeClr val="accent3"/>
+    </dgm:fillClrLst>
+    <dgm:linClrLst meth="repeat">
+      <a:schemeClr val="accent3">
+        <a:shade val="80000"/>
+      </a:schemeClr>
+    </dgm:linClrLst>
+    <dgm:effectClrLst/>
+    <dgm:txLinClrLst/>
+    <dgm:txFillClrLst meth="repeat">
+      <a:schemeClr val="tx1"/>
+    </dgm:txFillClrLst>
+    <dgm:txEffectClrLst/>
+  </dgm:styleLbl>
+  <dgm:styleLbl name="fgAcc1">
+    <dgm:fillClrLst meth="repeat">
+      <a:schemeClr val="lt1">
+        <a:alpha val="90000"/>
+      </a:schemeClr>
+    </dgm:fillClrLst>
+    <dgm:linClrLst meth="repeat">
+      <a:schemeClr val="accent3"/>
+    </dgm:linClrLst>
+    <dgm:effectClrLst/>
+    <dgm:txLinClrLst/>
+    <dgm:txFillClrLst meth="repeat">
+      <a:schemeClr val="dk1"/>
+    </dgm:txFillClrLst>
+    <dgm:txEffectClrLst/>
+  </dgm:styleLbl>
+  <dgm:styleLbl name="conFgAcc1">
+    <dgm:fillClrLst meth="repeat">
+      <a:schemeClr val="lt1">
+        <a:alpha val="90000"/>
+      </a:schemeClr>
+    </dgm:fillClrLst>
+    <dgm:linClrLst meth="repeat">
+      <a:schemeClr val="accent3"/>
+    </dgm:linClrLst>
+    <dgm:effectClrLst/>
+    <dgm:txLinClrLst/>
+    <dgm:txFillClrLst meth="repeat">
+      <a:schemeClr val="dk1"/>
+    </dgm:txFillClrLst>
+    <dgm:txEffectClrLst/>
+  </dgm:styleLbl>
+  <dgm:styleLbl name="alignAcc1">
+    <dgm:fillClrLst meth="repeat">
+      <a:schemeClr val="lt1">
+        <a:alpha val="90000"/>
+      </a:schemeClr>
+    </dgm:fillClrLst>
+    <dgm:linClrLst meth="repeat">
+      <a:schemeClr val="accent3"/>
+    </dgm:linClrLst>
+    <dgm:effectClrLst/>
+    <dgm:txLinClrLst/>
+    <dgm:txFillClrLst meth="repeat">
+      <a:schemeClr val="dk1"/>
+    </dgm:txFillClrLst>
+    <dgm:txEffectClrLst/>
+  </dgm:styleLbl>
+  <dgm:styleLbl name="trAlignAcc1">
+    <dgm:fillClrLst meth="repeat">
+      <a:schemeClr val="lt1">
+        <a:alpha val="40000"/>
+      </a:schemeClr>
+    </dgm:fillClrLst>
+    <dgm:linClrLst meth="repeat">
+      <a:schemeClr val="accent3"/>
+    </dgm:linClrLst>
+    <dgm:effectClrLst/>
+    <dgm:txLinClrLst/>
+    <dgm:txFillClrLst meth="repeat">
+      <a:schemeClr val="dk1"/>
+    </dgm:txFillClrLst>
+    <dgm:txEffectClrLst/>
+  </dgm:styleLbl>
+  <dgm:styleLbl name="bgAcc1">
+    <dgm:fillClrLst meth="repeat">
+      <a:schemeClr val="lt1">
+        <a:alpha val="90000"/>
+      </a:schemeClr>
+    </dgm:fillClrLst>
+    <dgm:linClrLst meth="repeat">
+      <a:schemeClr val="accent3"/>
+    </dgm:linClrLst>
+    <dgm:effectClrLst/>
+    <dgm:txLinClrLst/>
+    <dgm:txFillClrLst meth="repeat">
+      <a:schemeClr val="dk1"/>
+    </dgm:txFillClrLst>
+    <dgm:txEffectClrLst/>
+  </dgm:styleLbl>
+  <dgm:styleLbl name="solidFgAcc1">
+    <dgm:fillClrLst meth="repeat">
+      <a:schemeClr val="lt1"/>
+    </dgm:fillClrLst>
+    <dgm:linClrLst meth="repeat">
+      <a:schemeClr val="accent3"/>
+    </dgm:linClrLst>
+    <dgm:effectClrLst/>
+    <dgm:txLinClrLst/>
+    <dgm:txFillClrLst meth="repeat">
+      <a:schemeClr val="dk1"/>
+    </dgm:txFillClrLst>
+    <dgm:txEffectClrLst/>
+  </dgm:styleLbl>
+  <dgm:styleLbl name="solidAlignAcc1">
+    <dgm:fillClrLst meth="repeat">
+      <a:schemeClr val="lt1"/>
+    </dgm:fillClrLst>
+    <dgm:linClrLst meth="repeat">
+      <a:schemeClr val="accent3"/>
+    </dgm:linClrLst>
+    <dgm:effectClrLst/>
+    <dgm:txLinClrLst/>
+    <dgm:txFillClrLst meth="repeat">
+      <a:schemeClr val="dk1"/>
+    </dgm:txFillClrLst>
+    <dgm:txEffectClrLst/>
+  </dgm:styleLbl>
+  <dgm:styleLbl name="solidBgAcc1">
+    <dgm:fillClrLst meth="repeat">
+      <a:schemeClr val="lt1"/>
+    </dgm:fillClrLst>
+    <dgm:linClrLst meth="repeat">
+      <a:schemeClr val="accent3"/>
+    </dgm:linClrLst>
+    <dgm:effectClrLst/>
+    <dgm:txLinClrLst/>
+    <dgm:txFillClrLst meth="repeat">
+      <a:schemeClr val="dk1"/>
+    </dgm:txFillClrLst>
+    <dgm:txEffectClrLst/>
+  </dgm:styleLbl>
+  <dgm:styleLbl name="fgAccFollowNode1">
+    <dgm:fillClrLst meth="repeat">
+      <a:schemeClr val="accent3">
+        <a:alpha val="90000"/>
+        <a:tint val="40000"/>
+      </a:schemeClr>
+    </dgm:fillClrLst>
+    <dgm:linClrLst meth="repeat">
+      <a:schemeClr val="accent3">
+        <a:alpha val="90000"/>
+        <a:tint val="40000"/>
+      </a:schemeClr>
+    </dgm:linClrLst>
+    <dgm:effectClrLst/>
+    <dgm:txLinClrLst/>
+    <dgm:txFillClrLst meth="repeat">
+      <a:schemeClr val="dk1"/>
+    </dgm:txFillClrLst>
+    <dgm:txEffectClrLst/>
+  </dgm:styleLbl>
+  <dgm:styleLbl name="alignAccFollowNode1">
+    <dgm:fillClrLst meth="repeat">
+      <a:schemeClr val="accent3">
+        <a:alpha val="90000"/>
+        <a:tint val="40000"/>
+      </a:schemeClr>
+    </dgm:fillClrLst>
+    <dgm:linClrLst meth="repeat">
+      <a:schemeClr val="accent3">
+        <a:alpha val="90000"/>
+        <a:tint val="40000"/>
+      </a:schemeClr>
+    </dgm:linClrLst>
+    <dgm:effectClrLst/>
+    <dgm:txLinClrLst/>
+    <dgm:txFillClrLst meth="repeat">
+      <a:schemeClr val="dk1"/>
+    </dgm:txFillClrLst>
+    <dgm:txEffectClrLst/>
+  </dgm:styleLbl>
+  <dgm:styleLbl name="bgAccFollowNode1">
+    <dgm:fillClrLst meth="repeat">
+      <a:schemeClr val="accent3">
+        <a:alpha val="90000"/>
+        <a:tint val="40000"/>
+      </a:schemeClr>
+    </dgm:fillClrLst>
+    <dgm:linClrLst meth="repeat">
+      <a:schemeClr val="accent3">
+        <a:alpha val="90000"/>
+        <a:tint val="40000"/>
+      </a:schemeClr>
+    </dgm:linClrLst>
+    <dgm:effectClrLst/>
+    <dgm:txLinClrLst/>
+    <dgm:txFillClrLst meth="repeat">
+      <a:schemeClr val="dk1"/>
+    </dgm:txFillClrLst>
+    <dgm:txEffectClrLst/>
+  </dgm:styleLbl>
+  <dgm:styleLbl name="fgAcc0">
+    <dgm:fillClrLst meth="repeat">
+      <a:schemeClr val="lt1">
+        <a:alpha val="90000"/>
+      </a:schemeClr>
+    </dgm:fillClrLst>
+    <dgm:linClrLst meth="repeat">
+      <a:schemeClr val="accent3"/>
+    </dgm:linClrLst>
+    <dgm:effectClrLst/>
+    <dgm:txLinClrLst/>
+    <dgm:txFillClrLst meth="repeat">
+      <a:schemeClr val="dk1"/>
+    </dgm:txFillClrLst>
+    <dgm:txEffectClrLst/>
+  </dgm:styleLbl>
+  <dgm:styleLbl name="fgAcc2">
+    <dgm:fillClrLst meth="repeat">
+      <a:schemeClr val="lt1">
+        <a:alpha val="90000"/>
+      </a:schemeClr>
+    </dgm:fillClrLst>
+    <dgm:linClrLst meth="repeat">
+      <a:schemeClr val="accent3"/>
+    </dgm:linClrLst>
+    <dgm:effectClrLst/>
+    <dgm:txLinClrLst/>
+    <dgm:txFillClrLst meth="repeat">
+      <a:schemeClr val="dk1"/>
+    </dgm:txFillClrLst>
+    <dgm:txEffectClrLst/>
+  </dgm:styleLbl>
+  <dgm:styleLbl name="fgAcc3">
+    <dgm:fillClrLst meth="repeat">
+      <a:schemeClr val="lt1">
+        <a:alpha val="90000"/>
+      </a:schemeClr>
+    </dgm:fillClrLst>
+    <dgm:linClrLst meth="repeat">
+      <a:schemeClr val="accent3"/>
+    </dgm:linClrLst>
+    <dgm:effectClrLst/>
+    <dgm:txLinClrLst/>
+    <dgm:txFillClrLst meth="repeat">
+      <a:schemeClr val="dk1"/>
+    </dgm:txFillClrLst>
+    <dgm:txEffectClrLst/>
+  </dgm:styleLbl>
+  <dgm:styleLbl name="fgAcc4">
+    <dgm:fillClrLst meth="repeat">
+      <a:schemeClr val="lt1">
+        <a:alpha val="90000"/>
+      </a:schemeClr>
+    </dgm:fillClrLst>
+    <dgm:linClrLst meth="repeat">
+      <a:schemeClr val="accent3"/>
+    </dgm:linClrLst>
+    <dgm:effectClrLst/>
+    <dgm:txLinClrLst/>
+    <dgm:txFillClrLst meth="repeat">
+      <a:schemeClr val="dk1"/>
+    </dgm:txFillClrLst>
+    <dgm:txEffectClrLst/>
+  </dgm:styleLbl>
+  <dgm:styleLbl name="bgShp">
+    <dgm:fillClrLst meth="repeat">
+      <a:schemeClr val="accent3">
+        <a:tint val="40000"/>
+      </a:schemeClr>
+    </dgm:fillClrLst>
+    <dgm:linClrLst meth="repeat">
+      <a:schemeClr val="accent3"/>
+    </dgm:linClrLst>
+    <dgm:effectClrLst/>
+    <dgm:txLinClrLst/>
+    <dgm:txFillClrLst meth="repeat">
+      <a:schemeClr val="dk1"/>
+    </dgm:txFillClrLst>
+    <dgm:txEffectClrLst/>
+  </dgm:styleLbl>
+  <dgm:styleLbl name="dkBgShp">
+    <dgm:fillClrLst meth="repeat">
+      <a:schemeClr val="accent3">
+        <a:shade val="80000"/>
+      </a:schemeClr>
+    </dgm:fillClrLst>
+    <dgm:linClrLst meth="repeat">
+      <a:schemeClr val="accent3"/>
+    </dgm:linClrLst>
+    <dgm:effectClrLst/>
+    <dgm:txLinClrLst/>
+    <dgm:txFillClrLst meth="repeat">
+      <a:schemeClr val="lt1"/>
+    </dgm:txFillClrLst>
+    <dgm:txEffectClrLst/>
+  </dgm:styleLbl>
+  <dgm:styleLbl name="trBgShp">
+    <dgm:fillClrLst meth="repeat">
+      <a:schemeClr val="accent3">
+        <a:tint val="50000"/>
+        <a:alpha val="40000"/>
+      </a:schemeClr>
+    </dgm:fillClrLst>
+    <dgm:linClrLst meth="repeat">
+      <a:schemeClr val="accent3"/>
+    </dgm:linClrLst>
+    <dgm:effectClrLst/>
+    <dgm:txLinClrLst/>
+    <dgm:txFillClrLst meth="repeat">
+      <a:schemeClr val="lt1"/>
+    </dgm:txFillClrLst>
+    <dgm:txEffectClrLst/>
+  </dgm:styleLbl>
+  <dgm:styleLbl name="fgShp">
+    <dgm:fillClrLst meth="repeat">
+      <a:schemeClr val="accent3">
+        <a:tint val="60000"/>
       </a:schemeClr>
     </dgm:fillClrLst>
     <dgm:linClrLst meth="repeat">
@@ -3542,6 +4301,290 @@
   <dgm:extLst>
     <a:ext uri="http://schemas.microsoft.com/office/drawing/2008/diagram">
       <dsp:dataModelExt xmlns:dsp="http://schemas.microsoft.com/office/drawing/2008/diagram" relId="rId7" minVer="http://schemas.openxmlformats.org/drawingml/2006/diagram"/>
+    </a:ext>
+  </dgm:extLst>
+</dgm:dataModel>
+</file>
+
+<file path=ppt/diagrams/data4.xml><?xml version="1.0" encoding="utf-8"?>
+<dgm:dataModel xmlns:dgm="http://schemas.openxmlformats.org/drawingml/2006/diagram" xmlns:a="http://schemas.openxmlformats.org/drawingml/2006/main">
+  <dgm:ptLst>
+    <dgm:pt modelId="{DA579D12-2F67-5849-93F4-18F8DC0BC839}" type="doc">
+      <dgm:prSet loTypeId="urn:microsoft.com/office/officeart/2005/8/layout/orgChart1" loCatId="" qsTypeId="urn:microsoft.com/office/officeart/2005/8/quickstyle/simple5" qsCatId="simple" csTypeId="urn:microsoft.com/office/officeart/2005/8/colors/accent3_2" csCatId="accent3" phldr="1"/>
+      <dgm:spPr/>
+      <dgm:t>
+        <a:bodyPr/>
+        <a:lstStyle/>
+        <a:p>
+          <a:endParaRPr lang="en-GB"/>
+        </a:p>
+      </dgm:t>
+    </dgm:pt>
+    <dgm:pt modelId="{85502F46-596B-5640-8F5B-3109597D20E8}">
+      <dgm:prSet phldrT="[Text]"/>
+      <dgm:spPr/>
+      <dgm:t>
+        <a:bodyPr/>
+        <a:lstStyle/>
+        <a:p>
+          <a:r>
+            <a:rPr lang="en-GB" dirty="0"/>
+            <a:t>Methods/Functions</a:t>
+          </a:r>
+        </a:p>
+      </dgm:t>
+    </dgm:pt>
+    <dgm:pt modelId="{93A835F0-B83E-AE4D-A2C3-77FD857DC10D}" type="parTrans" cxnId="{06A63CB5-A2EC-9E48-8E53-9E72A8210A39}">
+      <dgm:prSet/>
+      <dgm:spPr/>
+      <dgm:t>
+        <a:bodyPr/>
+        <a:lstStyle/>
+        <a:p>
+          <a:endParaRPr lang="en-GB"/>
+        </a:p>
+      </dgm:t>
+    </dgm:pt>
+    <dgm:pt modelId="{77595150-22ED-CB40-B0F9-60E44F682775}" type="sibTrans" cxnId="{06A63CB5-A2EC-9E48-8E53-9E72A8210A39}">
+      <dgm:prSet/>
+      <dgm:spPr/>
+      <dgm:t>
+        <a:bodyPr/>
+        <a:lstStyle/>
+        <a:p>
+          <a:endParaRPr lang="en-GB"/>
+        </a:p>
+      </dgm:t>
+    </dgm:pt>
+    <dgm:pt modelId="{6F9042DC-C91F-E647-9510-7286A18546D8}">
+      <dgm:prSet phldrT="[Text]"/>
+      <dgm:spPr/>
+      <dgm:t>
+        <a:bodyPr/>
+        <a:lstStyle/>
+        <a:p>
+          <a:r>
+            <a:rPr lang="en-GB" dirty="0"/>
+            <a:t>Value Receiver</a:t>
+          </a:r>
+        </a:p>
+      </dgm:t>
+    </dgm:pt>
+    <dgm:pt modelId="{92D71ABF-00DB-344A-9AA3-FAD524006D0D}" type="parTrans" cxnId="{2273D200-7FB5-8145-9888-A3F24FF89E7B}">
+      <dgm:prSet/>
+      <dgm:spPr/>
+      <dgm:t>
+        <a:bodyPr/>
+        <a:lstStyle/>
+        <a:p>
+          <a:endParaRPr lang="en-GB"/>
+        </a:p>
+      </dgm:t>
+    </dgm:pt>
+    <dgm:pt modelId="{4877C747-866F-4642-937B-B415FC1998F1}" type="sibTrans" cxnId="{2273D200-7FB5-8145-9888-A3F24FF89E7B}">
+      <dgm:prSet/>
+      <dgm:spPr/>
+      <dgm:t>
+        <a:bodyPr/>
+        <a:lstStyle/>
+        <a:p>
+          <a:endParaRPr lang="en-GB"/>
+        </a:p>
+      </dgm:t>
+    </dgm:pt>
+    <dgm:pt modelId="{20D875D4-E852-9E4A-8933-60461EDCFC86}">
+      <dgm:prSet phldrT="[Text]"/>
+      <dgm:spPr/>
+      <dgm:t>
+        <a:bodyPr/>
+        <a:lstStyle/>
+        <a:p>
+          <a:r>
+            <a:rPr lang="en-GB" dirty="0"/>
+            <a:t>Pointer Receiver</a:t>
+          </a:r>
+        </a:p>
+      </dgm:t>
+    </dgm:pt>
+    <dgm:pt modelId="{4B0C83EC-AA49-0849-A08A-AAD6A721AB1B}" type="parTrans" cxnId="{D63757B7-EEF5-FD40-B471-280CCE365495}">
+      <dgm:prSet/>
+      <dgm:spPr/>
+      <dgm:t>
+        <a:bodyPr/>
+        <a:lstStyle/>
+        <a:p>
+          <a:endParaRPr lang="en-GB"/>
+        </a:p>
+      </dgm:t>
+    </dgm:pt>
+    <dgm:pt modelId="{520C6C3A-4556-3C4C-9C67-C869B3723103}" type="sibTrans" cxnId="{D63757B7-EEF5-FD40-B471-280CCE365495}">
+      <dgm:prSet/>
+      <dgm:spPr/>
+      <dgm:t>
+        <a:bodyPr/>
+        <a:lstStyle/>
+        <a:p>
+          <a:endParaRPr lang="en-GB"/>
+        </a:p>
+      </dgm:t>
+    </dgm:pt>
+    <dgm:pt modelId="{2C4CA9FC-C536-B746-B2A4-D6576F707A2D}" type="pres">
+      <dgm:prSet presAssocID="{DA579D12-2F67-5849-93F4-18F8DC0BC839}" presName="hierChild1" presStyleCnt="0">
+        <dgm:presLayoutVars>
+          <dgm:orgChart val="1"/>
+          <dgm:chPref val="1"/>
+          <dgm:dir/>
+          <dgm:animOne val="branch"/>
+          <dgm:animLvl val="lvl"/>
+          <dgm:resizeHandles/>
+        </dgm:presLayoutVars>
+      </dgm:prSet>
+      <dgm:spPr/>
+    </dgm:pt>
+    <dgm:pt modelId="{22C7B280-5EED-294E-A26C-585DA4E9F737}" type="pres">
+      <dgm:prSet presAssocID="{85502F46-596B-5640-8F5B-3109597D20E8}" presName="hierRoot1" presStyleCnt="0">
+        <dgm:presLayoutVars>
+          <dgm:hierBranch val="init"/>
+        </dgm:presLayoutVars>
+      </dgm:prSet>
+      <dgm:spPr/>
+    </dgm:pt>
+    <dgm:pt modelId="{1FE117BC-3315-6F42-8710-7799B150FABF}" type="pres">
+      <dgm:prSet presAssocID="{85502F46-596B-5640-8F5B-3109597D20E8}" presName="rootComposite1" presStyleCnt="0"/>
+      <dgm:spPr/>
+    </dgm:pt>
+    <dgm:pt modelId="{AA34BD89-A7FB-5C44-92D2-ECB7DFD92AF5}" type="pres">
+      <dgm:prSet presAssocID="{85502F46-596B-5640-8F5B-3109597D20E8}" presName="rootText1" presStyleLbl="node0" presStyleIdx="0" presStyleCnt="1">
+        <dgm:presLayoutVars>
+          <dgm:chPref val="3"/>
+        </dgm:presLayoutVars>
+      </dgm:prSet>
+      <dgm:spPr/>
+    </dgm:pt>
+    <dgm:pt modelId="{E5B65A1A-0872-0C46-81FE-640539E02B77}" type="pres">
+      <dgm:prSet presAssocID="{85502F46-596B-5640-8F5B-3109597D20E8}" presName="rootConnector1" presStyleLbl="node1" presStyleIdx="0" presStyleCnt="0"/>
+      <dgm:spPr/>
+    </dgm:pt>
+    <dgm:pt modelId="{086099DF-5810-F34C-84B2-83337BADA80A}" type="pres">
+      <dgm:prSet presAssocID="{85502F46-596B-5640-8F5B-3109597D20E8}" presName="hierChild2" presStyleCnt="0"/>
+      <dgm:spPr/>
+    </dgm:pt>
+    <dgm:pt modelId="{F627360A-5025-F141-BF79-055750E27FAD}" type="pres">
+      <dgm:prSet presAssocID="{92D71ABF-00DB-344A-9AA3-FAD524006D0D}" presName="Name37" presStyleLbl="parChTrans1D2" presStyleIdx="0" presStyleCnt="2"/>
+      <dgm:spPr/>
+    </dgm:pt>
+    <dgm:pt modelId="{4C2FAFF2-1926-694C-BDF3-38229DF61D70}" type="pres">
+      <dgm:prSet presAssocID="{6F9042DC-C91F-E647-9510-7286A18546D8}" presName="hierRoot2" presStyleCnt="0">
+        <dgm:presLayoutVars>
+          <dgm:hierBranch val="init"/>
+        </dgm:presLayoutVars>
+      </dgm:prSet>
+      <dgm:spPr/>
+    </dgm:pt>
+    <dgm:pt modelId="{3164CA58-02DF-6D46-AAEA-5B29652431E1}" type="pres">
+      <dgm:prSet presAssocID="{6F9042DC-C91F-E647-9510-7286A18546D8}" presName="rootComposite" presStyleCnt="0"/>
+      <dgm:spPr/>
+    </dgm:pt>
+    <dgm:pt modelId="{9E700C7D-8F50-5447-B73D-D6804ABA6954}" type="pres">
+      <dgm:prSet presAssocID="{6F9042DC-C91F-E647-9510-7286A18546D8}" presName="rootText" presStyleLbl="node2" presStyleIdx="0" presStyleCnt="2">
+        <dgm:presLayoutVars>
+          <dgm:chPref val="3"/>
+        </dgm:presLayoutVars>
+      </dgm:prSet>
+      <dgm:spPr/>
+    </dgm:pt>
+    <dgm:pt modelId="{5589F6D7-7FBA-6F42-855A-B6B1F77A902F}" type="pres">
+      <dgm:prSet presAssocID="{6F9042DC-C91F-E647-9510-7286A18546D8}" presName="rootConnector" presStyleLbl="node2" presStyleIdx="0" presStyleCnt="2"/>
+      <dgm:spPr/>
+    </dgm:pt>
+    <dgm:pt modelId="{86379D0C-F915-D345-B385-6854DEB3BB34}" type="pres">
+      <dgm:prSet presAssocID="{6F9042DC-C91F-E647-9510-7286A18546D8}" presName="hierChild4" presStyleCnt="0"/>
+      <dgm:spPr/>
+    </dgm:pt>
+    <dgm:pt modelId="{82097BC1-D2A0-7F41-AAA1-759A1A7FFDFC}" type="pres">
+      <dgm:prSet presAssocID="{6F9042DC-C91F-E647-9510-7286A18546D8}" presName="hierChild5" presStyleCnt="0"/>
+      <dgm:spPr/>
+    </dgm:pt>
+    <dgm:pt modelId="{C61CB07F-3B3E-3646-A50C-5921F06F31F4}" type="pres">
+      <dgm:prSet presAssocID="{4B0C83EC-AA49-0849-A08A-AAD6A721AB1B}" presName="Name37" presStyleLbl="parChTrans1D2" presStyleIdx="1" presStyleCnt="2"/>
+      <dgm:spPr/>
+    </dgm:pt>
+    <dgm:pt modelId="{831B0F81-C5EC-604D-8082-9789ED42A64F}" type="pres">
+      <dgm:prSet presAssocID="{20D875D4-E852-9E4A-8933-60461EDCFC86}" presName="hierRoot2" presStyleCnt="0">
+        <dgm:presLayoutVars>
+          <dgm:hierBranch val="init"/>
+        </dgm:presLayoutVars>
+      </dgm:prSet>
+      <dgm:spPr/>
+    </dgm:pt>
+    <dgm:pt modelId="{EB369538-8C1D-6844-A785-03EC90FD3F02}" type="pres">
+      <dgm:prSet presAssocID="{20D875D4-E852-9E4A-8933-60461EDCFC86}" presName="rootComposite" presStyleCnt="0"/>
+      <dgm:spPr/>
+    </dgm:pt>
+    <dgm:pt modelId="{B2D634F7-A061-FA42-AB76-9E266356D3D5}" type="pres">
+      <dgm:prSet presAssocID="{20D875D4-E852-9E4A-8933-60461EDCFC86}" presName="rootText" presStyleLbl="node2" presStyleIdx="1" presStyleCnt="2">
+        <dgm:presLayoutVars>
+          <dgm:chPref val="3"/>
+        </dgm:presLayoutVars>
+      </dgm:prSet>
+      <dgm:spPr/>
+    </dgm:pt>
+    <dgm:pt modelId="{9445F483-592F-9C42-A69A-A5054F9365C8}" type="pres">
+      <dgm:prSet presAssocID="{20D875D4-E852-9E4A-8933-60461EDCFC86}" presName="rootConnector" presStyleLbl="node2" presStyleIdx="1" presStyleCnt="2"/>
+      <dgm:spPr/>
+    </dgm:pt>
+    <dgm:pt modelId="{DD6AF429-BE44-2141-8F07-57B1BA914653}" type="pres">
+      <dgm:prSet presAssocID="{20D875D4-E852-9E4A-8933-60461EDCFC86}" presName="hierChild4" presStyleCnt="0"/>
+      <dgm:spPr/>
+    </dgm:pt>
+    <dgm:pt modelId="{47B40E52-C27F-C345-BC87-76A6A9E470B1}" type="pres">
+      <dgm:prSet presAssocID="{20D875D4-E852-9E4A-8933-60461EDCFC86}" presName="hierChild5" presStyleCnt="0"/>
+      <dgm:spPr/>
+    </dgm:pt>
+    <dgm:pt modelId="{82867A67-928A-B043-8999-A641C2810717}" type="pres">
+      <dgm:prSet presAssocID="{85502F46-596B-5640-8F5B-3109597D20E8}" presName="hierChild3" presStyleCnt="0"/>
+      <dgm:spPr/>
+    </dgm:pt>
+  </dgm:ptLst>
+  <dgm:cxnLst>
+    <dgm:cxn modelId="{2273D200-7FB5-8145-9888-A3F24FF89E7B}" srcId="{85502F46-596B-5640-8F5B-3109597D20E8}" destId="{6F9042DC-C91F-E647-9510-7286A18546D8}" srcOrd="0" destOrd="0" parTransId="{92D71ABF-00DB-344A-9AA3-FAD524006D0D}" sibTransId="{4877C747-866F-4642-937B-B415FC1998F1}"/>
+    <dgm:cxn modelId="{58A40930-8400-944C-8474-4307F60966F7}" type="presOf" srcId="{92D71ABF-00DB-344A-9AA3-FAD524006D0D}" destId="{F627360A-5025-F141-BF79-055750E27FAD}" srcOrd="0" destOrd="0" presId="urn:microsoft.com/office/officeart/2005/8/layout/orgChart1"/>
+    <dgm:cxn modelId="{E0AD8349-2486-8740-B2D1-C73603102A09}" type="presOf" srcId="{20D875D4-E852-9E4A-8933-60461EDCFC86}" destId="{9445F483-592F-9C42-A69A-A5054F9365C8}" srcOrd="1" destOrd="0" presId="urn:microsoft.com/office/officeart/2005/8/layout/orgChart1"/>
+    <dgm:cxn modelId="{D40DCF57-9D27-1945-BBC3-9FB45ACE769B}" type="presOf" srcId="{20D875D4-E852-9E4A-8933-60461EDCFC86}" destId="{B2D634F7-A061-FA42-AB76-9E266356D3D5}" srcOrd="0" destOrd="0" presId="urn:microsoft.com/office/officeart/2005/8/layout/orgChart1"/>
+    <dgm:cxn modelId="{B629805D-BECC-724B-8420-65A823AD077F}" type="presOf" srcId="{6F9042DC-C91F-E647-9510-7286A18546D8}" destId="{9E700C7D-8F50-5447-B73D-D6804ABA6954}" srcOrd="0" destOrd="0" presId="urn:microsoft.com/office/officeart/2005/8/layout/orgChart1"/>
+    <dgm:cxn modelId="{D264746F-4014-7C41-8A15-22E71C5C88D5}" type="presOf" srcId="{4B0C83EC-AA49-0849-A08A-AAD6A721AB1B}" destId="{C61CB07F-3B3E-3646-A50C-5921F06F31F4}" srcOrd="0" destOrd="0" presId="urn:microsoft.com/office/officeart/2005/8/layout/orgChart1"/>
+    <dgm:cxn modelId="{F8882775-08AF-CE45-BBF1-32821E1357B0}" type="presOf" srcId="{85502F46-596B-5640-8F5B-3109597D20E8}" destId="{AA34BD89-A7FB-5C44-92D2-ECB7DFD92AF5}" srcOrd="0" destOrd="0" presId="urn:microsoft.com/office/officeart/2005/8/layout/orgChart1"/>
+    <dgm:cxn modelId="{1F319188-B2E8-4142-AD10-FD68C08A83C3}" type="presOf" srcId="{DA579D12-2F67-5849-93F4-18F8DC0BC839}" destId="{2C4CA9FC-C536-B746-B2A4-D6576F707A2D}" srcOrd="0" destOrd="0" presId="urn:microsoft.com/office/officeart/2005/8/layout/orgChart1"/>
+    <dgm:cxn modelId="{06A63CB5-A2EC-9E48-8E53-9E72A8210A39}" srcId="{DA579D12-2F67-5849-93F4-18F8DC0BC839}" destId="{85502F46-596B-5640-8F5B-3109597D20E8}" srcOrd="0" destOrd="0" parTransId="{93A835F0-B83E-AE4D-A2C3-77FD857DC10D}" sibTransId="{77595150-22ED-CB40-B0F9-60E44F682775}"/>
+    <dgm:cxn modelId="{D63757B7-EEF5-FD40-B471-280CCE365495}" srcId="{85502F46-596B-5640-8F5B-3109597D20E8}" destId="{20D875D4-E852-9E4A-8933-60461EDCFC86}" srcOrd="1" destOrd="0" parTransId="{4B0C83EC-AA49-0849-A08A-AAD6A721AB1B}" sibTransId="{520C6C3A-4556-3C4C-9C67-C869B3723103}"/>
+    <dgm:cxn modelId="{4DBA46E4-907E-2C4C-B256-3143C5C74EE3}" type="presOf" srcId="{6F9042DC-C91F-E647-9510-7286A18546D8}" destId="{5589F6D7-7FBA-6F42-855A-B6B1F77A902F}" srcOrd="1" destOrd="0" presId="urn:microsoft.com/office/officeart/2005/8/layout/orgChart1"/>
+    <dgm:cxn modelId="{0E4740F1-4675-4647-A229-8BE46CD61AD6}" type="presOf" srcId="{85502F46-596B-5640-8F5B-3109597D20E8}" destId="{E5B65A1A-0872-0C46-81FE-640539E02B77}" srcOrd="1" destOrd="0" presId="urn:microsoft.com/office/officeart/2005/8/layout/orgChart1"/>
+    <dgm:cxn modelId="{80E48037-D5C0-7446-84D1-825AFA21A1E8}" type="presParOf" srcId="{2C4CA9FC-C536-B746-B2A4-D6576F707A2D}" destId="{22C7B280-5EED-294E-A26C-585DA4E9F737}" srcOrd="0" destOrd="0" presId="urn:microsoft.com/office/officeart/2005/8/layout/orgChart1"/>
+    <dgm:cxn modelId="{2A5B8044-108E-5D4E-9075-081A87C812FC}" type="presParOf" srcId="{22C7B280-5EED-294E-A26C-585DA4E9F737}" destId="{1FE117BC-3315-6F42-8710-7799B150FABF}" srcOrd="0" destOrd="0" presId="urn:microsoft.com/office/officeart/2005/8/layout/orgChart1"/>
+    <dgm:cxn modelId="{DD5C5C4C-7E72-6F47-AE37-376DA39DB2E6}" type="presParOf" srcId="{1FE117BC-3315-6F42-8710-7799B150FABF}" destId="{AA34BD89-A7FB-5C44-92D2-ECB7DFD92AF5}" srcOrd="0" destOrd="0" presId="urn:microsoft.com/office/officeart/2005/8/layout/orgChart1"/>
+    <dgm:cxn modelId="{AFA9BE38-39E5-E048-B30E-15641127BF3B}" type="presParOf" srcId="{1FE117BC-3315-6F42-8710-7799B150FABF}" destId="{E5B65A1A-0872-0C46-81FE-640539E02B77}" srcOrd="1" destOrd="0" presId="urn:microsoft.com/office/officeart/2005/8/layout/orgChart1"/>
+    <dgm:cxn modelId="{2A1F954F-D385-FF48-90C7-55AE3E48CA0F}" type="presParOf" srcId="{22C7B280-5EED-294E-A26C-585DA4E9F737}" destId="{086099DF-5810-F34C-84B2-83337BADA80A}" srcOrd="1" destOrd="0" presId="urn:microsoft.com/office/officeart/2005/8/layout/orgChart1"/>
+    <dgm:cxn modelId="{D33A18D1-A4F9-1146-BFAD-EC36DA4BF743}" type="presParOf" srcId="{086099DF-5810-F34C-84B2-83337BADA80A}" destId="{F627360A-5025-F141-BF79-055750E27FAD}" srcOrd="0" destOrd="0" presId="urn:microsoft.com/office/officeart/2005/8/layout/orgChart1"/>
+    <dgm:cxn modelId="{5BD3F32B-E463-BF40-BD0B-0004A798AAEE}" type="presParOf" srcId="{086099DF-5810-F34C-84B2-83337BADA80A}" destId="{4C2FAFF2-1926-694C-BDF3-38229DF61D70}" srcOrd="1" destOrd="0" presId="urn:microsoft.com/office/officeart/2005/8/layout/orgChart1"/>
+    <dgm:cxn modelId="{9BB4922E-0362-CF42-8E1D-A9ED10504410}" type="presParOf" srcId="{4C2FAFF2-1926-694C-BDF3-38229DF61D70}" destId="{3164CA58-02DF-6D46-AAEA-5B29652431E1}" srcOrd="0" destOrd="0" presId="urn:microsoft.com/office/officeart/2005/8/layout/orgChart1"/>
+    <dgm:cxn modelId="{6D0EE162-4207-A24B-9D7E-77B62FAC283A}" type="presParOf" srcId="{3164CA58-02DF-6D46-AAEA-5B29652431E1}" destId="{9E700C7D-8F50-5447-B73D-D6804ABA6954}" srcOrd="0" destOrd="0" presId="urn:microsoft.com/office/officeart/2005/8/layout/orgChart1"/>
+    <dgm:cxn modelId="{FE1237E9-A1B2-CA44-82ED-CCA3FB92463E}" type="presParOf" srcId="{3164CA58-02DF-6D46-AAEA-5B29652431E1}" destId="{5589F6D7-7FBA-6F42-855A-B6B1F77A902F}" srcOrd="1" destOrd="0" presId="urn:microsoft.com/office/officeart/2005/8/layout/orgChart1"/>
+    <dgm:cxn modelId="{9965BC71-1718-A74B-B902-5718E373E1FD}" type="presParOf" srcId="{4C2FAFF2-1926-694C-BDF3-38229DF61D70}" destId="{86379D0C-F915-D345-B385-6854DEB3BB34}" srcOrd="1" destOrd="0" presId="urn:microsoft.com/office/officeart/2005/8/layout/orgChart1"/>
+    <dgm:cxn modelId="{89E187AE-E078-0448-BDC2-DF28F05AE5DD}" type="presParOf" srcId="{4C2FAFF2-1926-694C-BDF3-38229DF61D70}" destId="{82097BC1-D2A0-7F41-AAA1-759A1A7FFDFC}" srcOrd="2" destOrd="0" presId="urn:microsoft.com/office/officeart/2005/8/layout/orgChart1"/>
+    <dgm:cxn modelId="{980AD510-CDC9-BC46-99F0-0FC810D02953}" type="presParOf" srcId="{086099DF-5810-F34C-84B2-83337BADA80A}" destId="{C61CB07F-3B3E-3646-A50C-5921F06F31F4}" srcOrd="2" destOrd="0" presId="urn:microsoft.com/office/officeart/2005/8/layout/orgChart1"/>
+    <dgm:cxn modelId="{9CAE5E60-235B-A142-B46E-55FBAB61EA37}" type="presParOf" srcId="{086099DF-5810-F34C-84B2-83337BADA80A}" destId="{831B0F81-C5EC-604D-8082-9789ED42A64F}" srcOrd="3" destOrd="0" presId="urn:microsoft.com/office/officeart/2005/8/layout/orgChart1"/>
+    <dgm:cxn modelId="{576D17BC-605A-9541-A4D2-40419BABE65F}" type="presParOf" srcId="{831B0F81-C5EC-604D-8082-9789ED42A64F}" destId="{EB369538-8C1D-6844-A785-03EC90FD3F02}" srcOrd="0" destOrd="0" presId="urn:microsoft.com/office/officeart/2005/8/layout/orgChart1"/>
+    <dgm:cxn modelId="{8633B027-8995-644F-98F1-D725FE31971C}" type="presParOf" srcId="{EB369538-8C1D-6844-A785-03EC90FD3F02}" destId="{B2D634F7-A061-FA42-AB76-9E266356D3D5}" srcOrd="0" destOrd="0" presId="urn:microsoft.com/office/officeart/2005/8/layout/orgChart1"/>
+    <dgm:cxn modelId="{4C9D4F0A-6F95-9D4B-91D4-8506BDC1A20A}" type="presParOf" srcId="{EB369538-8C1D-6844-A785-03EC90FD3F02}" destId="{9445F483-592F-9C42-A69A-A5054F9365C8}" srcOrd="1" destOrd="0" presId="urn:microsoft.com/office/officeart/2005/8/layout/orgChart1"/>
+    <dgm:cxn modelId="{744AF919-1C41-AB4E-8F47-66AE5576BE45}" type="presParOf" srcId="{831B0F81-C5EC-604D-8082-9789ED42A64F}" destId="{DD6AF429-BE44-2141-8F07-57B1BA914653}" srcOrd="1" destOrd="0" presId="urn:microsoft.com/office/officeart/2005/8/layout/orgChart1"/>
+    <dgm:cxn modelId="{FD491FD0-987A-DB4E-8650-CF898298C002}" type="presParOf" srcId="{831B0F81-C5EC-604D-8082-9789ED42A64F}" destId="{47B40E52-C27F-C345-BC87-76A6A9E470B1}" srcOrd="2" destOrd="0" presId="urn:microsoft.com/office/officeart/2005/8/layout/orgChart1"/>
+    <dgm:cxn modelId="{7E5E7C9E-0281-7840-AD03-E8D217084963}" type="presParOf" srcId="{22C7B280-5EED-294E-A26C-585DA4E9F737}" destId="{82867A67-928A-B043-8999-A641C2810717}" srcOrd="2" destOrd="0" presId="urn:microsoft.com/office/officeart/2005/8/layout/orgChart1"/>
+  </dgm:cxnLst>
+  <dgm:bg/>
+  <dgm:whole/>
+  <dgm:extLst>
+    <a:ext uri="http://schemas.microsoft.com/office/drawing/2008/diagram">
+      <dsp:dataModelExt xmlns:dsp="http://schemas.microsoft.com/office/drawing/2008/diagram" relId="rId8" minVer="http://schemas.openxmlformats.org/drawingml/2006/diagram"/>
     </a:ext>
   </dgm:extLst>
 </dgm:dataModel>
@@ -4748,6 +5791,437 @@
       <dsp:txXfrm>
         <a:off x="79161" y="3618711"/>
         <a:ext cx="5731364" cy="1463297"/>
+      </dsp:txXfrm>
+    </dsp:sp>
+  </dsp:spTree>
+</dsp:drawing>
+</file>
+
+<file path=ppt/diagrams/drawing4.xml><?xml version="1.0" encoding="utf-8"?>
+<dsp:drawing xmlns:dgm="http://schemas.openxmlformats.org/drawingml/2006/diagram" xmlns:dsp="http://schemas.microsoft.com/office/drawing/2008/diagram" xmlns:a="http://schemas.openxmlformats.org/drawingml/2006/main">
+  <dsp:spTree>
+    <dsp:nvGrpSpPr>
+      <dsp:cNvPr id="0" name=""/>
+      <dsp:cNvGrpSpPr/>
+    </dsp:nvGrpSpPr>
+    <dsp:grpSpPr/>
+    <dsp:sp modelId="{C61CB07F-3B3E-3646-A50C-5921F06F31F4}">
+      <dsp:nvSpPr>
+        <dsp:cNvPr id="0" name=""/>
+        <dsp:cNvSpPr/>
+      </dsp:nvSpPr>
+      <dsp:spPr>
+        <a:xfrm>
+          <a:off x="3979780" y="1652043"/>
+          <a:ext cx="1998634" cy="693740"/>
+        </a:xfrm>
+        <a:custGeom>
+          <a:avLst/>
+          <a:gdLst/>
+          <a:ahLst/>
+          <a:cxnLst/>
+          <a:rect l="0" t="0" r="0" b="0"/>
+          <a:pathLst>
+            <a:path>
+              <a:moveTo>
+                <a:pt x="0" y="0"/>
+              </a:moveTo>
+              <a:lnTo>
+                <a:pt x="0" y="346870"/>
+              </a:lnTo>
+              <a:lnTo>
+                <a:pt x="1998634" y="346870"/>
+              </a:lnTo>
+              <a:lnTo>
+                <a:pt x="1998634" y="693740"/>
+              </a:lnTo>
+            </a:path>
+          </a:pathLst>
+        </a:custGeom>
+        <a:noFill/>
+        <a:ln w="15875" cap="flat" cmpd="sng" algn="ctr">
+          <a:solidFill>
+            <a:schemeClr val="accent3">
+              <a:shade val="60000"/>
+              <a:hueOff val="0"/>
+              <a:satOff val="0"/>
+              <a:lumOff val="0"/>
+              <a:alphaOff val="0"/>
+            </a:schemeClr>
+          </a:solidFill>
+          <a:prstDash val="solid"/>
+        </a:ln>
+        <a:effectLst/>
+      </dsp:spPr>
+      <dsp:style>
+        <a:lnRef idx="2">
+          <a:scrgbClr r="0" g="0" b="0"/>
+        </a:lnRef>
+        <a:fillRef idx="0">
+          <a:scrgbClr r="0" g="0" b="0"/>
+        </a:fillRef>
+        <a:effectRef idx="0">
+          <a:scrgbClr r="0" g="0" b="0"/>
+        </a:effectRef>
+        <a:fontRef idx="minor"/>
+      </dsp:style>
+    </dsp:sp>
+    <dsp:sp modelId="{F627360A-5025-F141-BF79-055750E27FAD}">
+      <dsp:nvSpPr>
+        <dsp:cNvPr id="0" name=""/>
+        <dsp:cNvSpPr/>
+      </dsp:nvSpPr>
+      <dsp:spPr>
+        <a:xfrm>
+          <a:off x="1981145" y="1652043"/>
+          <a:ext cx="1998634" cy="693740"/>
+        </a:xfrm>
+        <a:custGeom>
+          <a:avLst/>
+          <a:gdLst/>
+          <a:ahLst/>
+          <a:cxnLst/>
+          <a:rect l="0" t="0" r="0" b="0"/>
+          <a:pathLst>
+            <a:path>
+              <a:moveTo>
+                <a:pt x="1998634" y="0"/>
+              </a:moveTo>
+              <a:lnTo>
+                <a:pt x="1998634" y="346870"/>
+              </a:lnTo>
+              <a:lnTo>
+                <a:pt x="0" y="346870"/>
+              </a:lnTo>
+              <a:lnTo>
+                <a:pt x="0" y="693740"/>
+              </a:lnTo>
+            </a:path>
+          </a:pathLst>
+        </a:custGeom>
+        <a:noFill/>
+        <a:ln w="15875" cap="flat" cmpd="sng" algn="ctr">
+          <a:solidFill>
+            <a:schemeClr val="accent3">
+              <a:shade val="60000"/>
+              <a:hueOff val="0"/>
+              <a:satOff val="0"/>
+              <a:lumOff val="0"/>
+              <a:alphaOff val="0"/>
+            </a:schemeClr>
+          </a:solidFill>
+          <a:prstDash val="solid"/>
+        </a:ln>
+        <a:effectLst/>
+      </dsp:spPr>
+      <dsp:style>
+        <a:lnRef idx="2">
+          <a:scrgbClr r="0" g="0" b="0"/>
+        </a:lnRef>
+        <a:fillRef idx="0">
+          <a:scrgbClr r="0" g="0" b="0"/>
+        </a:fillRef>
+        <a:effectRef idx="0">
+          <a:scrgbClr r="0" g="0" b="0"/>
+        </a:effectRef>
+        <a:fontRef idx="minor"/>
+      </dsp:style>
+    </dsp:sp>
+    <dsp:sp modelId="{AA34BD89-A7FB-5C44-92D2-ECB7DFD92AF5}">
+      <dsp:nvSpPr>
+        <dsp:cNvPr id="0" name=""/>
+        <dsp:cNvSpPr/>
+      </dsp:nvSpPr>
+      <dsp:spPr>
+        <a:xfrm>
+          <a:off x="2328015" y="279"/>
+          <a:ext cx="3303528" cy="1651764"/>
+        </a:xfrm>
+        <a:prstGeom prst="rect">
+          <a:avLst/>
+        </a:prstGeom>
+        <a:gradFill rotWithShape="0">
+          <a:gsLst>
+            <a:gs pos="0">
+              <a:schemeClr val="accent3">
+                <a:hueOff val="0"/>
+                <a:satOff val="0"/>
+                <a:lumOff val="0"/>
+                <a:alphaOff val="0"/>
+                <a:tint val="98000"/>
+                <a:satMod val="110000"/>
+                <a:lumMod val="104000"/>
+              </a:schemeClr>
+            </a:gs>
+            <a:gs pos="69000">
+              <a:schemeClr val="accent3">
+                <a:hueOff val="0"/>
+                <a:satOff val="0"/>
+                <a:lumOff val="0"/>
+                <a:alphaOff val="0"/>
+                <a:shade val="84000"/>
+                <a:satMod val="130000"/>
+                <a:lumMod val="92000"/>
+              </a:schemeClr>
+            </a:gs>
+            <a:gs pos="100000">
+              <a:schemeClr val="accent3">
+                <a:hueOff val="0"/>
+                <a:satOff val="0"/>
+                <a:lumOff val="0"/>
+                <a:alphaOff val="0"/>
+                <a:shade val="76000"/>
+                <a:satMod val="130000"/>
+                <a:lumMod val="88000"/>
+              </a:schemeClr>
+            </a:gs>
+          </a:gsLst>
+          <a:lin ang="5400000" scaled="0"/>
+        </a:gradFill>
+        <a:ln>
+          <a:noFill/>
+        </a:ln>
+        <a:effectLst/>
+      </dsp:spPr>
+      <dsp:style>
+        <a:lnRef idx="0">
+          <a:scrgbClr r="0" g="0" b="0"/>
+        </a:lnRef>
+        <a:fillRef idx="3">
+          <a:scrgbClr r="0" g="0" b="0"/>
+        </a:fillRef>
+        <a:effectRef idx="3">
+          <a:scrgbClr r="0" g="0" b="0"/>
+        </a:effectRef>
+        <a:fontRef idx="minor">
+          <a:schemeClr val="lt1"/>
+        </a:fontRef>
+      </dsp:style>
+      <dsp:txBody>
+        <a:bodyPr spcFirstLastPara="0" vert="horz" wrap="square" lIns="19050" tIns="19050" rIns="19050" bIns="19050" numCol="1" spcCol="1270" anchor="ctr" anchorCtr="0">
+          <a:noAutofit/>
+        </a:bodyPr>
+        <a:lstStyle/>
+        <a:p>
+          <a:pPr marL="0" lvl="0" indent="0" algn="ctr" defTabSz="1333500">
+            <a:lnSpc>
+              <a:spcPct val="90000"/>
+            </a:lnSpc>
+            <a:spcBef>
+              <a:spcPct val="0"/>
+            </a:spcBef>
+            <a:spcAft>
+              <a:spcPct val="35000"/>
+            </a:spcAft>
+            <a:buNone/>
+          </a:pPr>
+          <a:r>
+            <a:rPr lang="en-GB" sz="3000" kern="1200" dirty="0"/>
+            <a:t>Methods/Functions</a:t>
+          </a:r>
+        </a:p>
+      </dsp:txBody>
+      <dsp:txXfrm>
+        <a:off x="2328015" y="279"/>
+        <a:ext cx="3303528" cy="1651764"/>
+      </dsp:txXfrm>
+    </dsp:sp>
+    <dsp:sp modelId="{9E700C7D-8F50-5447-B73D-D6804ABA6954}">
+      <dsp:nvSpPr>
+        <dsp:cNvPr id="0" name=""/>
+        <dsp:cNvSpPr/>
+      </dsp:nvSpPr>
+      <dsp:spPr>
+        <a:xfrm>
+          <a:off x="329381" y="2345784"/>
+          <a:ext cx="3303528" cy="1651764"/>
+        </a:xfrm>
+        <a:prstGeom prst="rect">
+          <a:avLst/>
+        </a:prstGeom>
+        <a:gradFill rotWithShape="0">
+          <a:gsLst>
+            <a:gs pos="0">
+              <a:schemeClr val="accent3">
+                <a:hueOff val="0"/>
+                <a:satOff val="0"/>
+                <a:lumOff val="0"/>
+                <a:alphaOff val="0"/>
+                <a:tint val="98000"/>
+                <a:satMod val="110000"/>
+                <a:lumMod val="104000"/>
+              </a:schemeClr>
+            </a:gs>
+            <a:gs pos="69000">
+              <a:schemeClr val="accent3">
+                <a:hueOff val="0"/>
+                <a:satOff val="0"/>
+                <a:lumOff val="0"/>
+                <a:alphaOff val="0"/>
+                <a:shade val="84000"/>
+                <a:satMod val="130000"/>
+                <a:lumMod val="92000"/>
+              </a:schemeClr>
+            </a:gs>
+            <a:gs pos="100000">
+              <a:schemeClr val="accent3">
+                <a:hueOff val="0"/>
+                <a:satOff val="0"/>
+                <a:lumOff val="0"/>
+                <a:alphaOff val="0"/>
+                <a:shade val="76000"/>
+                <a:satMod val="130000"/>
+                <a:lumMod val="88000"/>
+              </a:schemeClr>
+            </a:gs>
+          </a:gsLst>
+          <a:lin ang="5400000" scaled="0"/>
+        </a:gradFill>
+        <a:ln>
+          <a:noFill/>
+        </a:ln>
+        <a:effectLst/>
+      </dsp:spPr>
+      <dsp:style>
+        <a:lnRef idx="0">
+          <a:scrgbClr r="0" g="0" b="0"/>
+        </a:lnRef>
+        <a:fillRef idx="3">
+          <a:scrgbClr r="0" g="0" b="0"/>
+        </a:fillRef>
+        <a:effectRef idx="3">
+          <a:scrgbClr r="0" g="0" b="0"/>
+        </a:effectRef>
+        <a:fontRef idx="minor">
+          <a:schemeClr val="lt1"/>
+        </a:fontRef>
+      </dsp:style>
+      <dsp:txBody>
+        <a:bodyPr spcFirstLastPara="0" vert="horz" wrap="square" lIns="19050" tIns="19050" rIns="19050" bIns="19050" numCol="1" spcCol="1270" anchor="ctr" anchorCtr="0">
+          <a:noAutofit/>
+        </a:bodyPr>
+        <a:lstStyle/>
+        <a:p>
+          <a:pPr marL="0" lvl="0" indent="0" algn="ctr" defTabSz="1333500">
+            <a:lnSpc>
+              <a:spcPct val="90000"/>
+            </a:lnSpc>
+            <a:spcBef>
+              <a:spcPct val="0"/>
+            </a:spcBef>
+            <a:spcAft>
+              <a:spcPct val="35000"/>
+            </a:spcAft>
+            <a:buNone/>
+          </a:pPr>
+          <a:r>
+            <a:rPr lang="en-GB" sz="3000" kern="1200" dirty="0"/>
+            <a:t>Value Receiver</a:t>
+          </a:r>
+        </a:p>
+      </dsp:txBody>
+      <dsp:txXfrm>
+        <a:off x="329381" y="2345784"/>
+        <a:ext cx="3303528" cy="1651764"/>
+      </dsp:txXfrm>
+    </dsp:sp>
+    <dsp:sp modelId="{B2D634F7-A061-FA42-AB76-9E266356D3D5}">
+      <dsp:nvSpPr>
+        <dsp:cNvPr id="0" name=""/>
+        <dsp:cNvSpPr/>
+      </dsp:nvSpPr>
+      <dsp:spPr>
+        <a:xfrm>
+          <a:off x="4326650" y="2345784"/>
+          <a:ext cx="3303528" cy="1651764"/>
+        </a:xfrm>
+        <a:prstGeom prst="rect">
+          <a:avLst/>
+        </a:prstGeom>
+        <a:gradFill rotWithShape="0">
+          <a:gsLst>
+            <a:gs pos="0">
+              <a:schemeClr val="accent3">
+                <a:hueOff val="0"/>
+                <a:satOff val="0"/>
+                <a:lumOff val="0"/>
+                <a:alphaOff val="0"/>
+                <a:tint val="98000"/>
+                <a:satMod val="110000"/>
+                <a:lumMod val="104000"/>
+              </a:schemeClr>
+            </a:gs>
+            <a:gs pos="69000">
+              <a:schemeClr val="accent3">
+                <a:hueOff val="0"/>
+                <a:satOff val="0"/>
+                <a:lumOff val="0"/>
+                <a:alphaOff val="0"/>
+                <a:shade val="84000"/>
+                <a:satMod val="130000"/>
+                <a:lumMod val="92000"/>
+              </a:schemeClr>
+            </a:gs>
+            <a:gs pos="100000">
+              <a:schemeClr val="accent3">
+                <a:hueOff val="0"/>
+                <a:satOff val="0"/>
+                <a:lumOff val="0"/>
+                <a:alphaOff val="0"/>
+                <a:shade val="76000"/>
+                <a:satMod val="130000"/>
+                <a:lumMod val="88000"/>
+              </a:schemeClr>
+            </a:gs>
+          </a:gsLst>
+          <a:lin ang="5400000" scaled="0"/>
+        </a:gradFill>
+        <a:ln>
+          <a:noFill/>
+        </a:ln>
+        <a:effectLst/>
+      </dsp:spPr>
+      <dsp:style>
+        <a:lnRef idx="0">
+          <a:scrgbClr r="0" g="0" b="0"/>
+        </a:lnRef>
+        <a:fillRef idx="3">
+          <a:scrgbClr r="0" g="0" b="0"/>
+        </a:fillRef>
+        <a:effectRef idx="3">
+          <a:scrgbClr r="0" g="0" b="0"/>
+        </a:effectRef>
+        <a:fontRef idx="minor">
+          <a:schemeClr val="lt1"/>
+        </a:fontRef>
+      </dsp:style>
+      <dsp:txBody>
+        <a:bodyPr spcFirstLastPara="0" vert="horz" wrap="square" lIns="19050" tIns="19050" rIns="19050" bIns="19050" numCol="1" spcCol="1270" anchor="ctr" anchorCtr="0">
+          <a:noAutofit/>
+        </a:bodyPr>
+        <a:lstStyle/>
+        <a:p>
+          <a:pPr marL="0" lvl="0" indent="0" algn="ctr" defTabSz="1333500">
+            <a:lnSpc>
+              <a:spcPct val="90000"/>
+            </a:lnSpc>
+            <a:spcBef>
+              <a:spcPct val="0"/>
+            </a:spcBef>
+            <a:spcAft>
+              <a:spcPct val="35000"/>
+            </a:spcAft>
+            <a:buNone/>
+          </a:pPr>
+          <a:r>
+            <a:rPr lang="en-GB" sz="3000" kern="1200" dirty="0"/>
+            <a:t>Pointer Receiver</a:t>
+          </a:r>
+        </a:p>
+      </dsp:txBody>
+      <dsp:txXfrm>
+        <a:off x="4326650" y="2345784"/>
+        <a:ext cx="3303528" cy="1651764"/>
       </dsp:txXfrm>
     </dsp:sp>
   </dsp:spTree>
@@ -6279,6 +7753,1152 @@
 </dgm:layoutDef>
 </file>
 
+<file path=ppt/diagrams/layout4.xml><?xml version="1.0" encoding="utf-8"?>
+<dgm:layoutDef xmlns:dgm="http://schemas.openxmlformats.org/drawingml/2006/diagram" xmlns:a="http://schemas.openxmlformats.org/drawingml/2006/main" uniqueId="urn:microsoft.com/office/officeart/2005/8/layout/orgChart1">
+  <dgm:title val=""/>
+  <dgm:desc val=""/>
+  <dgm:catLst>
+    <dgm:cat type="hierarchy" pri="1000"/>
+    <dgm:cat type="convert" pri="6000"/>
+  </dgm:catLst>
+  <dgm:sampData>
+    <dgm:dataModel>
+      <dgm:ptLst>
+        <dgm:pt modelId="0" type="doc"/>
+        <dgm:pt modelId="1">
+          <dgm:prSet phldr="1"/>
+        </dgm:pt>
+        <dgm:pt modelId="2" type="asst">
+          <dgm:prSet phldr="1"/>
+        </dgm:pt>
+        <dgm:pt modelId="3">
+          <dgm:prSet phldr="1"/>
+        </dgm:pt>
+        <dgm:pt modelId="4">
+          <dgm:prSet phldr="1"/>
+        </dgm:pt>
+        <dgm:pt modelId="5">
+          <dgm:prSet phldr="1"/>
+        </dgm:pt>
+      </dgm:ptLst>
+      <dgm:cxnLst>
+        <dgm:cxn modelId="5" srcId="0" destId="1" srcOrd="0" destOrd="0"/>
+        <dgm:cxn modelId="6" srcId="1" destId="2" srcOrd="0" destOrd="0"/>
+        <dgm:cxn modelId="7" srcId="1" destId="3" srcOrd="1" destOrd="0"/>
+        <dgm:cxn modelId="8" srcId="1" destId="4" srcOrd="2" destOrd="0"/>
+        <dgm:cxn modelId="9" srcId="1" destId="5" srcOrd="3" destOrd="0"/>
+      </dgm:cxnLst>
+      <dgm:bg/>
+      <dgm:whole/>
+    </dgm:dataModel>
+  </dgm:sampData>
+  <dgm:styleData>
+    <dgm:dataModel>
+      <dgm:ptLst>
+        <dgm:pt modelId="0" type="doc"/>
+        <dgm:pt modelId="1"/>
+        <dgm:pt modelId="12"/>
+        <dgm:pt modelId="13"/>
+      </dgm:ptLst>
+      <dgm:cxnLst>
+        <dgm:cxn modelId="2" srcId="0" destId="1" srcOrd="0" destOrd="0"/>
+        <dgm:cxn modelId="16" srcId="1" destId="12" srcOrd="1" destOrd="0"/>
+        <dgm:cxn modelId="17" srcId="1" destId="13" srcOrd="2" destOrd="0"/>
+      </dgm:cxnLst>
+      <dgm:bg/>
+      <dgm:whole/>
+    </dgm:dataModel>
+  </dgm:styleData>
+  <dgm:clrData>
+    <dgm:dataModel>
+      <dgm:ptLst>
+        <dgm:pt modelId="0" type="doc"/>
+        <dgm:pt modelId="1"/>
+        <dgm:pt modelId="11" type="asst"/>
+        <dgm:pt modelId="12"/>
+        <dgm:pt modelId="13"/>
+        <dgm:pt modelId="14"/>
+      </dgm:ptLst>
+      <dgm:cxnLst>
+        <dgm:cxn modelId="2" srcId="0" destId="1" srcOrd="0" destOrd="0"/>
+        <dgm:cxn modelId="15" srcId="1" destId="11" srcOrd="0" destOrd="0"/>
+        <dgm:cxn modelId="16" srcId="1" destId="12" srcOrd="1" destOrd="0"/>
+        <dgm:cxn modelId="17" srcId="1" destId="13" srcOrd="2" destOrd="0"/>
+        <dgm:cxn modelId="18" srcId="1" destId="14" srcOrd="2" destOrd="0"/>
+      </dgm:cxnLst>
+      <dgm:bg/>
+      <dgm:whole/>
+    </dgm:dataModel>
+  </dgm:clrData>
+  <dgm:layoutNode name="hierChild1">
+    <dgm:varLst>
+      <dgm:orgChart val="1"/>
+      <dgm:chPref val="1"/>
+      <dgm:dir/>
+      <dgm:animOne val="branch"/>
+      <dgm:animLvl val="lvl"/>
+      <dgm:resizeHandles/>
+    </dgm:varLst>
+    <dgm:choose name="Name0">
+      <dgm:if name="Name1" func="var" arg="dir" op="equ" val="norm">
+        <dgm:alg type="hierChild">
+          <dgm:param type="linDir" val="fromL"/>
+        </dgm:alg>
+      </dgm:if>
+      <dgm:else name="Name2">
+        <dgm:alg type="hierChild">
+          <dgm:param type="linDir" val="fromR"/>
+        </dgm:alg>
+      </dgm:else>
+    </dgm:choose>
+    <dgm:shape xmlns:r="http://schemas.openxmlformats.org/officeDocument/2006/relationships" r:blip="">
+      <dgm:adjLst/>
+    </dgm:shape>
+    <dgm:presOf/>
+    <dgm:constrLst>
+      <dgm:constr type="w" for="des" forName="rootComposite1" refType="w" fact="10"/>
+      <dgm:constr type="h" for="des" forName="rootComposite1" refType="w" refFor="des" refForName="rootComposite1" fact="0.5"/>
+      <dgm:constr type="w" for="des" forName="rootComposite" refType="w" fact="10"/>
+      <dgm:constr type="h" for="des" forName="rootComposite" refType="w" refFor="des" refForName="rootComposite1" fact="0.5"/>
+      <dgm:constr type="w" for="des" forName="rootComposite3" refType="w" fact="10"/>
+      <dgm:constr type="h" for="des" forName="rootComposite3" refType="w" refFor="des" refForName="rootComposite1" fact="0.5"/>
+      <dgm:constr type="primFontSz" for="des" ptType="node" op="equ"/>
+      <dgm:constr type="sp" for="des" op="equ"/>
+      <dgm:constr type="sp" for="des" forName="hierRoot1" refType="w" refFor="des" refForName="rootComposite1" fact="0.21"/>
+      <dgm:constr type="sp" for="des" forName="hierRoot2" refType="sp" refFor="des" refForName="hierRoot1"/>
+      <dgm:constr type="sp" for="des" forName="hierRoot3" refType="sp" refFor="des" refForName="hierRoot1"/>
+      <dgm:constr type="sibSp" refType="w" refFor="des" refForName="rootComposite1" fact="0.21"/>
+      <dgm:constr type="sibSp" for="des" forName="hierChild2" refType="sibSp"/>
+      <dgm:constr type="sibSp" for="des" forName="hierChild3" refType="sibSp"/>
+      <dgm:constr type="sibSp" for="des" forName="hierChild4" refType="sibSp"/>
+      <dgm:constr type="sibSp" for="des" forName="hierChild5" refType="sibSp"/>
+      <dgm:constr type="sibSp" for="des" forName="hierChild6" refType="sibSp"/>
+      <dgm:constr type="sibSp" for="des" forName="hierChild7" refType="sibSp"/>
+      <dgm:constr type="secSibSp" refType="w" refFor="des" refForName="rootComposite1" fact="0.21"/>
+      <dgm:constr type="secSibSp" for="des" forName="hierChild2" refType="secSibSp"/>
+      <dgm:constr type="secSibSp" for="des" forName="hierChild3" refType="secSibSp"/>
+      <dgm:constr type="secSibSp" for="des" forName="hierChild4" refType="secSibSp"/>
+      <dgm:constr type="secSibSp" for="des" forName="hierChild5" refType="secSibSp"/>
+      <dgm:constr type="secSibSp" for="des" forName="hierChild6" refType="secSibSp"/>
+      <dgm:constr type="secSibSp" for="des" forName="hierChild7" refType="secSibSp"/>
+    </dgm:constrLst>
+    <dgm:ruleLst/>
+    <dgm:forEach name="Name3" axis="ch">
+      <dgm:forEach name="Name4" axis="self" ptType="node">
+        <dgm:layoutNode name="hierRoot1">
+          <dgm:varLst>
+            <dgm:hierBranch val="init"/>
+          </dgm:varLst>
+          <dgm:choose name="Name5">
+            <dgm:if name="Name6" func="var" arg="hierBranch" op="equ" val="l">
+              <dgm:choose name="Name7">
+                <dgm:if name="Name8" axis="ch" ptType="asst" func="cnt" op="gte" val="1">
+                  <dgm:alg type="hierRoot">
+                    <dgm:param type="hierAlign" val="tR"/>
+                  </dgm:alg>
+                  <dgm:constrLst>
+                    <dgm:constr type="alignOff" val="0.65"/>
+                  </dgm:constrLst>
+                </dgm:if>
+                <dgm:else name="Name9">
+                  <dgm:alg type="hierRoot">
+                    <dgm:param type="hierAlign" val="tR"/>
+                  </dgm:alg>
+                  <dgm:constrLst>
+                    <dgm:constr type="alignOff" val="0.25"/>
+                  </dgm:constrLst>
+                </dgm:else>
+              </dgm:choose>
+            </dgm:if>
+            <dgm:if name="Name10" func="var" arg="hierBranch" op="equ" val="r">
+              <dgm:choose name="Name11">
+                <dgm:if name="Name12" axis="ch" ptType="asst" func="cnt" op="gte" val="1">
+                  <dgm:alg type="hierRoot">
+                    <dgm:param type="hierAlign" val="tL"/>
+                  </dgm:alg>
+                  <dgm:constrLst>
+                    <dgm:constr type="alignOff" val="0.65"/>
+                  </dgm:constrLst>
+                </dgm:if>
+                <dgm:else name="Name13">
+                  <dgm:alg type="hierRoot">
+                    <dgm:param type="hierAlign" val="tL"/>
+                  </dgm:alg>
+                  <dgm:constrLst>
+                    <dgm:constr type="alignOff" val="0.25"/>
+                  </dgm:constrLst>
+                </dgm:else>
+              </dgm:choose>
+            </dgm:if>
+            <dgm:if name="Name14" func="var" arg="hierBranch" op="equ" val="hang">
+              <dgm:alg type="hierRoot"/>
+              <dgm:constrLst>
+                <dgm:constr type="alignOff" val="0.65"/>
+              </dgm:constrLst>
+            </dgm:if>
+            <dgm:else name="Name15">
+              <dgm:alg type="hierRoot"/>
+              <dgm:constrLst>
+                <dgm:constr type="alignOff"/>
+                <dgm:constr type="bendDist" for="des" ptType="parTrans" refType="sp" fact="0.5"/>
+              </dgm:constrLst>
+            </dgm:else>
+          </dgm:choose>
+          <dgm:shape xmlns:r="http://schemas.openxmlformats.org/officeDocument/2006/relationships" r:blip="">
+            <dgm:adjLst/>
+          </dgm:shape>
+          <dgm:presOf/>
+          <dgm:ruleLst/>
+          <dgm:layoutNode name="rootComposite1">
+            <dgm:alg type="composite"/>
+            <dgm:shape xmlns:r="http://schemas.openxmlformats.org/officeDocument/2006/relationships" r:blip="">
+              <dgm:adjLst/>
+            </dgm:shape>
+            <dgm:presOf axis="self" ptType="node" cnt="1"/>
+            <dgm:choose name="Name16">
+              <dgm:if name="Name17" func="var" arg="hierBranch" op="equ" val="init">
+                <dgm:constrLst>
+                  <dgm:constr type="l" for="ch" forName="rootText1"/>
+                  <dgm:constr type="t" for="ch" forName="rootText1"/>
+                  <dgm:constr type="w" for="ch" forName="rootText1" refType="w"/>
+                  <dgm:constr type="h" for="ch" forName="rootText1" refType="h"/>
+                  <dgm:constr type="l" for="ch" forName="rootConnector1"/>
+                  <dgm:constr type="t" for="ch" forName="rootConnector1"/>
+                  <dgm:constr type="w" for="ch" forName="rootConnector1" refType="w" refFor="ch" refForName="rootText1" fact="0.2"/>
+                  <dgm:constr type="h" for="ch" forName="rootConnector1" refType="h" refFor="ch" refForName="rootText1"/>
+                </dgm:constrLst>
+              </dgm:if>
+              <dgm:if name="Name18" func="var" arg="hierBranch" op="equ" val="l">
+                <dgm:constrLst>
+                  <dgm:constr type="l" for="ch" forName="rootText1"/>
+                  <dgm:constr type="t" for="ch" forName="rootText1"/>
+                  <dgm:constr type="w" for="ch" forName="rootText1" refType="w"/>
+                  <dgm:constr type="h" for="ch" forName="rootText1" refType="h"/>
+                  <dgm:constr type="r" for="ch" forName="rootConnector1" refType="w"/>
+                  <dgm:constr type="t" for="ch" forName="rootConnector1"/>
+                  <dgm:constr type="w" for="ch" forName="rootConnector1" refType="w" refFor="ch" refForName="rootText1" fact="0.2"/>
+                  <dgm:constr type="h" for="ch" forName="rootConnector1" refType="h" refFor="ch" refForName="rootText1"/>
+                </dgm:constrLst>
+              </dgm:if>
+              <dgm:if name="Name19" func="var" arg="hierBranch" op="equ" val="r">
+                <dgm:constrLst>
+                  <dgm:constr type="l" for="ch" forName="rootText1"/>
+                  <dgm:constr type="t" for="ch" forName="rootText1"/>
+                  <dgm:constr type="w" for="ch" forName="rootText1" refType="w"/>
+                  <dgm:constr type="h" for="ch" forName="rootText1" refType="h"/>
+                  <dgm:constr type="l" for="ch" forName="rootConnector1"/>
+                  <dgm:constr type="t" for="ch" forName="rootConnector1"/>
+                  <dgm:constr type="w" for="ch" forName="rootConnector1" refType="w" refFor="ch" refForName="rootText1" fact="0.2"/>
+                  <dgm:constr type="h" for="ch" forName="rootConnector1" refType="h" refFor="ch" refForName="rootText1"/>
+                </dgm:constrLst>
+              </dgm:if>
+              <dgm:else name="Name20">
+                <dgm:constrLst>
+                  <dgm:constr type="l" for="ch" forName="rootText1"/>
+                  <dgm:constr type="t" for="ch" forName="rootText1"/>
+                  <dgm:constr type="w" for="ch" forName="rootText1" refType="w"/>
+                  <dgm:constr type="h" for="ch" forName="rootText1" refType="h"/>
+                  <dgm:constr type="r" for="ch" forName="rootConnector1" refType="w"/>
+                  <dgm:constr type="t" for="ch" forName="rootConnector1"/>
+                  <dgm:constr type="w" for="ch" forName="rootConnector1" refType="w" refFor="ch" refForName="rootText1" fact="0.2"/>
+                  <dgm:constr type="h" for="ch" forName="rootConnector1" refType="h" refFor="ch" refForName="rootText1"/>
+                </dgm:constrLst>
+              </dgm:else>
+            </dgm:choose>
+            <dgm:ruleLst/>
+            <dgm:layoutNode name="rootText1" styleLbl="node0">
+              <dgm:varLst>
+                <dgm:chPref val="3"/>
+              </dgm:varLst>
+              <dgm:alg type="tx"/>
+              <dgm:shape xmlns:r="http://schemas.openxmlformats.org/officeDocument/2006/relationships" type="rect" r:blip="">
+                <dgm:adjLst/>
+              </dgm:shape>
+              <dgm:presOf axis="self" ptType="node" cnt="1"/>
+              <dgm:constrLst>
+                <dgm:constr type="primFontSz" val="65"/>
+                <dgm:constr type="lMarg" refType="primFontSz" fact="0.05"/>
+                <dgm:constr type="rMarg" refType="primFontSz" fact="0.05"/>
+                <dgm:constr type="tMarg" refType="primFontSz" fact="0.05"/>
+                <dgm:constr type="bMarg" refType="primFontSz" fact="0.05"/>
+              </dgm:constrLst>
+              <dgm:ruleLst>
+                <dgm:rule type="primFontSz" val="5" fact="NaN" max="NaN"/>
+              </dgm:ruleLst>
+            </dgm:layoutNode>
+            <dgm:layoutNode name="rootConnector1" moveWith="rootText1">
+              <dgm:alg type="sp"/>
+              <dgm:shape xmlns:r="http://schemas.openxmlformats.org/officeDocument/2006/relationships" type="rect" r:blip="" hideGeom="1">
+                <dgm:adjLst/>
+              </dgm:shape>
+              <dgm:presOf axis="self" ptType="node" cnt="1"/>
+              <dgm:constrLst/>
+              <dgm:ruleLst/>
+            </dgm:layoutNode>
+          </dgm:layoutNode>
+          <dgm:layoutNode name="hierChild2">
+            <dgm:choose name="Name21">
+              <dgm:if name="Name22" func="var" arg="hierBranch" op="equ" val="l">
+                <dgm:alg type="hierChild">
+                  <dgm:param type="chAlign" val="r"/>
+                  <dgm:param type="linDir" val="fromT"/>
+                </dgm:alg>
+              </dgm:if>
+              <dgm:if name="Name23" func="var" arg="hierBranch" op="equ" val="r">
+                <dgm:alg type="hierChild">
+                  <dgm:param type="chAlign" val="l"/>
+                  <dgm:param type="linDir" val="fromT"/>
+                </dgm:alg>
+              </dgm:if>
+              <dgm:if name="Name24" func="var" arg="hierBranch" op="equ" val="hang">
+                <dgm:choose name="Name25">
+                  <dgm:if name="Name26" func="var" arg="dir" op="equ" val="norm">
+                    <dgm:alg type="hierChild">
+                      <dgm:param type="chAlign" val="l"/>
+                      <dgm:param type="linDir" val="fromL"/>
+                      <dgm:param type="secChAlign" val="t"/>
+                      <dgm:param type="secLinDir" val="fromT"/>
+                    </dgm:alg>
+                  </dgm:if>
+                  <dgm:else name="Name27">
+                    <dgm:alg type="hierChild">
+                      <dgm:param type="chAlign" val="l"/>
+                      <dgm:param type="linDir" val="fromR"/>
+                      <dgm:param type="secChAlign" val="t"/>
+                      <dgm:param type="secLinDir" val="fromT"/>
+                    </dgm:alg>
+                  </dgm:else>
+                </dgm:choose>
+              </dgm:if>
+              <dgm:else name="Name28">
+                <dgm:choose name="Name29">
+                  <dgm:if name="Name30" func="var" arg="dir" op="equ" val="norm">
+                    <dgm:alg type="hierChild"/>
+                  </dgm:if>
+                  <dgm:else name="Name31">
+                    <dgm:alg type="hierChild">
+                      <dgm:param type="linDir" val="fromR"/>
+                    </dgm:alg>
+                  </dgm:else>
+                </dgm:choose>
+              </dgm:else>
+            </dgm:choose>
+            <dgm:shape xmlns:r="http://schemas.openxmlformats.org/officeDocument/2006/relationships" r:blip="">
+              <dgm:adjLst/>
+            </dgm:shape>
+            <dgm:presOf/>
+            <dgm:constrLst/>
+            <dgm:ruleLst/>
+            <dgm:forEach name="rep2a" axis="ch" ptType="nonAsst">
+              <dgm:forEach name="Name32" axis="precedSib" ptType="parTrans" st="-1" cnt="1">
+                <dgm:choose name="Name33">
+                  <dgm:if name="Name34" func="var" arg="hierBranch" op="equ" val="std">
+                    <dgm:layoutNode name="Name35">
+                      <dgm:alg type="conn">
+                        <dgm:param type="connRout" val="bend"/>
+                        <dgm:param type="dim" val="1D"/>
+                        <dgm:param type="endSty" val="noArr"/>
+                        <dgm:param type="begPts" val="bCtr"/>
+                        <dgm:param type="endPts" val="tCtr"/>
+                        <dgm:param type="bendPt" val="end"/>
+                      </dgm:alg>
+                      <dgm:shape xmlns:r="http://schemas.openxmlformats.org/officeDocument/2006/relationships" type="conn" r:blip="" zOrderOff="-99999">
+                        <dgm:adjLst/>
+                      </dgm:shape>
+                      <dgm:presOf axis="self"/>
+                      <dgm:constrLst>
+                        <dgm:constr type="begPad"/>
+                        <dgm:constr type="endPad"/>
+                      </dgm:constrLst>
+                      <dgm:ruleLst/>
+                    </dgm:layoutNode>
+                  </dgm:if>
+                  <dgm:if name="Name36" func="var" arg="hierBranch" op="equ" val="init">
+                    <dgm:layoutNode name="Name37">
+                      <dgm:choose name="Name38">
+                        <dgm:if name="Name39" axis="self" func="depth" op="lte" val="2">
+                          <dgm:alg type="conn">
+                            <dgm:param type="connRout" val="bend"/>
+                            <dgm:param type="dim" val="1D"/>
+                            <dgm:param type="endSty" val="noArr"/>
+                            <dgm:param type="begPts" val="bCtr"/>
+                            <dgm:param type="endPts" val="tCtr"/>
+                            <dgm:param type="bendPt" val="end"/>
+                          </dgm:alg>
+                        </dgm:if>
+                        <dgm:else name="Name40">
+                          <dgm:choose name="Name41">
+                            <dgm:if name="Name42" axis="par des" func="maxDepth" op="lte" val="1">
+                              <dgm:choose name="Name43">
+                                <dgm:if name="Name44" axis="par ch" ptType="node asst" func="cnt" op="gte" val="1">
+                                  <dgm:alg type="conn">
+                                    <dgm:param type="connRout" val="bend"/>
+                                    <dgm:param type="dim" val="1D"/>
+                                    <dgm:param type="endSty" val="noArr"/>
+                                    <dgm:param type="begPts" val="bCtr"/>
+                                    <dgm:param type="endPts" val="midL midR"/>
+                                  </dgm:alg>
+                                </dgm:if>
+                                <dgm:else name="Name45">
+                                  <dgm:alg type="conn">
+                                    <dgm:param type="connRout" val="bend"/>
+                                    <dgm:param type="dim" val="1D"/>
+                                    <dgm:param type="endSty" val="noArr"/>
+                                    <dgm:param type="begPts" val="bCtr"/>
+                                    <dgm:param type="endPts" val="midL midR"/>
+                                    <dgm:param type="srcNode" val="rootConnector"/>
+                                  </dgm:alg>
+                                </dgm:else>
+                              </dgm:choose>
+                            </dgm:if>
+                            <dgm:else name="Name46">
+                              <dgm:alg type="conn">
+                                <dgm:param type="connRout" val="bend"/>
+                                <dgm:param type="dim" val="1D"/>
+                                <dgm:param type="endSty" val="noArr"/>
+                                <dgm:param type="begPts" val="bCtr"/>
+                                <dgm:param type="endPts" val="tCtr"/>
+                                <dgm:param type="bendPt" val="end"/>
+                              </dgm:alg>
+                            </dgm:else>
+                          </dgm:choose>
+                        </dgm:else>
+                      </dgm:choose>
+                      <dgm:shape xmlns:r="http://schemas.openxmlformats.org/officeDocument/2006/relationships" type="conn" r:blip="" zOrderOff="-99999">
+                        <dgm:adjLst/>
+                      </dgm:shape>
+                      <dgm:presOf axis="self"/>
+                      <dgm:constrLst>
+                        <dgm:constr type="begPad"/>
+                        <dgm:constr type="endPad"/>
+                      </dgm:constrLst>
+                      <dgm:ruleLst/>
+                    </dgm:layoutNode>
+                  </dgm:if>
+                  <dgm:if name="Name47" func="var" arg="hierBranch" op="equ" val="hang">
+                    <dgm:layoutNode name="Name48">
+                      <dgm:alg type="conn">
+                        <dgm:param type="connRout" val="bend"/>
+                        <dgm:param type="dim" val="1D"/>
+                        <dgm:param type="endSty" val="noArr"/>
+                        <dgm:param type="begPts" val="bCtr"/>
+                        <dgm:param type="endPts" val="midL midR"/>
+                      </dgm:alg>
+                      <dgm:shape xmlns:r="http://schemas.openxmlformats.org/officeDocument/2006/relationships" type="conn" r:blip="" zOrderOff="-99999">
+                        <dgm:adjLst/>
+                      </dgm:shape>
+                      <dgm:presOf axis="self"/>
+                      <dgm:constrLst>
+                        <dgm:constr type="begPad"/>
+                        <dgm:constr type="endPad"/>
+                      </dgm:constrLst>
+                      <dgm:ruleLst/>
+                    </dgm:layoutNode>
+                  </dgm:if>
+                  <dgm:else name="Name49">
+                    <dgm:layoutNode name="Name50">
+                      <dgm:choose name="Name51">
+                        <dgm:if name="Name52" axis="self" func="depth" op="lte" val="2">
+                          <dgm:choose name="Name53">
+                            <dgm:if name="Name54" axis="par ch" ptType="node asst" func="cnt" op="gte" val="1">
+                              <dgm:alg type="conn">
+                                <dgm:param type="connRout" val="bend"/>
+                                <dgm:param type="dim" val="1D"/>
+                                <dgm:param type="endSty" val="noArr"/>
+                                <dgm:param type="begPts" val="bCtr"/>
+                                <dgm:param type="endPts" val="midL midR"/>
+                              </dgm:alg>
+                            </dgm:if>
+                            <dgm:else name="Name55">
+                              <dgm:alg type="conn">
+                                <dgm:param type="connRout" val="bend"/>
+                                <dgm:param type="dim" val="1D"/>
+                                <dgm:param type="endSty" val="noArr"/>
+                                <dgm:param type="begPts" val="bCtr"/>
+                                <dgm:param type="endPts" val="midL midR"/>
+                                <dgm:param type="srcNode" val="rootConnector1"/>
+                              </dgm:alg>
+                            </dgm:else>
+                          </dgm:choose>
+                        </dgm:if>
+                        <dgm:else name="Name56">
+                          <dgm:choose name="Name57">
+                            <dgm:if name="Name58" axis="par ch" ptType="node asst" func="cnt" op="gte" val="1">
+                              <dgm:alg type="conn">
+                                <dgm:param type="connRout" val="bend"/>
+                                <dgm:param type="dim" val="1D"/>
+                                <dgm:param type="endSty" val="noArr"/>
+                                <dgm:param type="begPts" val="bCtr"/>
+                                <dgm:param type="endPts" val="midL midR"/>
+                              </dgm:alg>
+                            </dgm:if>
+                            <dgm:else name="Name59">
+                              <dgm:alg type="conn">
+                                <dgm:param type="connRout" val="bend"/>
+                                <dgm:param type="dim" val="1D"/>
+                                <dgm:param type="endSty" val="noArr"/>
+                                <dgm:param type="begPts" val="bCtr"/>
+                                <dgm:param type="endPts" val="midL midR"/>
+                                <dgm:param type="srcNode" val="rootConnector"/>
+                              </dgm:alg>
+                            </dgm:else>
+                          </dgm:choose>
+                        </dgm:else>
+                      </dgm:choose>
+                      <dgm:shape xmlns:r="http://schemas.openxmlformats.org/officeDocument/2006/relationships" type="conn" r:blip="" zOrderOff="-99999">
+                        <dgm:adjLst/>
+                      </dgm:shape>
+                      <dgm:presOf axis="self"/>
+                      <dgm:constrLst>
+                        <dgm:constr type="begPad"/>
+                        <dgm:constr type="endPad"/>
+                      </dgm:constrLst>
+                      <dgm:ruleLst/>
+                    </dgm:layoutNode>
+                  </dgm:else>
+                </dgm:choose>
+              </dgm:forEach>
+              <dgm:layoutNode name="hierRoot2">
+                <dgm:varLst>
+                  <dgm:hierBranch val="init"/>
+                </dgm:varLst>
+                <dgm:choose name="Name60">
+                  <dgm:if name="Name61" func="var" arg="hierBranch" op="equ" val="l">
+                    <dgm:choose name="Name62">
+                      <dgm:if name="Name63" axis="ch" ptType="asst" func="cnt" op="gte" val="1">
+                        <dgm:alg type="hierRoot">
+                          <dgm:param type="hierAlign" val="tR"/>
+                        </dgm:alg>
+                        <dgm:shape xmlns:r="http://schemas.openxmlformats.org/officeDocument/2006/relationships" r:blip="">
+                          <dgm:adjLst/>
+                        </dgm:shape>
+                        <dgm:presOf/>
+                        <dgm:constrLst>
+                          <dgm:constr type="alignOff" val="0.65"/>
+                        </dgm:constrLst>
+                      </dgm:if>
+                      <dgm:else name="Name64">
+                        <dgm:alg type="hierRoot">
+                          <dgm:param type="hierAlign" val="tR"/>
+                        </dgm:alg>
+                        <dgm:shape xmlns:r="http://schemas.openxmlformats.org/officeDocument/2006/relationships" r:blip="">
+                          <dgm:adjLst/>
+                        </dgm:shape>
+                        <dgm:presOf/>
+                        <dgm:constrLst>
+                          <dgm:constr type="alignOff" val="0.25"/>
+                        </dgm:constrLst>
+                      </dgm:else>
+                    </dgm:choose>
+                  </dgm:if>
+                  <dgm:if name="Name65" func="var" arg="hierBranch" op="equ" val="r">
+                    <dgm:choose name="Name66">
+                      <dgm:if name="Name67" axis="ch" ptType="asst" func="cnt" op="gte" val="1">
+                        <dgm:alg type="hierRoot">
+                          <dgm:param type="hierAlign" val="tL"/>
+                        </dgm:alg>
+                        <dgm:shape xmlns:r="http://schemas.openxmlformats.org/officeDocument/2006/relationships" r:blip="">
+                          <dgm:adjLst/>
+                        </dgm:shape>
+                        <dgm:presOf/>
+                        <dgm:constrLst>
+                          <dgm:constr type="alignOff" val="0.65"/>
+                        </dgm:constrLst>
+                      </dgm:if>
+                      <dgm:else name="Name68">
+                        <dgm:alg type="hierRoot">
+                          <dgm:param type="hierAlign" val="tL"/>
+                        </dgm:alg>
+                        <dgm:shape xmlns:r="http://schemas.openxmlformats.org/officeDocument/2006/relationships" r:blip="">
+                          <dgm:adjLst/>
+                        </dgm:shape>
+                        <dgm:presOf/>
+                        <dgm:constrLst>
+                          <dgm:constr type="alignOff" val="0.25"/>
+                        </dgm:constrLst>
+                      </dgm:else>
+                    </dgm:choose>
+                  </dgm:if>
+                  <dgm:if name="Name69" func="var" arg="hierBranch" op="equ" val="std">
+                    <dgm:alg type="hierRoot"/>
+                    <dgm:shape xmlns:r="http://schemas.openxmlformats.org/officeDocument/2006/relationships" r:blip="">
+                      <dgm:adjLst/>
+                    </dgm:shape>
+                    <dgm:presOf/>
+                    <dgm:constrLst>
+                      <dgm:constr type="alignOff"/>
+                      <dgm:constr type="bendDist" for="des" ptType="parTrans" refType="sp" fact="0.5"/>
+                    </dgm:constrLst>
+                  </dgm:if>
+                  <dgm:if name="Name70" func="var" arg="hierBranch" op="equ" val="init">
+                    <dgm:choose name="Name71">
+                      <dgm:if name="Name72" axis="des" func="maxDepth" op="lte" val="1">
+                        <dgm:choose name="Name73">
+                          <dgm:if name="Name74" axis="ch" ptType="asst" func="cnt" op="gte" val="1">
+                            <dgm:alg type="hierRoot">
+                              <dgm:param type="hierAlign" val="tL"/>
+                            </dgm:alg>
+                            <dgm:shape xmlns:r="http://schemas.openxmlformats.org/officeDocument/2006/relationships" r:blip="">
+                              <dgm:adjLst/>
+                            </dgm:shape>
+                            <dgm:presOf/>
+                            <dgm:constrLst>
+                              <dgm:constr type="alignOff" val="0.65"/>
+                            </dgm:constrLst>
+                          </dgm:if>
+                          <dgm:else name="Name75">
+                            <dgm:alg type="hierRoot">
+                              <dgm:param type="hierAlign" val="tL"/>
+                            </dgm:alg>
+                            <dgm:shape xmlns:r="http://schemas.openxmlformats.org/officeDocument/2006/relationships" r:blip="">
+                              <dgm:adjLst/>
+                            </dgm:shape>
+                            <dgm:presOf/>
+                            <dgm:constrLst>
+                              <dgm:constr type="alignOff" val="0.25"/>
+                            </dgm:constrLst>
+                          </dgm:else>
+                        </dgm:choose>
+                      </dgm:if>
+                      <dgm:else name="Name76">
+                        <dgm:alg type="hierRoot"/>
+                        <dgm:shape xmlns:r="http://schemas.openxmlformats.org/officeDocument/2006/relationships" r:blip="">
+                          <dgm:adjLst/>
+                        </dgm:shape>
+                        <dgm:presOf/>
+                        <dgm:constrLst>
+                          <dgm:constr type="alignOff"/>
+                          <dgm:constr type="bendDist" for="des" ptType="parTrans" refType="sp" fact="0.5"/>
+                        </dgm:constrLst>
+                      </dgm:else>
+                    </dgm:choose>
+                  </dgm:if>
+                  <dgm:else name="Name77">
+                    <dgm:alg type="hierRoot"/>
+                    <dgm:shape xmlns:r="http://schemas.openxmlformats.org/officeDocument/2006/relationships" r:blip="">
+                      <dgm:adjLst/>
+                    </dgm:shape>
+                    <dgm:presOf/>
+                    <dgm:constrLst>
+                      <dgm:constr type="alignOff" val="0.65"/>
+                    </dgm:constrLst>
+                  </dgm:else>
+                </dgm:choose>
+                <dgm:ruleLst/>
+                <dgm:layoutNode name="rootComposite">
+                  <dgm:alg type="composite"/>
+                  <dgm:shape xmlns:r="http://schemas.openxmlformats.org/officeDocument/2006/relationships" r:blip="">
+                    <dgm:adjLst/>
+                  </dgm:shape>
+                  <dgm:presOf axis="self" ptType="node" cnt="1"/>
+                  <dgm:choose name="Name78">
+                    <dgm:if name="Name79" func="var" arg="hierBranch" op="equ" val="init">
+                      <dgm:constrLst>
+                        <dgm:constr type="l" for="ch" forName="rootText"/>
+                        <dgm:constr type="t" for="ch" forName="rootText"/>
+                        <dgm:constr type="w" for="ch" forName="rootText" refType="w"/>
+                        <dgm:constr type="h" for="ch" forName="rootText" refType="h"/>
+                        <dgm:constr type="l" for="ch" forName="rootConnector"/>
+                        <dgm:constr type="t" for="ch" forName="rootConnector"/>
+                        <dgm:constr type="w" for="ch" forName="rootConnector" refType="w" refFor="ch" refForName="rootText" fact="0.2"/>
+                        <dgm:constr type="h" for="ch" forName="rootConnector" refType="h" refFor="ch" refForName="rootText"/>
+                      </dgm:constrLst>
+                    </dgm:if>
+                    <dgm:if name="Name80" func="var" arg="hierBranch" op="equ" val="l">
+                      <dgm:constrLst>
+                        <dgm:constr type="l" for="ch" forName="rootText"/>
+                        <dgm:constr type="t" for="ch" forName="rootText"/>
+                        <dgm:constr type="w" for="ch" forName="rootText" refType="w"/>
+                        <dgm:constr type="h" for="ch" forName="rootText" refType="h"/>
+                        <dgm:constr type="r" for="ch" forName="rootConnector" refType="w"/>
+                        <dgm:constr type="t" for="ch" forName="rootConnector"/>
+                        <dgm:constr type="w" for="ch" forName="rootConnector" refType="w" refFor="ch" refForName="rootText" fact="0.2"/>
+                        <dgm:constr type="h" for="ch" forName="rootConnector" refType="h" refFor="ch" refForName="rootText"/>
+                      </dgm:constrLst>
+                    </dgm:if>
+                    <dgm:if name="Name81" func="var" arg="hierBranch" op="equ" val="r">
+                      <dgm:constrLst>
+                        <dgm:constr type="l" for="ch" forName="rootText"/>
+                        <dgm:constr type="t" for="ch" forName="rootText"/>
+                        <dgm:constr type="w" for="ch" forName="rootText" refType="w"/>
+                        <dgm:constr type="h" for="ch" forName="rootText" refType="h"/>
+                        <dgm:constr type="l" for="ch" forName="rootConnector"/>
+                        <dgm:constr type="t" for="ch" forName="rootConnector"/>
+                        <dgm:constr type="w" for="ch" forName="rootConnector" refType="w" refFor="ch" refForName="rootText" fact="0.2"/>
+                        <dgm:constr type="h" for="ch" forName="rootConnector" refType="h" refFor="ch" refForName="rootText"/>
+                      </dgm:constrLst>
+                    </dgm:if>
+                    <dgm:else name="Name82">
+                      <dgm:constrLst>
+                        <dgm:constr type="l" for="ch" forName="rootText"/>
+                        <dgm:constr type="t" for="ch" forName="rootText"/>
+                        <dgm:constr type="w" for="ch" forName="rootText" refType="w"/>
+                        <dgm:constr type="h" for="ch" forName="rootText" refType="h"/>
+                        <dgm:constr type="r" for="ch" forName="rootConnector" refType="w"/>
+                        <dgm:constr type="t" for="ch" forName="rootConnector"/>
+                        <dgm:constr type="w" for="ch" forName="rootConnector" refType="w" refFor="ch" refForName="rootText" fact="0.2"/>
+                        <dgm:constr type="h" for="ch" forName="rootConnector" refType="h" refFor="ch" refForName="rootText"/>
+                      </dgm:constrLst>
+                    </dgm:else>
+                  </dgm:choose>
+                  <dgm:ruleLst/>
+                  <dgm:layoutNode name="rootText">
+                    <dgm:varLst>
+                      <dgm:chPref val="3"/>
+                    </dgm:varLst>
+                    <dgm:alg type="tx"/>
+                    <dgm:shape xmlns:r="http://schemas.openxmlformats.org/officeDocument/2006/relationships" type="rect" r:blip="">
+                      <dgm:adjLst/>
+                    </dgm:shape>
+                    <dgm:presOf axis="self" ptType="node" cnt="1"/>
+                    <dgm:constrLst>
+                      <dgm:constr type="primFontSz" val="65"/>
+                      <dgm:constr type="lMarg" refType="primFontSz" fact="0.05"/>
+                      <dgm:constr type="rMarg" refType="primFontSz" fact="0.05"/>
+                      <dgm:constr type="tMarg" refType="primFontSz" fact="0.05"/>
+                      <dgm:constr type="bMarg" refType="primFontSz" fact="0.05"/>
+                    </dgm:constrLst>
+                    <dgm:ruleLst>
+                      <dgm:rule type="primFontSz" val="5" fact="NaN" max="NaN"/>
+                    </dgm:ruleLst>
+                  </dgm:layoutNode>
+                  <dgm:layoutNode name="rootConnector" moveWith="rootText">
+                    <dgm:alg type="sp"/>
+                    <dgm:shape xmlns:r="http://schemas.openxmlformats.org/officeDocument/2006/relationships" type="rect" r:blip="" hideGeom="1">
+                      <dgm:adjLst/>
+                    </dgm:shape>
+                    <dgm:presOf axis="self" ptType="node" cnt="1"/>
+                    <dgm:constrLst/>
+                    <dgm:ruleLst/>
+                  </dgm:layoutNode>
+                </dgm:layoutNode>
+                <dgm:layoutNode name="hierChild4">
+                  <dgm:choose name="Name83">
+                    <dgm:if name="Name84" func="var" arg="hierBranch" op="equ" val="l">
+                      <dgm:alg type="hierChild">
+                        <dgm:param type="chAlign" val="r"/>
+                        <dgm:param type="linDir" val="fromT"/>
+                      </dgm:alg>
+                    </dgm:if>
+                    <dgm:if name="Name85" func="var" arg="hierBranch" op="equ" val="r">
+                      <dgm:alg type="hierChild">
+                        <dgm:param type="chAlign" val="l"/>
+                        <dgm:param type="linDir" val="fromT"/>
+                      </dgm:alg>
+                    </dgm:if>
+                    <dgm:if name="Name86" func="var" arg="hierBranch" op="equ" val="hang">
+                      <dgm:choose name="Name87">
+                        <dgm:if name="Name88" func="var" arg="dir" op="equ" val="norm">
+                          <dgm:alg type="hierChild">
+                            <dgm:param type="chAlign" val="l"/>
+                            <dgm:param type="linDir" val="fromL"/>
+                            <dgm:param type="secChAlign" val="t"/>
+                            <dgm:param type="secLinDir" val="fromT"/>
+                          </dgm:alg>
+                        </dgm:if>
+                        <dgm:else name="Name89">
+                          <dgm:alg type="hierChild">
+                            <dgm:param type="chAlign" val="l"/>
+                            <dgm:param type="linDir" val="fromR"/>
+                            <dgm:param type="secChAlign" val="t"/>
+                            <dgm:param type="secLinDir" val="fromT"/>
+                          </dgm:alg>
+                        </dgm:else>
+                      </dgm:choose>
+                    </dgm:if>
+                    <dgm:if name="Name90" func="var" arg="hierBranch" op="equ" val="std">
+                      <dgm:choose name="Name91">
+                        <dgm:if name="Name92" func="var" arg="dir" op="equ" val="norm">
+                          <dgm:alg type="hierChild"/>
+                        </dgm:if>
+                        <dgm:else name="Name93">
+                          <dgm:alg type="hierChild">
+                            <dgm:param type="linDir" val="fromR"/>
+                          </dgm:alg>
+                        </dgm:else>
+                      </dgm:choose>
+                    </dgm:if>
+                    <dgm:if name="Name94" func="var" arg="hierBranch" op="equ" val="init">
+                      <dgm:choose name="Name95">
+                        <dgm:if name="Name96" axis="des" func="maxDepth" op="lte" val="1">
+                          <dgm:alg type="hierChild">
+                            <dgm:param type="chAlign" val="l"/>
+                            <dgm:param type="linDir" val="fromT"/>
+                          </dgm:alg>
+                        </dgm:if>
+                        <dgm:else name="Name97">
+                          <dgm:choose name="Name98">
+                            <dgm:if name="Name99" func="var" arg="dir" op="equ" val="norm">
+                              <dgm:alg type="hierChild"/>
+                            </dgm:if>
+                            <dgm:else name="Name100">
+                              <dgm:alg type="hierChild">
+                                <dgm:param type="linDir" val="fromR"/>
+                              </dgm:alg>
+                            </dgm:else>
+                          </dgm:choose>
+                        </dgm:else>
+                      </dgm:choose>
+                    </dgm:if>
+                    <dgm:else name="Name101"/>
+                  </dgm:choose>
+                  <dgm:shape xmlns:r="http://schemas.openxmlformats.org/officeDocument/2006/relationships" r:blip="">
+                    <dgm:adjLst/>
+                  </dgm:shape>
+                  <dgm:presOf/>
+                  <dgm:constrLst/>
+                  <dgm:ruleLst/>
+                  <dgm:forEach name="Name102" ref="rep2a"/>
+                </dgm:layoutNode>
+                <dgm:layoutNode name="hierChild5">
+                  <dgm:choose name="Name103">
+                    <dgm:if name="Name104" func="var" arg="dir" op="equ" val="norm">
+                      <dgm:alg type="hierChild">
+                        <dgm:param type="chAlign" val="l"/>
+                        <dgm:param type="linDir" val="fromL"/>
+                        <dgm:param type="secChAlign" val="t"/>
+                        <dgm:param type="secLinDir" val="fromT"/>
+                      </dgm:alg>
+                    </dgm:if>
+                    <dgm:else name="Name105">
+                      <dgm:alg type="hierChild">
+                        <dgm:param type="chAlign" val="l"/>
+                        <dgm:param type="linDir" val="fromR"/>
+                        <dgm:param type="secChAlign" val="t"/>
+                        <dgm:param type="secLinDir" val="fromT"/>
+                      </dgm:alg>
+                    </dgm:else>
+                  </dgm:choose>
+                  <dgm:shape xmlns:r="http://schemas.openxmlformats.org/officeDocument/2006/relationships" r:blip="">
+                    <dgm:adjLst/>
+                  </dgm:shape>
+                  <dgm:presOf/>
+                  <dgm:constrLst/>
+                  <dgm:ruleLst/>
+                  <dgm:forEach name="Name106" ref="rep2b"/>
+                </dgm:layoutNode>
+              </dgm:layoutNode>
+            </dgm:forEach>
+          </dgm:layoutNode>
+          <dgm:layoutNode name="hierChild3">
+            <dgm:choose name="Name107">
+              <dgm:if name="Name108" func="var" arg="dir" op="equ" val="norm">
+                <dgm:alg type="hierChild">
+                  <dgm:param type="chAlign" val="l"/>
+                  <dgm:param type="linDir" val="fromL"/>
+                  <dgm:param type="secChAlign" val="t"/>
+                  <dgm:param type="secLinDir" val="fromT"/>
+                </dgm:alg>
+              </dgm:if>
+              <dgm:else name="Name109">
+                <dgm:alg type="hierChild">
+                  <dgm:param type="chAlign" val="l"/>
+                  <dgm:param type="linDir" val="fromR"/>
+                  <dgm:param type="secChAlign" val="t"/>
+                  <dgm:param type="secLinDir" val="fromT"/>
+                </dgm:alg>
+              </dgm:else>
+            </dgm:choose>
+            <dgm:shape xmlns:r="http://schemas.openxmlformats.org/officeDocument/2006/relationships" r:blip="">
+              <dgm:adjLst/>
+            </dgm:shape>
+            <dgm:presOf/>
+            <dgm:constrLst/>
+            <dgm:ruleLst/>
+            <dgm:forEach name="rep2b" axis="ch" ptType="asst">
+              <dgm:forEach name="Name110" axis="precedSib" ptType="parTrans" st="-1" cnt="1">
+                <dgm:layoutNode name="Name111">
+                  <dgm:alg type="conn">
+                    <dgm:param type="connRout" val="bend"/>
+                    <dgm:param type="dim" val="1D"/>
+                    <dgm:param type="endSty" val="noArr"/>
+                    <dgm:param type="begPts" val="bCtr"/>
+                    <dgm:param type="endPts" val="midL midR"/>
+                  </dgm:alg>
+                  <dgm:shape xmlns:r="http://schemas.openxmlformats.org/officeDocument/2006/relationships" type="conn" r:blip="" zOrderOff="-99999">
+                    <dgm:adjLst/>
+                  </dgm:shape>
+                  <dgm:presOf axis="self"/>
+                  <dgm:constrLst>
+                    <dgm:constr type="begPad"/>
+                    <dgm:constr type="endPad"/>
+                  </dgm:constrLst>
+                  <dgm:ruleLst/>
+                </dgm:layoutNode>
+              </dgm:forEach>
+              <dgm:layoutNode name="hierRoot3">
+                <dgm:varLst>
+                  <dgm:hierBranch val="init"/>
+                </dgm:varLst>
+                <dgm:choose name="Name112">
+                  <dgm:if name="Name113" func="var" arg="hierBranch" op="equ" val="l">
+                    <dgm:alg type="hierRoot">
+                      <dgm:param type="hierAlign" val="tR"/>
+                    </dgm:alg>
+                    <dgm:shape xmlns:r="http://schemas.openxmlformats.org/officeDocument/2006/relationships" r:blip="">
+                      <dgm:adjLst/>
+                    </dgm:shape>
+                    <dgm:presOf/>
+                    <dgm:constrLst>
+                      <dgm:constr type="alignOff" val="0.65"/>
+                    </dgm:constrLst>
+                  </dgm:if>
+                  <dgm:if name="Name114" func="var" arg="hierBranch" op="equ" val="r">
+                    <dgm:alg type="hierRoot">
+                      <dgm:param type="hierAlign" val="tL"/>
+                    </dgm:alg>
+                    <dgm:shape xmlns:r="http://schemas.openxmlformats.org/officeDocument/2006/relationships" r:blip="">
+                      <dgm:adjLst/>
+                    </dgm:shape>
+                    <dgm:presOf/>
+                    <dgm:constrLst>
+                      <dgm:constr type="alignOff" val="0.65"/>
+                    </dgm:constrLst>
+                  </dgm:if>
+                  <dgm:if name="Name115" func="var" arg="hierBranch" op="equ" val="hang">
+                    <dgm:alg type="hierRoot"/>
+                    <dgm:shape xmlns:r="http://schemas.openxmlformats.org/officeDocument/2006/relationships" r:blip="">
+                      <dgm:adjLst/>
+                    </dgm:shape>
+                    <dgm:presOf/>
+                    <dgm:constrLst>
+                      <dgm:constr type="alignOff" val="0.65"/>
+                    </dgm:constrLst>
+                  </dgm:if>
+                  <dgm:if name="Name116" func="var" arg="hierBranch" op="equ" val="std">
+                    <dgm:alg type="hierRoot"/>
+                    <dgm:shape xmlns:r="http://schemas.openxmlformats.org/officeDocument/2006/relationships" r:blip="">
+                      <dgm:adjLst/>
+                    </dgm:shape>
+                    <dgm:presOf/>
+                    <dgm:constrLst>
+                      <dgm:constr type="alignOff"/>
+                      <dgm:constr type="bendDist" for="des" ptType="parTrans" refType="sp" fact="0.5"/>
+                    </dgm:constrLst>
+                  </dgm:if>
+                  <dgm:if name="Name117" func="var" arg="hierBranch" op="equ" val="init">
+                    <dgm:choose name="Name118">
+                      <dgm:if name="Name119" axis="des" func="maxDepth" op="lte" val="1">
+                        <dgm:alg type="hierRoot">
+                          <dgm:param type="hierAlign" val="tL"/>
+                        </dgm:alg>
+                        <dgm:shape xmlns:r="http://schemas.openxmlformats.org/officeDocument/2006/relationships" r:blip="">
+                          <dgm:adjLst/>
+                        </dgm:shape>
+                        <dgm:presOf/>
+                        <dgm:constrLst>
+                          <dgm:constr type="alignOff" val="0.65"/>
+                        </dgm:constrLst>
+                      </dgm:if>
+                      <dgm:else name="Name120">
+                        <dgm:alg type="hierRoot"/>
+                        <dgm:shape xmlns:r="http://schemas.openxmlformats.org/officeDocument/2006/relationships" r:blip="">
+                          <dgm:adjLst/>
+                        </dgm:shape>
+                        <dgm:presOf/>
+                        <dgm:constrLst>
+                          <dgm:constr type="alignOff"/>
+                          <dgm:constr type="bendDist" for="des" ptType="parTrans" refType="sp" fact="0.5"/>
+                        </dgm:constrLst>
+                      </dgm:else>
+                    </dgm:choose>
+                  </dgm:if>
+                  <dgm:else name="Name121"/>
+                </dgm:choose>
+                <dgm:ruleLst/>
+                <dgm:layoutNode name="rootComposite3">
+                  <dgm:alg type="composite"/>
+                  <dgm:shape xmlns:r="http://schemas.openxmlformats.org/officeDocument/2006/relationships" r:blip="">
+                    <dgm:adjLst/>
+                  </dgm:shape>
+                  <dgm:presOf axis="self" ptType="node" cnt="1"/>
+                  <dgm:choose name="Name122">
+                    <dgm:if name="Name123" func="var" arg="hierBranch" op="equ" val="init">
+                      <dgm:constrLst>
+                        <dgm:constr type="l" for="ch" forName="rootText3"/>
+                        <dgm:constr type="t" for="ch" forName="rootText3"/>
+                        <dgm:constr type="w" for="ch" forName="rootText3" refType="w"/>
+                        <dgm:constr type="h" for="ch" forName="rootText3" refType="h"/>
+                        <dgm:constr type="l" for="ch" forName="rootConnector3"/>
+                        <dgm:constr type="t" for="ch" forName="rootConnector3"/>
+                        <dgm:constr type="w" for="ch" forName="rootConnector3" refType="w" refFor="ch" refForName="rootText3" fact="0.2"/>
+                        <dgm:constr type="h" for="ch" forName="rootConnector3" refType="h" refFor="ch" refForName="rootText3"/>
+                      </dgm:constrLst>
+                    </dgm:if>
+                    <dgm:if name="Name124" func="var" arg="hierBranch" op="equ" val="l">
+                      <dgm:constrLst>
+                        <dgm:constr type="l" for="ch" forName="rootText3"/>
+                        <dgm:constr type="t" for="ch" forName="rootText3"/>
+                        <dgm:constr type="w" for="ch" forName="rootText3" refType="w"/>
+                        <dgm:constr type="h" for="ch" forName="rootText3" refType="h"/>
+                        <dgm:constr type="r" for="ch" forName="rootConnector3" refType="w"/>
+                        <dgm:constr type="t" for="ch" forName="rootConnector3"/>
+                        <dgm:constr type="w" for="ch" forName="rootConnector3" refType="w" refFor="ch" refForName="rootText3" fact="0.2"/>
+                        <dgm:constr type="h" for="ch" forName="rootConnector3" refType="h" refFor="ch" refForName="rootText3"/>
+                      </dgm:constrLst>
+                    </dgm:if>
+                    <dgm:if name="Name125" func="var" arg="hierBranch" op="equ" val="r">
+                      <dgm:constrLst>
+                        <dgm:constr type="l" for="ch" forName="rootText3"/>
+                        <dgm:constr type="t" for="ch" forName="rootText3"/>
+                        <dgm:constr type="w" for="ch" forName="rootText3" refType="w"/>
+                        <dgm:constr type="h" for="ch" forName="rootText3" refType="h"/>
+                        <dgm:constr type="l" for="ch" forName="rootConnector3"/>
+                        <dgm:constr type="t" for="ch" forName="rootConnector3"/>
+                        <dgm:constr type="w" for="ch" forName="rootConnector3" refType="w" refFor="ch" refForName="rootText3" fact="0.2"/>
+                        <dgm:constr type="h" for="ch" forName="rootConnector3" refType="h" refFor="ch" refForName="rootText3"/>
+                      </dgm:constrLst>
+                    </dgm:if>
+                    <dgm:else name="Name126">
+                      <dgm:constrLst>
+                        <dgm:constr type="l" for="ch" forName="rootText3"/>
+                        <dgm:constr type="t" for="ch" forName="rootText3"/>
+                        <dgm:constr type="w" for="ch" forName="rootText3" refType="w"/>
+                        <dgm:constr type="h" for="ch" forName="rootText3" refType="h"/>
+                        <dgm:constr type="r" for="ch" forName="rootConnector3" refType="w"/>
+                        <dgm:constr type="t" for="ch" forName="rootConnector3"/>
+                        <dgm:constr type="w" for="ch" forName="rootConnector3" refType="w" refFor="ch" refForName="rootText3" fact="0.2"/>
+                        <dgm:constr type="h" for="ch" forName="rootConnector3" refType="h" refFor="ch" refForName="rootText3"/>
+                      </dgm:constrLst>
+                    </dgm:else>
+                  </dgm:choose>
+                  <dgm:ruleLst/>
+                  <dgm:layoutNode name="rootText3">
+                    <dgm:varLst>
+                      <dgm:chPref val="3"/>
+                    </dgm:varLst>
+                    <dgm:alg type="tx"/>
+                    <dgm:shape xmlns:r="http://schemas.openxmlformats.org/officeDocument/2006/relationships" type="rect" r:blip="">
+                      <dgm:adjLst/>
+                    </dgm:shape>
+                    <dgm:presOf axis="self" ptType="node" cnt="1"/>
+                    <dgm:constrLst>
+                      <dgm:constr type="primFontSz" val="65"/>
+                      <dgm:constr type="lMarg" refType="primFontSz" fact="0.05"/>
+                      <dgm:constr type="rMarg" refType="primFontSz" fact="0.05"/>
+                      <dgm:constr type="tMarg" refType="primFontSz" fact="0.05"/>
+                      <dgm:constr type="bMarg" refType="primFontSz" fact="0.05"/>
+                    </dgm:constrLst>
+                    <dgm:ruleLst>
+                      <dgm:rule type="primFontSz" val="5" fact="NaN" max="NaN"/>
+                    </dgm:ruleLst>
+                  </dgm:layoutNode>
+                  <dgm:layoutNode name="rootConnector3" moveWith="rootText1">
+                    <dgm:alg type="sp"/>
+                    <dgm:shape xmlns:r="http://schemas.openxmlformats.org/officeDocument/2006/relationships" type="rect" r:blip="" hideGeom="1">
+                      <dgm:adjLst/>
+                    </dgm:shape>
+                    <dgm:presOf axis="self" ptType="node" cnt="1"/>
+                    <dgm:constrLst/>
+                    <dgm:ruleLst/>
+                  </dgm:layoutNode>
+                </dgm:layoutNode>
+                <dgm:layoutNode name="hierChild6">
+                  <dgm:choose name="Name127">
+                    <dgm:if name="Name128" func="var" arg="hierBranch" op="equ" val="l">
+                      <dgm:alg type="hierChild">
+                        <dgm:param type="chAlign" val="r"/>
+                        <dgm:param type="linDir" val="fromT"/>
+                      </dgm:alg>
+                    </dgm:if>
+                    <dgm:if name="Name129" func="var" arg="hierBranch" op="equ" val="r">
+                      <dgm:alg type="hierChild">
+                        <dgm:param type="chAlign" val="l"/>
+                        <dgm:param type="linDir" val="fromT"/>
+                      </dgm:alg>
+                    </dgm:if>
+                    <dgm:if name="Name130" func="var" arg="hierBranch" op="equ" val="hang">
+                      <dgm:choose name="Name131">
+                        <dgm:if name="Name132" func="var" arg="dir" op="equ" val="norm">
+                          <dgm:alg type="hierChild">
+                            <dgm:param type="chAlign" val="l"/>
+                            <dgm:param type="linDir" val="fromL"/>
+                            <dgm:param type="secChAlign" val="t"/>
+                            <dgm:param type="secLinDir" val="fromT"/>
+                          </dgm:alg>
+                        </dgm:if>
+                        <dgm:else name="Name133">
+                          <dgm:alg type="hierChild">
+                            <dgm:param type="chAlign" val="l"/>
+                            <dgm:param type="linDir" val="fromR"/>
+                            <dgm:param type="secChAlign" val="t"/>
+                            <dgm:param type="secLinDir" val="fromT"/>
+                          </dgm:alg>
+                        </dgm:else>
+                      </dgm:choose>
+                    </dgm:if>
+                    <dgm:if name="Name134" func="var" arg="hierBranch" op="equ" val="std">
+                      <dgm:choose name="Name135">
+                        <dgm:if name="Name136" func="var" arg="dir" op="equ" val="norm">
+                          <dgm:alg type="hierChild"/>
+                        </dgm:if>
+                        <dgm:else name="Name137">
+                          <dgm:alg type="hierChild">
+                            <dgm:param type="linDir" val="fromR"/>
+                          </dgm:alg>
+                        </dgm:else>
+                      </dgm:choose>
+                    </dgm:if>
+                    <dgm:if name="Name138" func="var" arg="hierBranch" op="equ" val="init">
+                      <dgm:choose name="Name139">
+                        <dgm:if name="Name140" axis="des" func="maxDepth" op="lte" val="1">
+                          <dgm:alg type="hierChild">
+                            <dgm:param type="chAlign" val="l"/>
+                            <dgm:param type="linDir" val="fromT"/>
+                          </dgm:alg>
+                        </dgm:if>
+                        <dgm:else name="Name141">
+                          <dgm:alg type="hierChild"/>
+                        </dgm:else>
+                      </dgm:choose>
+                    </dgm:if>
+                    <dgm:else name="Name142"/>
+                  </dgm:choose>
+                  <dgm:shape xmlns:r="http://schemas.openxmlformats.org/officeDocument/2006/relationships" r:blip="">
+                    <dgm:adjLst/>
+                  </dgm:shape>
+                  <dgm:presOf/>
+                  <dgm:constrLst/>
+                  <dgm:ruleLst/>
+                  <dgm:forEach name="Name143" ref="rep2a"/>
+                </dgm:layoutNode>
+                <dgm:layoutNode name="hierChild7">
+                  <dgm:choose name="Name144">
+                    <dgm:if name="Name145" func="var" arg="dir" op="equ" val="norm">
+                      <dgm:alg type="hierChild">
+                        <dgm:param type="chAlign" val="l"/>
+                        <dgm:param type="linDir" val="fromL"/>
+                        <dgm:param type="secChAlign" val="t"/>
+                        <dgm:param type="secLinDir" val="fromT"/>
+                      </dgm:alg>
+                    </dgm:if>
+                    <dgm:else name="Name146">
+                      <dgm:alg type="hierChild">
+                        <dgm:param type="chAlign" val="l"/>
+                        <dgm:param type="linDir" val="fromR"/>
+                        <dgm:param type="secChAlign" val="t"/>
+                        <dgm:param type="secLinDir" val="fromT"/>
+                      </dgm:alg>
+                    </dgm:else>
+                  </dgm:choose>
+                  <dgm:shape xmlns:r="http://schemas.openxmlformats.org/officeDocument/2006/relationships" r:blip="">
+                    <dgm:adjLst/>
+                  </dgm:shape>
+                  <dgm:presOf/>
+                  <dgm:constrLst/>
+                  <dgm:ruleLst/>
+                  <dgm:forEach name="Name147" ref="rep2b"/>
+                </dgm:layoutNode>
+              </dgm:layoutNode>
+            </dgm:forEach>
+          </dgm:layoutNode>
+        </dgm:layoutNode>
+      </dgm:forEach>
+    </dgm:forEach>
+  </dgm:layoutNode>
+</dgm:layoutDef>
+</file>
+
 <file path=ppt/diagrams/quickStyle1.xml><?xml version="1.0" encoding="utf-8"?>
 <dgm:styleDef xmlns:dgm="http://schemas.openxmlformats.org/drawingml/2006/diagram" xmlns:a="http://schemas.openxmlformats.org/drawingml/2006/main" uniqueId="urn:microsoft.com/office/officeart/2005/8/quickstyle/simple1">
   <dgm:title val=""/>
@@ -9353,6 +11973,1040 @@
         <a:scrgbClr r="0" g="0" b="0"/>
       </a:fillRef>
       <a:effectRef idx="0">
+        <a:scrgbClr r="0" g="0" b="0"/>
+      </a:effectRef>
+      <a:fontRef idx="minor"/>
+    </dgm:style>
+  </dgm:styleLbl>
+  <dgm:styleLbl name="revTx">
+    <dgm:scene3d>
+      <a:camera prst="orthographicFront"/>
+      <a:lightRig rig="threePt" dir="t"/>
+    </dgm:scene3d>
+    <dgm:sp3d/>
+    <dgm:txPr/>
+    <dgm:style>
+      <a:lnRef idx="0">
+        <a:scrgbClr r="0" g="0" b="0"/>
+      </a:lnRef>
+      <a:fillRef idx="0">
+        <a:scrgbClr r="0" g="0" b="0"/>
+      </a:fillRef>
+      <a:effectRef idx="0">
+        <a:scrgbClr r="0" g="0" b="0"/>
+      </a:effectRef>
+      <a:fontRef idx="minor"/>
+    </dgm:style>
+  </dgm:styleLbl>
+</dgm:styleDef>
+</file>
+
+<file path=ppt/diagrams/quickStyle4.xml><?xml version="1.0" encoding="utf-8"?>
+<dgm:styleDef xmlns:dgm="http://schemas.openxmlformats.org/drawingml/2006/diagram" xmlns:a="http://schemas.openxmlformats.org/drawingml/2006/main" uniqueId="urn:microsoft.com/office/officeart/2005/8/quickstyle/simple5">
+  <dgm:title val=""/>
+  <dgm:desc val=""/>
+  <dgm:catLst>
+    <dgm:cat type="simple" pri="10500"/>
+  </dgm:catLst>
+  <dgm:scene3d>
+    <a:camera prst="orthographicFront"/>
+    <a:lightRig rig="threePt" dir="t"/>
+  </dgm:scene3d>
+  <dgm:styleLbl name="node0">
+    <dgm:scene3d>
+      <a:camera prst="orthographicFront"/>
+      <a:lightRig rig="threePt" dir="t"/>
+    </dgm:scene3d>
+    <dgm:sp3d/>
+    <dgm:txPr/>
+    <dgm:style>
+      <a:lnRef idx="0">
+        <a:scrgbClr r="0" g="0" b="0"/>
+      </a:lnRef>
+      <a:fillRef idx="3">
+        <a:scrgbClr r="0" g="0" b="0"/>
+      </a:fillRef>
+      <a:effectRef idx="3">
+        <a:scrgbClr r="0" g="0" b="0"/>
+      </a:effectRef>
+      <a:fontRef idx="minor">
+        <a:schemeClr val="lt1"/>
+      </a:fontRef>
+    </dgm:style>
+  </dgm:styleLbl>
+  <dgm:styleLbl name="lnNode1">
+    <dgm:scene3d>
+      <a:camera prst="orthographicFront"/>
+      <a:lightRig rig="threePt" dir="t"/>
+    </dgm:scene3d>
+    <dgm:sp3d/>
+    <dgm:txPr/>
+    <dgm:style>
+      <a:lnRef idx="0">
+        <a:scrgbClr r="0" g="0" b="0"/>
+      </a:lnRef>
+      <a:fillRef idx="3">
+        <a:scrgbClr r="0" g="0" b="0"/>
+      </a:fillRef>
+      <a:effectRef idx="3">
+        <a:scrgbClr r="0" g="0" b="0"/>
+      </a:effectRef>
+      <a:fontRef idx="minor">
+        <a:schemeClr val="lt1"/>
+      </a:fontRef>
+    </dgm:style>
+  </dgm:styleLbl>
+  <dgm:styleLbl name="vennNode1">
+    <dgm:scene3d>
+      <a:camera prst="orthographicFront"/>
+      <a:lightRig rig="threePt" dir="t"/>
+    </dgm:scene3d>
+    <dgm:sp3d/>
+    <dgm:txPr/>
+    <dgm:style>
+      <a:lnRef idx="0">
+        <a:scrgbClr r="0" g="0" b="0"/>
+      </a:lnRef>
+      <a:fillRef idx="3">
+        <a:scrgbClr r="0" g="0" b="0"/>
+      </a:fillRef>
+      <a:effectRef idx="3">
+        <a:scrgbClr r="0" g="0" b="0"/>
+      </a:effectRef>
+      <a:fontRef idx="minor">
+        <a:schemeClr val="tx1"/>
+      </a:fontRef>
+    </dgm:style>
+  </dgm:styleLbl>
+  <dgm:styleLbl name="alignNode1">
+    <dgm:scene3d>
+      <a:camera prst="orthographicFront"/>
+      <a:lightRig rig="threePt" dir="t"/>
+    </dgm:scene3d>
+    <dgm:sp3d/>
+    <dgm:txPr/>
+    <dgm:style>
+      <a:lnRef idx="1">
+        <a:scrgbClr r="0" g="0" b="0"/>
+      </a:lnRef>
+      <a:fillRef idx="3">
+        <a:scrgbClr r="0" g="0" b="0"/>
+      </a:fillRef>
+      <a:effectRef idx="3">
+        <a:scrgbClr r="0" g="0" b="0"/>
+      </a:effectRef>
+      <a:fontRef idx="minor">
+        <a:schemeClr val="lt1"/>
+      </a:fontRef>
+    </dgm:style>
+  </dgm:styleLbl>
+  <dgm:styleLbl name="node1">
+    <dgm:scene3d>
+      <a:camera prst="orthographicFront"/>
+      <a:lightRig rig="threePt" dir="t"/>
+    </dgm:scene3d>
+    <dgm:sp3d/>
+    <dgm:txPr/>
+    <dgm:style>
+      <a:lnRef idx="0">
+        <a:scrgbClr r="0" g="0" b="0"/>
+      </a:lnRef>
+      <a:fillRef idx="3">
+        <a:scrgbClr r="0" g="0" b="0"/>
+      </a:fillRef>
+      <a:effectRef idx="3">
+        <a:scrgbClr r="0" g="0" b="0"/>
+      </a:effectRef>
+      <a:fontRef idx="minor">
+        <a:schemeClr val="lt1"/>
+      </a:fontRef>
+    </dgm:style>
+  </dgm:styleLbl>
+  <dgm:styleLbl name="node2">
+    <dgm:scene3d>
+      <a:camera prst="orthographicFront"/>
+      <a:lightRig rig="threePt" dir="t"/>
+    </dgm:scene3d>
+    <dgm:sp3d/>
+    <dgm:txPr/>
+    <dgm:style>
+      <a:lnRef idx="0">
+        <a:scrgbClr r="0" g="0" b="0"/>
+      </a:lnRef>
+      <a:fillRef idx="3">
+        <a:scrgbClr r="0" g="0" b="0"/>
+      </a:fillRef>
+      <a:effectRef idx="3">
+        <a:scrgbClr r="0" g="0" b="0"/>
+      </a:effectRef>
+      <a:fontRef idx="minor">
+        <a:schemeClr val="lt1"/>
+      </a:fontRef>
+    </dgm:style>
+  </dgm:styleLbl>
+  <dgm:styleLbl name="node3">
+    <dgm:scene3d>
+      <a:camera prst="orthographicFront"/>
+      <a:lightRig rig="threePt" dir="t"/>
+    </dgm:scene3d>
+    <dgm:sp3d/>
+    <dgm:txPr/>
+    <dgm:style>
+      <a:lnRef idx="0">
+        <a:scrgbClr r="0" g="0" b="0"/>
+      </a:lnRef>
+      <a:fillRef idx="3">
+        <a:scrgbClr r="0" g="0" b="0"/>
+      </a:fillRef>
+      <a:effectRef idx="3">
+        <a:scrgbClr r="0" g="0" b="0"/>
+      </a:effectRef>
+      <a:fontRef idx="minor">
+        <a:schemeClr val="lt1"/>
+      </a:fontRef>
+    </dgm:style>
+  </dgm:styleLbl>
+  <dgm:styleLbl name="node4">
+    <dgm:scene3d>
+      <a:camera prst="orthographicFront"/>
+      <a:lightRig rig="threePt" dir="t"/>
+    </dgm:scene3d>
+    <dgm:sp3d/>
+    <dgm:txPr/>
+    <dgm:style>
+      <a:lnRef idx="0">
+        <a:scrgbClr r="0" g="0" b="0"/>
+      </a:lnRef>
+      <a:fillRef idx="3">
+        <a:scrgbClr r="0" g="0" b="0"/>
+      </a:fillRef>
+      <a:effectRef idx="3">
+        <a:scrgbClr r="0" g="0" b="0"/>
+      </a:effectRef>
+      <a:fontRef idx="minor">
+        <a:schemeClr val="lt1"/>
+      </a:fontRef>
+    </dgm:style>
+  </dgm:styleLbl>
+  <dgm:styleLbl name="fgImgPlace1">
+    <dgm:scene3d>
+      <a:camera prst="orthographicFront"/>
+      <a:lightRig rig="threePt" dir="t"/>
+    </dgm:scene3d>
+    <dgm:sp3d/>
+    <dgm:txPr/>
+    <dgm:style>
+      <a:lnRef idx="0">
+        <a:scrgbClr r="0" g="0" b="0"/>
+      </a:lnRef>
+      <a:fillRef idx="1">
+        <a:scrgbClr r="0" g="0" b="0"/>
+      </a:fillRef>
+      <a:effectRef idx="3">
+        <a:scrgbClr r="0" g="0" b="0"/>
+      </a:effectRef>
+      <a:fontRef idx="minor"/>
+    </dgm:style>
+  </dgm:styleLbl>
+  <dgm:styleLbl name="alignImgPlace1">
+    <dgm:scene3d>
+      <a:camera prst="orthographicFront"/>
+      <a:lightRig rig="threePt" dir="t"/>
+    </dgm:scene3d>
+    <dgm:sp3d/>
+    <dgm:txPr/>
+    <dgm:style>
+      <a:lnRef idx="0">
+        <a:scrgbClr r="0" g="0" b="0"/>
+      </a:lnRef>
+      <a:fillRef idx="1">
+        <a:scrgbClr r="0" g="0" b="0"/>
+      </a:fillRef>
+      <a:effectRef idx="3">
+        <a:scrgbClr r="0" g="0" b="0"/>
+      </a:effectRef>
+      <a:fontRef idx="minor"/>
+    </dgm:style>
+  </dgm:styleLbl>
+  <dgm:styleLbl name="bgImgPlace1">
+    <dgm:scene3d>
+      <a:camera prst="orthographicFront"/>
+      <a:lightRig rig="threePt" dir="t"/>
+    </dgm:scene3d>
+    <dgm:sp3d/>
+    <dgm:txPr/>
+    <dgm:style>
+      <a:lnRef idx="0">
+        <a:scrgbClr r="0" g="0" b="0"/>
+      </a:lnRef>
+      <a:fillRef idx="1">
+        <a:scrgbClr r="0" g="0" b="0"/>
+      </a:fillRef>
+      <a:effectRef idx="3">
+        <a:scrgbClr r="0" g="0" b="0"/>
+      </a:effectRef>
+      <a:fontRef idx="minor"/>
+    </dgm:style>
+  </dgm:styleLbl>
+  <dgm:styleLbl name="sibTrans2D1">
+    <dgm:scene3d>
+      <a:camera prst="orthographicFront"/>
+      <a:lightRig rig="threePt" dir="t"/>
+    </dgm:scene3d>
+    <dgm:sp3d/>
+    <dgm:txPr/>
+    <dgm:style>
+      <a:lnRef idx="0">
+        <a:scrgbClr r="0" g="0" b="0"/>
+      </a:lnRef>
+      <a:fillRef idx="3">
+        <a:scrgbClr r="0" g="0" b="0"/>
+      </a:fillRef>
+      <a:effectRef idx="3">
+        <a:scrgbClr r="0" g="0" b="0"/>
+      </a:effectRef>
+      <a:fontRef idx="minor">
+        <a:schemeClr val="lt1"/>
+      </a:fontRef>
+    </dgm:style>
+  </dgm:styleLbl>
+  <dgm:styleLbl name="fgSibTrans2D1">
+    <dgm:scene3d>
+      <a:camera prst="orthographicFront"/>
+      <a:lightRig rig="threePt" dir="t"/>
+    </dgm:scene3d>
+    <dgm:sp3d/>
+    <dgm:txPr/>
+    <dgm:style>
+      <a:lnRef idx="0">
+        <a:scrgbClr r="0" g="0" b="0"/>
+      </a:lnRef>
+      <a:fillRef idx="3">
+        <a:scrgbClr r="0" g="0" b="0"/>
+      </a:fillRef>
+      <a:effectRef idx="3">
+        <a:scrgbClr r="0" g="0" b="0"/>
+      </a:effectRef>
+      <a:fontRef idx="minor">
+        <a:schemeClr val="lt1"/>
+      </a:fontRef>
+    </dgm:style>
+  </dgm:styleLbl>
+  <dgm:styleLbl name="bgSibTrans2D1">
+    <dgm:scene3d>
+      <a:camera prst="orthographicFront"/>
+      <a:lightRig rig="threePt" dir="t"/>
+    </dgm:scene3d>
+    <dgm:sp3d/>
+    <dgm:txPr/>
+    <dgm:style>
+      <a:lnRef idx="0">
+        <a:scrgbClr r="0" g="0" b="0"/>
+      </a:lnRef>
+      <a:fillRef idx="3">
+        <a:scrgbClr r="0" g="0" b="0"/>
+      </a:fillRef>
+      <a:effectRef idx="3">
+        <a:scrgbClr r="0" g="0" b="0"/>
+      </a:effectRef>
+      <a:fontRef idx="minor">
+        <a:schemeClr val="lt1"/>
+      </a:fontRef>
+    </dgm:style>
+  </dgm:styleLbl>
+  <dgm:styleLbl name="sibTrans1D1">
+    <dgm:scene3d>
+      <a:camera prst="orthographicFront"/>
+      <a:lightRig rig="threePt" dir="t"/>
+    </dgm:scene3d>
+    <dgm:sp3d/>
+    <dgm:txPr/>
+    <dgm:style>
+      <a:lnRef idx="1">
+        <a:scrgbClr r="0" g="0" b="0"/>
+      </a:lnRef>
+      <a:fillRef idx="0">
+        <a:scrgbClr r="0" g="0" b="0"/>
+      </a:fillRef>
+      <a:effectRef idx="0">
+        <a:scrgbClr r="0" g="0" b="0"/>
+      </a:effectRef>
+      <a:fontRef idx="minor"/>
+    </dgm:style>
+  </dgm:styleLbl>
+  <dgm:styleLbl name="callout">
+    <dgm:scene3d>
+      <a:camera prst="orthographicFront"/>
+      <a:lightRig rig="threePt" dir="t"/>
+    </dgm:scene3d>
+    <dgm:sp3d/>
+    <dgm:txPr/>
+    <dgm:style>
+      <a:lnRef idx="1">
+        <a:scrgbClr r="0" g="0" b="0"/>
+      </a:lnRef>
+      <a:fillRef idx="0">
+        <a:scrgbClr r="0" g="0" b="0"/>
+      </a:fillRef>
+      <a:effectRef idx="1">
+        <a:scrgbClr r="0" g="0" b="0"/>
+      </a:effectRef>
+      <a:fontRef idx="minor"/>
+    </dgm:style>
+  </dgm:styleLbl>
+  <dgm:styleLbl name="asst0">
+    <dgm:scene3d>
+      <a:camera prst="orthographicFront"/>
+      <a:lightRig rig="threePt" dir="t"/>
+    </dgm:scene3d>
+    <dgm:sp3d/>
+    <dgm:txPr/>
+    <dgm:style>
+      <a:lnRef idx="0">
+        <a:scrgbClr r="0" g="0" b="0"/>
+      </a:lnRef>
+      <a:fillRef idx="3">
+        <a:scrgbClr r="0" g="0" b="0"/>
+      </a:fillRef>
+      <a:effectRef idx="3">
+        <a:scrgbClr r="0" g="0" b="0"/>
+      </a:effectRef>
+      <a:fontRef idx="minor">
+        <a:schemeClr val="lt1"/>
+      </a:fontRef>
+    </dgm:style>
+  </dgm:styleLbl>
+  <dgm:styleLbl name="asst1">
+    <dgm:scene3d>
+      <a:camera prst="orthographicFront"/>
+      <a:lightRig rig="threePt" dir="t"/>
+    </dgm:scene3d>
+    <dgm:sp3d/>
+    <dgm:txPr/>
+    <dgm:style>
+      <a:lnRef idx="0">
+        <a:scrgbClr r="0" g="0" b="0"/>
+      </a:lnRef>
+      <a:fillRef idx="3">
+        <a:scrgbClr r="0" g="0" b="0"/>
+      </a:fillRef>
+      <a:effectRef idx="3">
+        <a:scrgbClr r="0" g="0" b="0"/>
+      </a:effectRef>
+      <a:fontRef idx="minor">
+        <a:schemeClr val="lt1"/>
+      </a:fontRef>
+    </dgm:style>
+  </dgm:styleLbl>
+  <dgm:styleLbl name="asst2">
+    <dgm:scene3d>
+      <a:camera prst="orthographicFront"/>
+      <a:lightRig rig="threePt" dir="t"/>
+    </dgm:scene3d>
+    <dgm:sp3d/>
+    <dgm:txPr/>
+    <dgm:style>
+      <a:lnRef idx="0">
+        <a:scrgbClr r="0" g="0" b="0"/>
+      </a:lnRef>
+      <a:fillRef idx="3">
+        <a:scrgbClr r="0" g="0" b="0"/>
+      </a:fillRef>
+      <a:effectRef idx="3">
+        <a:scrgbClr r="0" g="0" b="0"/>
+      </a:effectRef>
+      <a:fontRef idx="minor">
+        <a:schemeClr val="lt1"/>
+      </a:fontRef>
+    </dgm:style>
+  </dgm:styleLbl>
+  <dgm:styleLbl name="asst3">
+    <dgm:scene3d>
+      <a:camera prst="orthographicFront"/>
+      <a:lightRig rig="threePt" dir="t"/>
+    </dgm:scene3d>
+    <dgm:sp3d/>
+    <dgm:txPr/>
+    <dgm:style>
+      <a:lnRef idx="0">
+        <a:scrgbClr r="0" g="0" b="0"/>
+      </a:lnRef>
+      <a:fillRef idx="3">
+        <a:scrgbClr r="0" g="0" b="0"/>
+      </a:fillRef>
+      <a:effectRef idx="3">
+        <a:scrgbClr r="0" g="0" b="0"/>
+      </a:effectRef>
+      <a:fontRef idx="minor">
+        <a:schemeClr val="lt1"/>
+      </a:fontRef>
+    </dgm:style>
+  </dgm:styleLbl>
+  <dgm:styleLbl name="asst4">
+    <dgm:scene3d>
+      <a:camera prst="orthographicFront"/>
+      <a:lightRig rig="threePt" dir="t"/>
+    </dgm:scene3d>
+    <dgm:sp3d/>
+    <dgm:txPr/>
+    <dgm:style>
+      <a:lnRef idx="0">
+        <a:scrgbClr r="0" g="0" b="0"/>
+      </a:lnRef>
+      <a:fillRef idx="3">
+        <a:scrgbClr r="0" g="0" b="0"/>
+      </a:fillRef>
+      <a:effectRef idx="3">
+        <a:scrgbClr r="0" g="0" b="0"/>
+      </a:effectRef>
+      <a:fontRef idx="minor">
+        <a:schemeClr val="lt1"/>
+      </a:fontRef>
+    </dgm:style>
+  </dgm:styleLbl>
+  <dgm:styleLbl name="parChTrans2D1">
+    <dgm:scene3d>
+      <a:camera prst="orthographicFront"/>
+      <a:lightRig rig="threePt" dir="t"/>
+    </dgm:scene3d>
+    <dgm:sp3d/>
+    <dgm:txPr/>
+    <dgm:style>
+      <a:lnRef idx="0">
+        <a:scrgbClr r="0" g="0" b="0"/>
+      </a:lnRef>
+      <a:fillRef idx="3">
+        <a:scrgbClr r="0" g="0" b="0"/>
+      </a:fillRef>
+      <a:effectRef idx="3">
+        <a:scrgbClr r="0" g="0" b="0"/>
+      </a:effectRef>
+      <a:fontRef idx="minor">
+        <a:schemeClr val="lt1"/>
+      </a:fontRef>
+    </dgm:style>
+  </dgm:styleLbl>
+  <dgm:styleLbl name="parChTrans2D2">
+    <dgm:scene3d>
+      <a:camera prst="orthographicFront"/>
+      <a:lightRig rig="threePt" dir="t"/>
+    </dgm:scene3d>
+    <dgm:sp3d/>
+    <dgm:txPr/>
+    <dgm:style>
+      <a:lnRef idx="0">
+        <a:scrgbClr r="0" g="0" b="0"/>
+      </a:lnRef>
+      <a:fillRef idx="3">
+        <a:scrgbClr r="0" g="0" b="0"/>
+      </a:fillRef>
+      <a:effectRef idx="3">
+        <a:scrgbClr r="0" g="0" b="0"/>
+      </a:effectRef>
+      <a:fontRef idx="minor">
+        <a:schemeClr val="lt1"/>
+      </a:fontRef>
+    </dgm:style>
+  </dgm:styleLbl>
+  <dgm:styleLbl name="parChTrans2D3">
+    <dgm:scene3d>
+      <a:camera prst="orthographicFront"/>
+      <a:lightRig rig="threePt" dir="t"/>
+    </dgm:scene3d>
+    <dgm:sp3d/>
+    <dgm:txPr/>
+    <dgm:style>
+      <a:lnRef idx="0">
+        <a:scrgbClr r="0" g="0" b="0"/>
+      </a:lnRef>
+      <a:fillRef idx="3">
+        <a:scrgbClr r="0" g="0" b="0"/>
+      </a:fillRef>
+      <a:effectRef idx="3">
+        <a:scrgbClr r="0" g="0" b="0"/>
+      </a:effectRef>
+      <a:fontRef idx="minor">
+        <a:schemeClr val="lt1"/>
+      </a:fontRef>
+    </dgm:style>
+  </dgm:styleLbl>
+  <dgm:styleLbl name="parChTrans2D4">
+    <dgm:scene3d>
+      <a:camera prst="orthographicFront"/>
+      <a:lightRig rig="threePt" dir="t"/>
+    </dgm:scene3d>
+    <dgm:sp3d/>
+    <dgm:txPr/>
+    <dgm:style>
+      <a:lnRef idx="0">
+        <a:scrgbClr r="0" g="0" b="0"/>
+      </a:lnRef>
+      <a:fillRef idx="3">
+        <a:scrgbClr r="0" g="0" b="0"/>
+      </a:fillRef>
+      <a:effectRef idx="3">
+        <a:scrgbClr r="0" g="0" b="0"/>
+      </a:effectRef>
+      <a:fontRef idx="minor">
+        <a:schemeClr val="lt1"/>
+      </a:fontRef>
+    </dgm:style>
+  </dgm:styleLbl>
+  <dgm:styleLbl name="parChTrans1D1">
+    <dgm:scene3d>
+      <a:camera prst="orthographicFront"/>
+      <a:lightRig rig="threePt" dir="t"/>
+    </dgm:scene3d>
+    <dgm:sp3d/>
+    <dgm:txPr/>
+    <dgm:style>
+      <a:lnRef idx="2">
+        <a:scrgbClr r="0" g="0" b="0"/>
+      </a:lnRef>
+      <a:fillRef idx="0">
+        <a:scrgbClr r="0" g="0" b="0"/>
+      </a:fillRef>
+      <a:effectRef idx="0">
+        <a:scrgbClr r="0" g="0" b="0"/>
+      </a:effectRef>
+      <a:fontRef idx="minor"/>
+    </dgm:style>
+  </dgm:styleLbl>
+  <dgm:styleLbl name="parChTrans1D2">
+    <dgm:scene3d>
+      <a:camera prst="orthographicFront"/>
+      <a:lightRig rig="threePt" dir="t"/>
+    </dgm:scene3d>
+    <dgm:sp3d/>
+    <dgm:txPr/>
+    <dgm:style>
+      <a:lnRef idx="2">
+        <a:scrgbClr r="0" g="0" b="0"/>
+      </a:lnRef>
+      <a:fillRef idx="0">
+        <a:scrgbClr r="0" g="0" b="0"/>
+      </a:fillRef>
+      <a:effectRef idx="0">
+        <a:scrgbClr r="0" g="0" b="0"/>
+      </a:effectRef>
+      <a:fontRef idx="minor"/>
+    </dgm:style>
+  </dgm:styleLbl>
+  <dgm:styleLbl name="parChTrans1D3">
+    <dgm:scene3d>
+      <a:camera prst="orthographicFront"/>
+      <a:lightRig rig="threePt" dir="t"/>
+    </dgm:scene3d>
+    <dgm:sp3d/>
+    <dgm:txPr/>
+    <dgm:style>
+      <a:lnRef idx="2">
+        <a:scrgbClr r="0" g="0" b="0"/>
+      </a:lnRef>
+      <a:fillRef idx="0">
+        <a:scrgbClr r="0" g="0" b="0"/>
+      </a:fillRef>
+      <a:effectRef idx="0">
+        <a:scrgbClr r="0" g="0" b="0"/>
+      </a:effectRef>
+      <a:fontRef idx="minor"/>
+    </dgm:style>
+  </dgm:styleLbl>
+  <dgm:styleLbl name="parChTrans1D4">
+    <dgm:scene3d>
+      <a:camera prst="orthographicFront"/>
+      <a:lightRig rig="threePt" dir="t"/>
+    </dgm:scene3d>
+    <dgm:sp3d/>
+    <dgm:txPr/>
+    <dgm:style>
+      <a:lnRef idx="2">
+        <a:scrgbClr r="0" g="0" b="0"/>
+      </a:lnRef>
+      <a:fillRef idx="0">
+        <a:scrgbClr r="0" g="0" b="0"/>
+      </a:fillRef>
+      <a:effectRef idx="0">
+        <a:scrgbClr r="0" g="0" b="0"/>
+      </a:effectRef>
+      <a:fontRef idx="minor"/>
+    </dgm:style>
+  </dgm:styleLbl>
+  <dgm:styleLbl name="fgAcc1">
+    <dgm:scene3d>
+      <a:camera prst="orthographicFront"/>
+      <a:lightRig rig="threePt" dir="t"/>
+    </dgm:scene3d>
+    <dgm:sp3d/>
+    <dgm:txPr/>
+    <dgm:style>
+      <a:lnRef idx="1">
+        <a:scrgbClr r="0" g="0" b="0"/>
+      </a:lnRef>
+      <a:fillRef idx="1">
+        <a:scrgbClr r="0" g="0" b="0"/>
+      </a:fillRef>
+      <a:effectRef idx="2">
+        <a:scrgbClr r="0" g="0" b="0"/>
+      </a:effectRef>
+      <a:fontRef idx="minor"/>
+    </dgm:style>
+  </dgm:styleLbl>
+  <dgm:styleLbl name="conFgAcc1">
+    <dgm:scene3d>
+      <a:camera prst="orthographicFront"/>
+      <a:lightRig rig="threePt" dir="t"/>
+    </dgm:scene3d>
+    <dgm:sp3d/>
+    <dgm:txPr/>
+    <dgm:style>
+      <a:lnRef idx="1">
+        <a:scrgbClr r="0" g="0" b="0"/>
+      </a:lnRef>
+      <a:fillRef idx="1">
+        <a:scrgbClr r="0" g="0" b="0"/>
+      </a:fillRef>
+      <a:effectRef idx="2">
+        <a:scrgbClr r="0" g="0" b="0"/>
+      </a:effectRef>
+      <a:fontRef idx="minor"/>
+    </dgm:style>
+  </dgm:styleLbl>
+  <dgm:styleLbl name="alignAcc1">
+    <dgm:scene3d>
+      <a:camera prst="orthographicFront"/>
+      <a:lightRig rig="threePt" dir="t"/>
+    </dgm:scene3d>
+    <dgm:sp3d/>
+    <dgm:txPr/>
+    <dgm:style>
+      <a:lnRef idx="1">
+        <a:scrgbClr r="0" g="0" b="0"/>
+      </a:lnRef>
+      <a:fillRef idx="1">
+        <a:scrgbClr r="0" g="0" b="0"/>
+      </a:fillRef>
+      <a:effectRef idx="2">
+        <a:scrgbClr r="0" g="0" b="0"/>
+      </a:effectRef>
+      <a:fontRef idx="minor"/>
+    </dgm:style>
+  </dgm:styleLbl>
+  <dgm:styleLbl name="trAlignAcc1">
+    <dgm:scene3d>
+      <a:camera prst="orthographicFront"/>
+      <a:lightRig rig="threePt" dir="t"/>
+    </dgm:scene3d>
+    <dgm:sp3d/>
+    <dgm:txPr/>
+    <dgm:style>
+      <a:lnRef idx="1">
+        <a:scrgbClr r="0" g="0" b="0"/>
+      </a:lnRef>
+      <a:fillRef idx="1">
+        <a:scrgbClr r="0" g="0" b="0"/>
+      </a:fillRef>
+      <a:effectRef idx="0">
+        <a:scrgbClr r="0" g="0" b="0"/>
+      </a:effectRef>
+      <a:fontRef idx="minor"/>
+    </dgm:style>
+  </dgm:styleLbl>
+  <dgm:styleLbl name="bgAcc1">
+    <dgm:scene3d>
+      <a:camera prst="orthographicFront"/>
+      <a:lightRig rig="threePt" dir="t"/>
+    </dgm:scene3d>
+    <dgm:sp3d/>
+    <dgm:txPr/>
+    <dgm:style>
+      <a:lnRef idx="1">
+        <a:scrgbClr r="0" g="0" b="0"/>
+      </a:lnRef>
+      <a:fillRef idx="1">
+        <a:scrgbClr r="0" g="0" b="0"/>
+      </a:fillRef>
+      <a:effectRef idx="2">
+        <a:scrgbClr r="0" g="0" b="0"/>
+      </a:effectRef>
+      <a:fontRef idx="minor"/>
+    </dgm:style>
+  </dgm:styleLbl>
+  <dgm:styleLbl name="solidFgAcc1">
+    <dgm:scene3d>
+      <a:camera prst="orthographicFront"/>
+      <a:lightRig rig="threePt" dir="t"/>
+    </dgm:scene3d>
+    <dgm:sp3d/>
+    <dgm:txPr/>
+    <dgm:style>
+      <a:lnRef idx="1">
+        <a:scrgbClr r="0" g="0" b="0"/>
+      </a:lnRef>
+      <a:fillRef idx="1">
+        <a:scrgbClr r="0" g="0" b="0"/>
+      </a:fillRef>
+      <a:effectRef idx="2">
+        <a:scrgbClr r="0" g="0" b="0"/>
+      </a:effectRef>
+      <a:fontRef idx="minor"/>
+    </dgm:style>
+  </dgm:styleLbl>
+  <dgm:styleLbl name="solidAlignAcc1">
+    <dgm:scene3d>
+      <a:camera prst="orthographicFront"/>
+      <a:lightRig rig="threePt" dir="t"/>
+    </dgm:scene3d>
+    <dgm:sp3d/>
+    <dgm:txPr/>
+    <dgm:style>
+      <a:lnRef idx="1">
+        <a:scrgbClr r="0" g="0" b="0"/>
+      </a:lnRef>
+      <a:fillRef idx="1">
+        <a:scrgbClr r="0" g="0" b="0"/>
+      </a:fillRef>
+      <a:effectRef idx="3">
+        <a:scrgbClr r="0" g="0" b="0"/>
+      </a:effectRef>
+      <a:fontRef idx="minor"/>
+    </dgm:style>
+  </dgm:styleLbl>
+  <dgm:styleLbl name="solidBgAcc1">
+    <dgm:scene3d>
+      <a:camera prst="orthographicFront"/>
+      <a:lightRig rig="threePt" dir="t"/>
+    </dgm:scene3d>
+    <dgm:sp3d/>
+    <dgm:txPr/>
+    <dgm:style>
+      <a:lnRef idx="1">
+        <a:scrgbClr r="0" g="0" b="0"/>
+      </a:lnRef>
+      <a:fillRef idx="1">
+        <a:scrgbClr r="0" g="0" b="0"/>
+      </a:fillRef>
+      <a:effectRef idx="3">
+        <a:scrgbClr r="0" g="0" b="0"/>
+      </a:effectRef>
+      <a:fontRef idx="minor"/>
+    </dgm:style>
+  </dgm:styleLbl>
+  <dgm:styleLbl name="fgAccFollowNode1">
+    <dgm:scene3d>
+      <a:camera prst="orthographicFront"/>
+      <a:lightRig rig="threePt" dir="t"/>
+    </dgm:scene3d>
+    <dgm:sp3d/>
+    <dgm:txPr/>
+    <dgm:style>
+      <a:lnRef idx="1">
+        <a:scrgbClr r="0" g="0" b="0"/>
+      </a:lnRef>
+      <a:fillRef idx="1">
+        <a:scrgbClr r="0" g="0" b="0"/>
+      </a:fillRef>
+      <a:effectRef idx="2">
+        <a:scrgbClr r="0" g="0" b="0"/>
+      </a:effectRef>
+      <a:fontRef idx="minor"/>
+    </dgm:style>
+  </dgm:styleLbl>
+  <dgm:styleLbl name="alignAccFollowNode1">
+    <dgm:scene3d>
+      <a:camera prst="orthographicFront"/>
+      <a:lightRig rig="threePt" dir="t"/>
+    </dgm:scene3d>
+    <dgm:sp3d/>
+    <dgm:txPr/>
+    <dgm:style>
+      <a:lnRef idx="1">
+        <a:scrgbClr r="0" g="0" b="0"/>
+      </a:lnRef>
+      <a:fillRef idx="1">
+        <a:scrgbClr r="0" g="0" b="0"/>
+      </a:fillRef>
+      <a:effectRef idx="2">
+        <a:scrgbClr r="0" g="0" b="0"/>
+      </a:effectRef>
+      <a:fontRef idx="minor"/>
+    </dgm:style>
+  </dgm:styleLbl>
+  <dgm:styleLbl name="bgAccFollowNode1">
+    <dgm:scene3d>
+      <a:camera prst="orthographicFront"/>
+      <a:lightRig rig="threePt" dir="t"/>
+    </dgm:scene3d>
+    <dgm:sp3d/>
+    <dgm:txPr/>
+    <dgm:style>
+      <a:lnRef idx="1">
+        <a:scrgbClr r="0" g="0" b="0"/>
+      </a:lnRef>
+      <a:fillRef idx="1">
+        <a:scrgbClr r="0" g="0" b="0"/>
+      </a:fillRef>
+      <a:effectRef idx="2">
+        <a:scrgbClr r="0" g="0" b="0"/>
+      </a:effectRef>
+      <a:fontRef idx="minor"/>
+    </dgm:style>
+  </dgm:styleLbl>
+  <dgm:styleLbl name="fgAcc0">
+    <dgm:scene3d>
+      <a:camera prst="orthographicFront"/>
+      <a:lightRig rig="threePt" dir="t"/>
+    </dgm:scene3d>
+    <dgm:sp3d/>
+    <dgm:txPr/>
+    <dgm:style>
+      <a:lnRef idx="1">
+        <a:scrgbClr r="0" g="0" b="0"/>
+      </a:lnRef>
+      <a:fillRef idx="1">
+        <a:scrgbClr r="0" g="0" b="0"/>
+      </a:fillRef>
+      <a:effectRef idx="2">
+        <a:scrgbClr r="0" g="0" b="0"/>
+      </a:effectRef>
+      <a:fontRef idx="minor"/>
+    </dgm:style>
+  </dgm:styleLbl>
+  <dgm:styleLbl name="fgAcc2">
+    <dgm:scene3d>
+      <a:camera prst="orthographicFront"/>
+      <a:lightRig rig="threePt" dir="t"/>
+    </dgm:scene3d>
+    <dgm:sp3d/>
+    <dgm:txPr/>
+    <dgm:style>
+      <a:lnRef idx="1">
+        <a:scrgbClr r="0" g="0" b="0"/>
+      </a:lnRef>
+      <a:fillRef idx="1">
+        <a:scrgbClr r="0" g="0" b="0"/>
+      </a:fillRef>
+      <a:effectRef idx="2">
+        <a:scrgbClr r="0" g="0" b="0"/>
+      </a:effectRef>
+      <a:fontRef idx="minor"/>
+    </dgm:style>
+  </dgm:styleLbl>
+  <dgm:styleLbl name="fgAcc3">
+    <dgm:scene3d>
+      <a:camera prst="orthographicFront"/>
+      <a:lightRig rig="threePt" dir="t"/>
+    </dgm:scene3d>
+    <dgm:sp3d/>
+    <dgm:txPr/>
+    <dgm:style>
+      <a:lnRef idx="1">
+        <a:scrgbClr r="0" g="0" b="0"/>
+      </a:lnRef>
+      <a:fillRef idx="1">
+        <a:scrgbClr r="0" g="0" b="0"/>
+      </a:fillRef>
+      <a:effectRef idx="2">
+        <a:scrgbClr r="0" g="0" b="0"/>
+      </a:effectRef>
+      <a:fontRef idx="minor"/>
+    </dgm:style>
+  </dgm:styleLbl>
+  <dgm:styleLbl name="fgAcc4">
+    <dgm:scene3d>
+      <a:camera prst="orthographicFront"/>
+      <a:lightRig rig="threePt" dir="t"/>
+    </dgm:scene3d>
+    <dgm:sp3d/>
+    <dgm:txPr/>
+    <dgm:style>
+      <a:lnRef idx="1">
+        <a:scrgbClr r="0" g="0" b="0"/>
+      </a:lnRef>
+      <a:fillRef idx="1">
+        <a:scrgbClr r="0" g="0" b="0"/>
+      </a:fillRef>
+      <a:effectRef idx="2">
+        <a:scrgbClr r="0" g="0" b="0"/>
+      </a:effectRef>
+      <a:fontRef idx="minor"/>
+    </dgm:style>
+  </dgm:styleLbl>
+  <dgm:styleLbl name="bgShp">
+    <dgm:scene3d>
+      <a:camera prst="orthographicFront"/>
+      <a:lightRig rig="threePt" dir="t"/>
+    </dgm:scene3d>
+    <dgm:sp3d/>
+    <dgm:txPr/>
+    <dgm:style>
+      <a:lnRef idx="0">
+        <a:scrgbClr r="0" g="0" b="0"/>
+      </a:lnRef>
+      <a:fillRef idx="1">
+        <a:scrgbClr r="0" g="0" b="0"/>
+      </a:fillRef>
+      <a:effectRef idx="2">
+        <a:scrgbClr r="0" g="0" b="0"/>
+      </a:effectRef>
+      <a:fontRef idx="minor"/>
+    </dgm:style>
+  </dgm:styleLbl>
+  <dgm:styleLbl name="dkBgShp">
+    <dgm:scene3d>
+      <a:camera prst="orthographicFront"/>
+      <a:lightRig rig="threePt" dir="t"/>
+    </dgm:scene3d>
+    <dgm:sp3d/>
+    <dgm:txPr/>
+    <dgm:style>
+      <a:lnRef idx="0">
+        <a:scrgbClr r="0" g="0" b="0"/>
+      </a:lnRef>
+      <a:fillRef idx="1">
+        <a:scrgbClr r="0" g="0" b="0"/>
+      </a:fillRef>
+      <a:effectRef idx="3">
+        <a:scrgbClr r="0" g="0" b="0"/>
+      </a:effectRef>
+      <a:fontRef idx="minor"/>
+    </dgm:style>
+  </dgm:styleLbl>
+  <dgm:styleLbl name="trBgShp">
+    <dgm:scene3d>
+      <a:camera prst="orthographicFront"/>
+      <a:lightRig rig="threePt" dir="t"/>
+    </dgm:scene3d>
+    <dgm:sp3d/>
+    <dgm:txPr/>
+    <dgm:style>
+      <a:lnRef idx="0">
+        <a:scrgbClr r="0" g="0" b="0"/>
+      </a:lnRef>
+      <a:fillRef idx="1">
+        <a:scrgbClr r="0" g="0" b="0"/>
+      </a:fillRef>
+      <a:effectRef idx="0">
+        <a:scrgbClr r="0" g="0" b="0"/>
+      </a:effectRef>
+      <a:fontRef idx="minor"/>
+    </dgm:style>
+  </dgm:styleLbl>
+  <dgm:styleLbl name="fgShp">
+    <dgm:scene3d>
+      <a:camera prst="orthographicFront"/>
+      <a:lightRig rig="threePt" dir="t"/>
+    </dgm:scene3d>
+    <dgm:sp3d/>
+    <dgm:txPr/>
+    <dgm:style>
+      <a:lnRef idx="0">
+        <a:scrgbClr r="0" g="0" b="0"/>
+      </a:lnRef>
+      <a:fillRef idx="3">
+        <a:scrgbClr r="0" g="0" b="0"/>
+      </a:fillRef>
+      <a:effectRef idx="3">
         <a:scrgbClr r="0" g="0" b="0"/>
       </a:effectRef>
       <a:fontRef idx="minor"/>
@@ -9598,7 +13252,7 @@
           <a:p>
             <a:fld id="{9AB3A824-1A51-4B26-AD58-A6D8E14F6C04}" type="datetimeFigureOut">
               <a:rPr lang="en-US" dirty="0"/>
-              <a:t>10/19/21</a:t>
+              <a:t>10/21/21</a:t>
             </a:fld>
             <a:endParaRPr lang="en-US" dirty="0"/>
           </a:p>
@@ -9932,7 +13586,7 @@
           <a:p>
             <a:fld id="{D857E33E-8B18-4087-B112-809917729534}" type="datetimeFigureOut">
               <a:rPr lang="en-US" dirty="0"/>
-              <a:t>10/19/21</a:t>
+              <a:t>10/21/21</a:t>
             </a:fld>
             <a:endParaRPr lang="en-US" dirty="0"/>
           </a:p>
@@ -10234,7 +13888,7 @@
           <a:p>
             <a:fld id="{D3FFE419-2371-464F-8239-3959401C3561}" type="datetimeFigureOut">
               <a:rPr lang="en-US" dirty="0"/>
-              <a:t>10/19/21</a:t>
+              <a:t>10/21/21</a:t>
             </a:fld>
             <a:endParaRPr lang="en-US" dirty="0"/>
           </a:p>
@@ -10481,7 +14135,7 @@
           <a:p>
             <a:fld id="{97D162C4-EDD9-4389-A98B-B87ECEA2A816}" type="datetimeFigureOut">
               <a:rPr lang="en-US" dirty="0"/>
-              <a:t>10/19/21</a:t>
+              <a:t>10/21/21</a:t>
             </a:fld>
             <a:endParaRPr lang="en-US" dirty="0"/>
           </a:p>
@@ -10888,7 +14542,7 @@
           <a:p>
             <a:fld id="{3E5059C3-6A89-4494-99FF-5A4D6FFD50EB}" type="datetimeFigureOut">
               <a:rPr lang="en-US" dirty="0"/>
-              <a:t>10/19/21</a:t>
+              <a:t>10/21/21</a:t>
             </a:fld>
             <a:endParaRPr lang="en-US" dirty="0"/>
           </a:p>
@@ -11202,7 +14856,7 @@
           <a:p>
             <a:fld id="{CA954B2F-12DE-47F5-8894-472B206D2E1E}" type="datetimeFigureOut">
               <a:rPr lang="en-US" dirty="0"/>
-              <a:t>10/19/21</a:t>
+              <a:t>10/21/21</a:t>
             </a:fld>
             <a:endParaRPr lang="en-US" dirty="0"/>
           </a:p>
@@ -11746,7 +15400,7 @@
           <a:p>
             <a:fld id="{3F30E46F-7819-4ACF-B48B-48222C2ACC88}" type="datetimeFigureOut">
               <a:rPr lang="en-US" dirty="0"/>
-              <a:t>10/19/21</a:t>
+              <a:t>10/21/21</a:t>
             </a:fld>
             <a:endParaRPr lang="en-US" dirty="0"/>
           </a:p>
@@ -11941,7 +15595,7 @@
           <a:p>
             <a:fld id="{1FAF3416-4057-4DAA-829D-4CA07428D088}" type="datetimeFigureOut">
               <a:rPr lang="en-US" dirty="0"/>
-              <a:t>10/19/21</a:t>
+              <a:t>10/21/21</a:t>
             </a:fld>
             <a:endParaRPr lang="en-US" dirty="0"/>
           </a:p>
@@ -12154,7 +15808,7 @@
           <a:p>
             <a:fld id="{921D9284-D300-4297-87F7-E791DCC15DB1}" type="datetimeFigureOut">
               <a:rPr lang="en-US" dirty="0"/>
-              <a:t>10/19/21</a:t>
+              <a:t>10/21/21</a:t>
             </a:fld>
             <a:endParaRPr lang="en-US" dirty="0"/>
           </a:p>
@@ -12523,7 +16177,7 @@
           <a:p>
             <a:fld id="{37D525BB-DA17-4BA0-B3C8-3AC3ABC827E6}" type="datetimeFigureOut">
               <a:rPr lang="en-US" dirty="0"/>
-              <a:t>10/19/21</a:t>
+              <a:t>10/21/21</a:t>
             </a:fld>
             <a:endParaRPr lang="en-US" dirty="0"/>
           </a:p>
@@ -12926,7 +16580,7 @@
           <a:p>
             <a:fld id="{B16C4C9A-3960-41CF-A4E9-2A8FB932454B}" type="datetimeFigureOut">
               <a:rPr lang="en-US" dirty="0"/>
-              <a:t>10/19/21</a:t>
+              <a:t>10/21/21</a:t>
             </a:fld>
             <a:endParaRPr lang="en-US" dirty="0"/>
           </a:p>
@@ -13237,7 +16891,7 @@
           <a:p>
             <a:fld id="{3CBC1C18-307B-4F68-A007-B5B542270E8D}" type="datetimeFigureOut">
               <a:rPr lang="en-US" dirty="0"/>
-              <a:t>10/19/21</a:t>
+              <a:t>10/21/21</a:t>
             </a:fld>
             <a:endParaRPr lang="en-US" dirty="0"/>
           </a:p>
@@ -24693,6 +28347,662 @@
 <file path=ppt/slides/slide36.xml><?xml version="1.0" encoding="utf-8"?>
 <p:sld xmlns:a="http://schemas.openxmlformats.org/drawingml/2006/main" xmlns:r="http://schemas.openxmlformats.org/officeDocument/2006/relationships" xmlns:p="http://schemas.openxmlformats.org/presentationml/2006/main">
   <p:cSld>
+    <p:bg>
+      <p:bgPr>
+        <a:solidFill>
+          <a:schemeClr val="bg1"/>
+        </a:solidFill>
+        <a:effectLst/>
+      </p:bgPr>
+    </p:bg>
+    <p:spTree>
+      <p:nvGrpSpPr>
+        <p:cNvPr id="1" name=""/>
+        <p:cNvGrpSpPr/>
+        <p:nvPr/>
+      </p:nvGrpSpPr>
+      <p:grpSpPr>
+        <a:xfrm>
+          <a:off x="0" y="0"/>
+          <a:ext cx="0" cy="0"/>
+          <a:chOff x="0" y="0"/>
+          <a:chExt cx="0" cy="0"/>
+        </a:xfrm>
+      </p:grpSpPr>
+      <p:pic>
+        <p:nvPicPr>
+          <p:cNvPr id="30" name="Picture 7">
+            <a:extLst>
+              <a:ext uri="{FF2B5EF4-FFF2-40B4-BE49-F238E27FC236}">
+                <a16:creationId xmlns:a16="http://schemas.microsoft.com/office/drawing/2014/main" id="{3DBBA26C-89C3-411F-9753-606A413F89AF}"/>
+              </a:ext>
+              <a:ext uri="{C183D7F6-B498-43B3-948B-1728B52AA6E4}">
+                <adec:decorative xmlns:adec="http://schemas.microsoft.com/office/drawing/2017/decorative" val="1"/>
+              </a:ext>
+            </a:extLst>
+          </p:cNvPr>
+          <p:cNvPicPr>
+            <a:picLocks noGrp="1" noRot="1" noChangeAspect="1" noMove="1" noResize="1" noEditPoints="1" noAdjustHandles="1" noChangeArrowheads="1" noChangeShapeType="1" noCrop="1"/>
+          </p:cNvPicPr>
+          <p:nvPr>
+            <p:extLst>
+              <p:ext uri="{386F3935-93C4-4BCD-93E2-E3B085C9AB24}">
+                <p16:designElem xmlns:p16="http://schemas.microsoft.com/office/powerpoint/2015/main" val="1"/>
+              </p:ext>
+            </p:extLst>
+          </p:nvPr>
+        </p:nvPicPr>
+        <p:blipFill>
+          <a:blip r:embed="rId2">
+            <a:extLst>
+              <a:ext uri="{28A0092B-C50C-407E-A947-70E740481C1C}">
+                <a14:useLocalDpi xmlns:a14="http://schemas.microsoft.com/office/drawing/2010/main" val="0"/>
+              </a:ext>
+            </a:extLst>
+          </a:blip>
+          <a:stretch>
+            <a:fillRect/>
+          </a:stretch>
+        </p:blipFill>
+        <p:spPr>
+          <a:xfrm>
+            <a:off x="2831794" y="2105202"/>
+            <a:ext cx="9360205" cy="4752798"/>
+          </a:xfrm>
+          <a:prstGeom prst="rect">
+            <a:avLst/>
+          </a:prstGeom>
+        </p:spPr>
+      </p:pic>
+      <p:pic>
+        <p:nvPicPr>
+          <p:cNvPr id="31" name="Picture 9">
+            <a:extLst>
+              <a:ext uri="{FF2B5EF4-FFF2-40B4-BE49-F238E27FC236}">
+                <a16:creationId xmlns:a16="http://schemas.microsoft.com/office/drawing/2014/main" id="{EEAD2215-6311-4D1C-B6B5-F57CB6BFCBCA}"/>
+              </a:ext>
+              <a:ext uri="{C183D7F6-B498-43B3-948B-1728B52AA6E4}">
+                <adec:decorative xmlns:adec="http://schemas.microsoft.com/office/drawing/2017/decorative" val="1"/>
+              </a:ext>
+            </a:extLst>
+          </p:cNvPr>
+          <p:cNvPicPr>
+            <a:picLocks noGrp="1" noRot="1" noChangeAspect="1" noMove="1" noResize="1" noEditPoints="1" noAdjustHandles="1" noChangeArrowheads="1" noChangeShapeType="1" noCrop="1"/>
+          </p:cNvPicPr>
+          <p:nvPr>
+            <p:extLst>
+              <p:ext uri="{386F3935-93C4-4BCD-93E2-E3B085C9AB24}">
+                <p16:designElem xmlns:p16="http://schemas.microsoft.com/office/powerpoint/2015/main" val="1"/>
+              </p:ext>
+            </p:extLst>
+          </p:nvPr>
+        </p:nvPicPr>
+        <p:blipFill>
+          <a:blip r:embed="rId3">
+            <a:extLst>
+              <a:ext uri="{28A0092B-C50C-407E-A947-70E740481C1C}">
+                <a14:useLocalDpi xmlns:a14="http://schemas.microsoft.com/office/drawing/2010/main" val="0"/>
+              </a:ext>
+            </a:extLst>
+          </a:blip>
+          <a:stretch>
+            <a:fillRect/>
+          </a:stretch>
+        </p:blipFill>
+        <p:spPr>
+          <a:xfrm>
+            <a:off x="0" y="0"/>
+            <a:ext cx="12189867" cy="6858000"/>
+          </a:xfrm>
+          <a:prstGeom prst="rect">
+            <a:avLst/>
+          </a:prstGeom>
+        </p:spPr>
+      </p:pic>
+      <p:sp>
+        <p:nvSpPr>
+          <p:cNvPr id="32" name="Rectangle 11">
+            <a:extLst>
+              <a:ext uri="{FF2B5EF4-FFF2-40B4-BE49-F238E27FC236}">
+                <a16:creationId xmlns:a16="http://schemas.microsoft.com/office/drawing/2014/main" id="{7BA5DE79-30D1-4A10-8DB9-0A6E523A9723}"/>
+              </a:ext>
+              <a:ext uri="{C183D7F6-B498-43B3-948B-1728B52AA6E4}">
+                <adec:decorative xmlns:adec="http://schemas.microsoft.com/office/drawing/2017/decorative" val="1"/>
+              </a:ext>
+            </a:extLst>
+          </p:cNvPr>
+          <p:cNvSpPr>
+            <a:spLocks noGrp="1" noRot="1" noChangeAspect="1" noMove="1" noResize="1" noEditPoints="1" noAdjustHandles="1" noChangeArrowheads="1" noChangeShapeType="1" noTextEdit="1"/>
+          </p:cNvSpPr>
+          <p:nvPr>
+            <p:extLst>
+              <p:ext uri="{386F3935-93C4-4BCD-93E2-E3B085C9AB24}">
+                <p16:designElem xmlns:p16="http://schemas.microsoft.com/office/powerpoint/2015/main" val="1"/>
+              </p:ext>
+            </p:extLst>
+          </p:nvPr>
+        </p:nvSpPr>
+        <p:spPr>
+          <a:xfrm>
+            <a:off x="0" y="0"/>
+            <a:ext cx="964174" cy="6858000"/>
+          </a:xfrm>
+          <a:prstGeom prst="rect">
+            <a:avLst/>
+          </a:prstGeom>
+          <a:solidFill>
+            <a:schemeClr val="bg2"/>
+          </a:solidFill>
+          <a:ln>
+            <a:noFill/>
+          </a:ln>
+        </p:spPr>
+        <p:style>
+          <a:lnRef idx="2">
+            <a:schemeClr val="accent1">
+              <a:shade val="50000"/>
+            </a:schemeClr>
+          </a:lnRef>
+          <a:fillRef idx="1">
+            <a:schemeClr val="accent1"/>
+          </a:fillRef>
+          <a:effectRef idx="0">
+            <a:schemeClr val="accent1"/>
+          </a:effectRef>
+          <a:fontRef idx="minor">
+            <a:schemeClr val="lt1"/>
+          </a:fontRef>
+        </p:style>
+      </p:sp>
+      <p:sp>
+        <p:nvSpPr>
+          <p:cNvPr id="33" name="Rectangle 13">
+            <a:extLst>
+              <a:ext uri="{FF2B5EF4-FFF2-40B4-BE49-F238E27FC236}">
+                <a16:creationId xmlns:a16="http://schemas.microsoft.com/office/drawing/2014/main" id="{9ABD0D63-D23F-4AE7-8270-4185EF9C1C25}"/>
+              </a:ext>
+              <a:ext uri="{C183D7F6-B498-43B3-948B-1728B52AA6E4}">
+                <adec:decorative xmlns:adec="http://schemas.microsoft.com/office/drawing/2017/decorative" val="1"/>
+              </a:ext>
+            </a:extLst>
+          </p:cNvPr>
+          <p:cNvSpPr>
+            <a:spLocks noGrp="1" noRot="1" noChangeAspect="1" noMove="1" noResize="1" noEditPoints="1" noAdjustHandles="1" noChangeArrowheads="1" noChangeShapeType="1" noTextEdit="1"/>
+          </p:cNvSpPr>
+          <p:nvPr>
+            <p:extLst>
+              <p:ext uri="{386F3935-93C4-4BCD-93E2-E3B085C9AB24}">
+                <p16:designElem xmlns:p16="http://schemas.microsoft.com/office/powerpoint/2015/main" val="1"/>
+              </p:ext>
+            </p:extLst>
+          </p:nvPr>
+        </p:nvSpPr>
+        <p:spPr>
+          <a:xfrm>
+            <a:off x="962042" y="0"/>
+            <a:ext cx="45719" cy="6858000"/>
+          </a:xfrm>
+          <a:prstGeom prst="rect">
+            <a:avLst/>
+          </a:prstGeom>
+          <a:solidFill>
+            <a:schemeClr val="accent6"/>
+          </a:solidFill>
+          <a:ln>
+            <a:noFill/>
+          </a:ln>
+        </p:spPr>
+        <p:style>
+          <a:lnRef idx="2">
+            <a:schemeClr val="accent1">
+              <a:shade val="50000"/>
+            </a:schemeClr>
+          </a:lnRef>
+          <a:fillRef idx="1">
+            <a:schemeClr val="accent1"/>
+          </a:fillRef>
+          <a:effectRef idx="0">
+            <a:schemeClr val="accent1"/>
+          </a:effectRef>
+          <a:fontRef idx="minor">
+            <a:schemeClr val="lt1"/>
+          </a:fontRef>
+        </p:style>
+      </p:sp>
+      <p:sp>
+        <p:nvSpPr>
+          <p:cNvPr id="34" name="Rectangle 15">
+            <a:extLst>
+              <a:ext uri="{FF2B5EF4-FFF2-40B4-BE49-F238E27FC236}">
+                <a16:creationId xmlns:a16="http://schemas.microsoft.com/office/drawing/2014/main" id="{72168E9E-94E9-4BE3-B88C-C8A468117753}"/>
+              </a:ext>
+              <a:ext uri="{C183D7F6-B498-43B3-948B-1728B52AA6E4}">
+                <adec:decorative xmlns:adec="http://schemas.microsoft.com/office/drawing/2017/decorative" val="1"/>
+              </a:ext>
+            </a:extLst>
+          </p:cNvPr>
+          <p:cNvSpPr>
+            <a:spLocks noGrp="1" noRot="1" noChangeAspect="1" noMove="1" noResize="1" noEditPoints="1" noAdjustHandles="1" noChangeArrowheads="1" noChangeShapeType="1" noTextEdit="1"/>
+          </p:cNvSpPr>
+          <p:nvPr>
+            <p:extLst>
+              <p:ext uri="{386F3935-93C4-4BCD-93E2-E3B085C9AB24}">
+                <p16:designElem xmlns:p16="http://schemas.microsoft.com/office/powerpoint/2015/main" val="1"/>
+              </p:ext>
+            </p:extLst>
+          </p:nvPr>
+        </p:nvSpPr>
+        <p:spPr>
+          <a:xfrm>
+            <a:off x="1007533" y="0"/>
+            <a:ext cx="7934348" cy="6858000"/>
+          </a:xfrm>
+          <a:prstGeom prst="rect">
+            <a:avLst/>
+          </a:prstGeom>
+          <a:solidFill>
+            <a:schemeClr val="bg2">
+              <a:alpha val="92000"/>
+            </a:schemeClr>
+          </a:solidFill>
+          <a:ln>
+            <a:noFill/>
+          </a:ln>
+        </p:spPr>
+        <p:style>
+          <a:lnRef idx="2">
+            <a:schemeClr val="accent1">
+              <a:shade val="50000"/>
+            </a:schemeClr>
+          </a:lnRef>
+          <a:fillRef idx="1">
+            <a:schemeClr val="accent1"/>
+          </a:fillRef>
+          <a:effectRef idx="0">
+            <a:schemeClr val="accent1"/>
+          </a:effectRef>
+          <a:fontRef idx="minor">
+            <a:schemeClr val="lt1"/>
+          </a:fontRef>
+        </p:style>
+      </p:sp>
+      <p:sp>
+        <p:nvSpPr>
+          <p:cNvPr id="35" name="Rectangle 17">
+            <a:extLst>
+              <a:ext uri="{FF2B5EF4-FFF2-40B4-BE49-F238E27FC236}">
+                <a16:creationId xmlns:a16="http://schemas.microsoft.com/office/drawing/2014/main" id="{12107AC1-AA0D-4097-B03D-FD3C632AB886}"/>
+              </a:ext>
+              <a:ext uri="{C183D7F6-B498-43B3-948B-1728B52AA6E4}">
+                <adec:decorative xmlns:adec="http://schemas.microsoft.com/office/drawing/2017/decorative" val="1"/>
+              </a:ext>
+            </a:extLst>
+          </p:cNvPr>
+          <p:cNvSpPr>
+            <a:spLocks noGrp="1" noRot="1" noChangeAspect="1" noMove="1" noResize="1" noEditPoints="1" noAdjustHandles="1" noChangeArrowheads="1" noChangeShapeType="1" noTextEdit="1"/>
+          </p:cNvSpPr>
+          <p:nvPr>
+            <p:extLst>
+              <p:ext uri="{386F3935-93C4-4BCD-93E2-E3B085C9AB24}">
+                <p16:designElem xmlns:p16="http://schemas.microsoft.com/office/powerpoint/2015/main" val="1"/>
+              </p:ext>
+            </p:extLst>
+          </p:nvPr>
+        </p:nvSpPr>
+        <p:spPr>
+          <a:xfrm>
+            <a:off x="8941881" y="0"/>
+            <a:ext cx="27432" cy="6858000"/>
+          </a:xfrm>
+          <a:prstGeom prst="rect">
+            <a:avLst/>
+          </a:prstGeom>
+          <a:solidFill>
+            <a:schemeClr val="accent6"/>
+          </a:solidFill>
+          <a:ln>
+            <a:noFill/>
+          </a:ln>
+        </p:spPr>
+        <p:style>
+          <a:lnRef idx="2">
+            <a:schemeClr val="accent1">
+              <a:shade val="50000"/>
+            </a:schemeClr>
+          </a:lnRef>
+          <a:fillRef idx="1">
+            <a:schemeClr val="accent1"/>
+          </a:fillRef>
+          <a:effectRef idx="0">
+            <a:schemeClr val="accent1"/>
+          </a:effectRef>
+          <a:fontRef idx="minor">
+            <a:schemeClr val="lt1"/>
+          </a:fontRef>
+        </p:style>
+      </p:sp>
+      <p:sp>
+        <p:nvSpPr>
+          <p:cNvPr id="36" name="TextBox 19">
+            <a:extLst>
+              <a:ext uri="{FF2B5EF4-FFF2-40B4-BE49-F238E27FC236}">
+                <a16:creationId xmlns:a16="http://schemas.microsoft.com/office/drawing/2014/main" id="{7C8D231A-EC46-4736-B00F-76D307082204}"/>
+              </a:ext>
+              <a:ext uri="{C183D7F6-B498-43B3-948B-1728B52AA6E4}">
+                <adec:decorative xmlns:adec="http://schemas.microsoft.com/office/drawing/2017/decorative" val="1"/>
+              </a:ext>
+            </a:extLst>
+          </p:cNvPr>
+          <p:cNvSpPr txBox="1">
+            <a:spLocks noGrp="1" noRot="1" noChangeAspect="1" noMove="1" noResize="1" noEditPoints="1" noAdjustHandles="1" noChangeArrowheads="1" noChangeShapeType="1" noTextEdit="1"/>
+          </p:cNvSpPr>
+          <p:nvPr>
+            <p:extLst>
+              <p:ext uri="{386F3935-93C4-4BCD-93E2-E3B085C9AB24}">
+                <p16:designElem xmlns:p16="http://schemas.microsoft.com/office/powerpoint/2015/main" val="1"/>
+              </p:ext>
+            </p:extLst>
+          </p:nvPr>
+        </p:nvSpPr>
+        <p:spPr>
+          <a:xfrm>
+            <a:off x="2191282" y="3262852"/>
+            <a:ext cx="415636" cy="461665"/>
+          </a:xfrm>
+          <a:prstGeom prst="rect">
+            <a:avLst/>
+          </a:prstGeom>
+          <a:noFill/>
+        </p:spPr>
+        <p:txBody>
+          <a:bodyPr wrap="square" rtlCol="0">
+            <a:spAutoFit/>
+          </a:bodyPr>
+          <a:lstStyle/>
+          <a:p>
+            <a:pPr algn="r">
+              <a:spcAft>
+                <a:spcPts val="600"/>
+              </a:spcAft>
+            </a:pPr>
+            <a:r>
+              <a:rPr lang="en-US" sz="2400" dirty="0">
+                <a:solidFill>
+                  <a:schemeClr val="accent6"/>
+                </a:solidFill>
+                <a:latin typeface="Wingdings 3" panose="05040102010807070707" pitchFamily="18" charset="2"/>
+              </a:rPr>
+              <a:t>z</a:t>
+            </a:r>
+            <a:endParaRPr lang="en-US" sz="2400" dirty="0">
+              <a:solidFill>
+                <a:schemeClr val="accent6"/>
+              </a:solidFill>
+              <a:latin typeface="MS Shell Dlg 2" panose="020B0604030504040204" pitchFamily="34" charset="0"/>
+            </a:endParaRPr>
+          </a:p>
+        </p:txBody>
+      </p:sp>
+      <p:sp useBgFill="1">
+        <p:nvSpPr>
+          <p:cNvPr id="37" name="Rectangle 21">
+            <a:extLst>
+              <a:ext uri="{FF2B5EF4-FFF2-40B4-BE49-F238E27FC236}">
+                <a16:creationId xmlns:a16="http://schemas.microsoft.com/office/drawing/2014/main" id="{92806DFD-E192-42CC-B190-3C4C95B8FF4E}"/>
+              </a:ext>
+              <a:ext uri="{C183D7F6-B498-43B3-948B-1728B52AA6E4}">
+                <adec:decorative xmlns:adec="http://schemas.microsoft.com/office/drawing/2017/decorative" val="1"/>
+              </a:ext>
+            </a:extLst>
+          </p:cNvPr>
+          <p:cNvSpPr>
+            <a:spLocks noGrp="1" noRot="1" noChangeAspect="1" noMove="1" noResize="1" noEditPoints="1" noAdjustHandles="1" noChangeArrowheads="1" noChangeShapeType="1" noTextEdit="1"/>
+          </p:cNvSpPr>
+          <p:nvPr>
+            <p:extLst>
+              <p:ext uri="{386F3935-93C4-4BCD-93E2-E3B085C9AB24}">
+                <p16:designElem xmlns:p16="http://schemas.microsoft.com/office/powerpoint/2015/main" val="1"/>
+              </p:ext>
+            </p:extLst>
+          </p:nvPr>
+        </p:nvSpPr>
+        <p:spPr>
+          <a:xfrm>
+            <a:off x="0" y="-1"/>
+            <a:ext cx="12189867" cy="6858001"/>
+          </a:xfrm>
+          <a:prstGeom prst="rect">
+            <a:avLst/>
+          </a:prstGeom>
+          <a:ln>
+            <a:noFill/>
+          </a:ln>
+        </p:spPr>
+        <p:style>
+          <a:lnRef idx="2">
+            <a:schemeClr val="accent1">
+              <a:shade val="50000"/>
+            </a:schemeClr>
+          </a:lnRef>
+          <a:fillRef idx="1">
+            <a:schemeClr val="accent1"/>
+          </a:fillRef>
+          <a:effectRef idx="0">
+            <a:schemeClr val="accent1"/>
+          </a:effectRef>
+          <a:fontRef idx="minor">
+            <a:schemeClr val="lt1"/>
+          </a:fontRef>
+        </p:style>
+        <p:txBody>
+          <a:bodyPr rtlCol="0" anchor="ctr"/>
+          <a:lstStyle/>
+          <a:p>
+            <a:pPr algn="ctr"/>
+            <a:endParaRPr lang="en-US"/>
+          </a:p>
+        </p:txBody>
+      </p:sp>
+      <p:sp>
+        <p:nvSpPr>
+          <p:cNvPr id="38" name="Rectangle 23">
+            <a:extLst>
+              <a:ext uri="{FF2B5EF4-FFF2-40B4-BE49-F238E27FC236}">
+                <a16:creationId xmlns:a16="http://schemas.microsoft.com/office/drawing/2014/main" id="{558A0B6A-DEC0-46AC-8D12-B6E45FCD1EA2}"/>
+              </a:ext>
+              <a:ext uri="{C183D7F6-B498-43B3-948B-1728B52AA6E4}">
+                <adec:decorative xmlns:adec="http://schemas.microsoft.com/office/drawing/2017/decorative" val="1"/>
+              </a:ext>
+            </a:extLst>
+          </p:cNvPr>
+          <p:cNvSpPr>
+            <a:spLocks noGrp="1" noRot="1" noChangeAspect="1" noMove="1" noResize="1" noEditPoints="1" noAdjustHandles="1" noChangeArrowheads="1" noChangeShapeType="1" noTextEdit="1"/>
+          </p:cNvSpPr>
+          <p:nvPr>
+            <p:extLst>
+              <p:ext uri="{386F3935-93C4-4BCD-93E2-E3B085C9AB24}">
+                <p16:designElem xmlns:p16="http://schemas.microsoft.com/office/powerpoint/2015/main" val="1"/>
+              </p:ext>
+            </p:extLst>
+          </p:nvPr>
+        </p:nvSpPr>
+        <p:spPr>
+          <a:xfrm>
+            <a:off x="2133" y="0"/>
+            <a:ext cx="12189867" cy="6858001"/>
+          </a:xfrm>
+          <a:prstGeom prst="rect">
+            <a:avLst/>
+          </a:prstGeom>
+          <a:solidFill>
+            <a:schemeClr val="tx2">
+              <a:alpha val="12000"/>
+            </a:schemeClr>
+          </a:solidFill>
+          <a:ln>
+            <a:noFill/>
+          </a:ln>
+        </p:spPr>
+        <p:style>
+          <a:lnRef idx="2">
+            <a:schemeClr val="accent1">
+              <a:shade val="50000"/>
+            </a:schemeClr>
+          </a:lnRef>
+          <a:fillRef idx="1">
+            <a:schemeClr val="accent1"/>
+          </a:fillRef>
+          <a:effectRef idx="0">
+            <a:schemeClr val="accent1"/>
+          </a:effectRef>
+          <a:fontRef idx="minor">
+            <a:schemeClr val="lt1"/>
+          </a:fontRef>
+        </p:style>
+        <p:txBody>
+          <a:bodyPr rtlCol="0" anchor="ctr"/>
+          <a:lstStyle/>
+          <a:p>
+            <a:pPr algn="ctr"/>
+            <a:endParaRPr lang="en-US"/>
+          </a:p>
+        </p:txBody>
+      </p:sp>
+      <p:pic>
+        <p:nvPicPr>
+          <p:cNvPr id="39" name="Picture 25">
+            <a:extLst>
+              <a:ext uri="{FF2B5EF4-FFF2-40B4-BE49-F238E27FC236}">
+                <a16:creationId xmlns:a16="http://schemas.microsoft.com/office/drawing/2014/main" id="{8C1A506D-EB69-4549-9782-F0EBB2A9AE9C}"/>
+              </a:ext>
+              <a:ext uri="{C183D7F6-B498-43B3-948B-1728B52AA6E4}">
+                <adec:decorative xmlns:adec="http://schemas.microsoft.com/office/drawing/2017/decorative" val="1"/>
+              </a:ext>
+            </a:extLst>
+          </p:cNvPr>
+          <p:cNvPicPr>
+            <a:picLocks noGrp="1" noRot="1" noChangeAspect="1" noMove="1" noResize="1" noEditPoints="1" noAdjustHandles="1" noChangeArrowheads="1" noChangeShapeType="1" noCrop="1"/>
+          </p:cNvPicPr>
+          <p:nvPr>
+            <p:extLst>
+              <p:ext uri="{386F3935-93C4-4BCD-93E2-E3B085C9AB24}">
+                <p16:designElem xmlns:p16="http://schemas.microsoft.com/office/powerpoint/2015/main" val="1"/>
+              </p:ext>
+            </p:extLst>
+          </p:nvPr>
+        </p:nvPicPr>
+        <p:blipFill>
+          <a:blip r:embed="rId2">
+            <a:extLst>
+              <a:ext uri="{28A0092B-C50C-407E-A947-70E740481C1C}">
+                <a14:useLocalDpi xmlns:a14="http://schemas.microsoft.com/office/drawing/2010/main" val="0"/>
+              </a:ext>
+            </a:extLst>
+          </a:blip>
+          <a:stretch>
+            <a:fillRect/>
+          </a:stretch>
+        </p:blipFill>
+        <p:spPr>
+          <a:xfrm>
+            <a:off x="2831794" y="2105202"/>
+            <a:ext cx="9360205" cy="4752798"/>
+          </a:xfrm>
+          <a:prstGeom prst="rect">
+            <a:avLst/>
+          </a:prstGeom>
+        </p:spPr>
+      </p:pic>
+      <p:sp>
+        <p:nvSpPr>
+          <p:cNvPr id="2" name="Title 1">
+            <a:extLst>
+              <a:ext uri="{FF2B5EF4-FFF2-40B4-BE49-F238E27FC236}">
+                <a16:creationId xmlns:a16="http://schemas.microsoft.com/office/drawing/2014/main" id="{A25FB276-235B-2B4E-A733-372FC229B3F8}"/>
+              </a:ext>
+            </a:extLst>
+          </p:cNvPr>
+          <p:cNvSpPr>
+            <a:spLocks noGrp="1"/>
+          </p:cNvSpPr>
+          <p:nvPr>
+            <p:ph type="title"/>
+          </p:nvPr>
+        </p:nvSpPr>
+        <p:spPr>
+          <a:xfrm>
+            <a:off x="2141744" y="1437783"/>
+            <a:ext cx="7908513" cy="2495051"/>
+          </a:xfrm>
+        </p:spPr>
+        <p:txBody>
+          <a:bodyPr vert="horz" lIns="91440" tIns="45720" rIns="91440" bIns="45720" rtlCol="0" anchor="b">
+            <a:normAutofit/>
+          </a:bodyPr>
+          <a:lstStyle/>
+          <a:p>
+            <a:pPr algn="ctr"/>
+            <a:r>
+              <a:rPr lang="en-US" sz="6600"/>
+              <a:t>Methods and Functions</a:t>
+            </a:r>
+          </a:p>
+        </p:txBody>
+      </p:sp>
+      <p:sp>
+        <p:nvSpPr>
+          <p:cNvPr id="3" name="Content Placeholder 2">
+            <a:extLst>
+              <a:ext uri="{FF2B5EF4-FFF2-40B4-BE49-F238E27FC236}">
+                <a16:creationId xmlns:a16="http://schemas.microsoft.com/office/drawing/2014/main" id="{098DEA26-60C9-B949-A16C-2E1AB12AB0AD}"/>
+              </a:ext>
+            </a:extLst>
+          </p:cNvPr>
+          <p:cNvSpPr>
+            <a:spLocks noGrp="1"/>
+          </p:cNvSpPr>
+          <p:nvPr>
+            <p:ph idx="1"/>
+          </p:nvPr>
+        </p:nvSpPr>
+        <p:spPr>
+          <a:xfrm>
+            <a:off x="3416133" y="4020146"/>
+            <a:ext cx="5357600" cy="1160213"/>
+          </a:xfrm>
+        </p:spPr>
+        <p:txBody>
+          <a:bodyPr vert="horz" lIns="91440" tIns="0" rIns="91440" bIns="45720" rtlCol="0" anchor="t">
+            <a:normAutofit/>
+          </a:bodyPr>
+          <a:lstStyle/>
+          <a:p>
+            <a:pPr marL="0" indent="0" algn="ctr">
+              <a:buNone/>
+            </a:pPr>
+            <a:r>
+              <a:rPr lang="en-US" sz="2800" dirty="0"/>
+              <a:t>Are you wondering? Why Today Again?</a:t>
+            </a:r>
+          </a:p>
+        </p:txBody>
+      </p:sp>
+    </p:spTree>
+    <p:extLst>
+      <p:ext uri="{BB962C8B-B14F-4D97-AF65-F5344CB8AC3E}">
+        <p14:creationId xmlns:p14="http://schemas.microsoft.com/office/powerpoint/2010/main" val="3924754858"/>
+      </p:ext>
+    </p:extLst>
+  </p:cSld>
+  <p:clrMapOvr>
+    <a:masterClrMapping/>
+  </p:clrMapOvr>
+</p:sld>
+</file>
+
+<file path=ppt/slides/slide37.xml><?xml version="1.0" encoding="utf-8"?>
+<p:sld xmlns:a="http://schemas.openxmlformats.org/drawingml/2006/main" xmlns:r="http://schemas.openxmlformats.org/officeDocument/2006/relationships" xmlns:p="http://schemas.openxmlformats.org/presentationml/2006/main">
+  <p:cSld>
     <p:spTree>
       <p:nvGrpSpPr>
         <p:cNvPr id="1" name=""/>
@@ -24712,6 +29022,1334 @@
           <p:cNvPr id="2" name="Title 1">
             <a:extLst>
               <a:ext uri="{FF2B5EF4-FFF2-40B4-BE49-F238E27FC236}">
+                <a16:creationId xmlns:a16="http://schemas.microsoft.com/office/drawing/2014/main" id="{F23DBA36-24C3-0C4B-A9A2-9B52F4BA2BB7}"/>
+              </a:ext>
+            </a:extLst>
+          </p:cNvPr>
+          <p:cNvSpPr>
+            <a:spLocks noGrp="1"/>
+          </p:cNvSpPr>
+          <p:nvPr>
+            <p:ph type="title"/>
+          </p:nvPr>
+        </p:nvSpPr>
+        <p:spPr/>
+        <p:txBody>
+          <a:bodyPr/>
+          <a:lstStyle/>
+          <a:p>
+            <a:r>
+              <a:rPr lang="en-US" dirty="0"/>
+              <a:t>Methods are Function! Why?</a:t>
+            </a:r>
+          </a:p>
+        </p:txBody>
+      </p:sp>
+      <p:sp>
+        <p:nvSpPr>
+          <p:cNvPr id="3" name="Content Placeholder 2">
+            <a:extLst>
+              <a:ext uri="{FF2B5EF4-FFF2-40B4-BE49-F238E27FC236}">
+                <a16:creationId xmlns:a16="http://schemas.microsoft.com/office/drawing/2014/main" id="{BE9A1BEA-80A0-AA42-BBA8-3A24937E525E}"/>
+              </a:ext>
+            </a:extLst>
+          </p:cNvPr>
+          <p:cNvSpPr>
+            <a:spLocks noGrp="1"/>
+          </p:cNvSpPr>
+          <p:nvPr>
+            <p:ph idx="1"/>
+          </p:nvPr>
+        </p:nvSpPr>
+        <p:spPr/>
+        <p:txBody>
+          <a:bodyPr/>
+          <a:lstStyle/>
+          <a:p>
+            <a:r>
+              <a:rPr lang="en-US" dirty="0"/>
+              <a:t>What is a function?</a:t>
+            </a:r>
+          </a:p>
+          <a:p>
+            <a:pPr lvl="1"/>
+            <a:r>
+              <a:rPr lang="en-US" dirty="0"/>
+              <a:t>Something which allows you to process</a:t>
+            </a:r>
+          </a:p>
+          <a:p>
+            <a:pPr lvl="1"/>
+            <a:r>
+              <a:rPr lang="en-US" dirty="0" err="1"/>
+              <a:t>func</a:t>
+            </a:r>
+            <a:r>
+              <a:rPr lang="en-US" dirty="0"/>
+              <a:t> main() </a:t>
+            </a:r>
+          </a:p>
+          <a:p>
+            <a:r>
+              <a:rPr lang="en-US" dirty="0"/>
+              <a:t>What is a method?</a:t>
+            </a:r>
+          </a:p>
+          <a:p>
+            <a:pPr lvl="1"/>
+            <a:r>
+              <a:rPr lang="en-IN" dirty="0"/>
+              <a:t>A method is a function with a special </a:t>
+            </a:r>
+            <a:r>
+              <a:rPr lang="en-IN" b="1" i="1" dirty="0"/>
+              <a:t>receiver</a:t>
+            </a:r>
+            <a:r>
+              <a:rPr lang="en-IN" dirty="0"/>
+              <a:t> argument.</a:t>
+            </a:r>
+          </a:p>
+          <a:p>
+            <a:pPr lvl="1"/>
+            <a:r>
+              <a:rPr lang="en-US" dirty="0" err="1"/>
+              <a:t>func</a:t>
+            </a:r>
+            <a:r>
+              <a:rPr lang="en-US" dirty="0"/>
+              <a:t> (v Vertex) Abs() float64</a:t>
+            </a:r>
+          </a:p>
+        </p:txBody>
+      </p:sp>
+    </p:spTree>
+    <p:extLst>
+      <p:ext uri="{BB962C8B-B14F-4D97-AF65-F5344CB8AC3E}">
+        <p14:creationId xmlns:p14="http://schemas.microsoft.com/office/powerpoint/2010/main" val="187731464"/>
+      </p:ext>
+    </p:extLst>
+  </p:cSld>
+  <p:clrMapOvr>
+    <a:masterClrMapping/>
+  </p:clrMapOvr>
+</p:sld>
+</file>
+
+<file path=ppt/slides/slide38.xml><?xml version="1.0" encoding="utf-8"?>
+<p:sld xmlns:a="http://schemas.openxmlformats.org/drawingml/2006/main" xmlns:r="http://schemas.openxmlformats.org/officeDocument/2006/relationships" xmlns:p="http://schemas.openxmlformats.org/presentationml/2006/main">
+  <p:cSld>
+    <p:spTree>
+      <p:nvGrpSpPr>
+        <p:cNvPr id="1" name=""/>
+        <p:cNvGrpSpPr/>
+        <p:nvPr/>
+      </p:nvGrpSpPr>
+      <p:grpSpPr>
+        <a:xfrm>
+          <a:off x="0" y="0"/>
+          <a:ext cx="0" cy="0"/>
+          <a:chOff x="0" y="0"/>
+          <a:chExt cx="0" cy="0"/>
+        </a:xfrm>
+      </p:grpSpPr>
+      <p:sp>
+        <p:nvSpPr>
+          <p:cNvPr id="2" name="Title 1">
+            <a:extLst>
+              <a:ext uri="{FF2B5EF4-FFF2-40B4-BE49-F238E27FC236}">
+                <a16:creationId xmlns:a16="http://schemas.microsoft.com/office/drawing/2014/main" id="{8964E056-0D44-894F-B375-B1D3E461FF10}"/>
+              </a:ext>
+            </a:extLst>
+          </p:cNvPr>
+          <p:cNvSpPr>
+            <a:spLocks noGrp="1"/>
+          </p:cNvSpPr>
+          <p:nvPr>
+            <p:ph type="title"/>
+          </p:nvPr>
+        </p:nvSpPr>
+        <p:spPr/>
+        <p:txBody>
+          <a:bodyPr>
+            <a:normAutofit/>
+          </a:bodyPr>
+          <a:lstStyle/>
+          <a:p>
+            <a:r>
+              <a:rPr lang="en-US" sz="2800" dirty="0" err="1"/>
+              <a:t>Wanna</a:t>
+            </a:r>
+            <a:r>
+              <a:rPr lang="en-US" sz="2800" dirty="0"/>
+              <a:t> create your own type and methods?</a:t>
+            </a:r>
+          </a:p>
+        </p:txBody>
+      </p:sp>
+      <p:sp>
+        <p:nvSpPr>
+          <p:cNvPr id="3" name="Content Placeholder 2">
+            <a:extLst>
+              <a:ext uri="{FF2B5EF4-FFF2-40B4-BE49-F238E27FC236}">
+                <a16:creationId xmlns:a16="http://schemas.microsoft.com/office/drawing/2014/main" id="{F598E56A-0BE8-DA47-9DE6-D0D8E6CA1F9E}"/>
+              </a:ext>
+            </a:extLst>
+          </p:cNvPr>
+          <p:cNvSpPr>
+            <a:spLocks noGrp="1"/>
+          </p:cNvSpPr>
+          <p:nvPr>
+            <p:ph idx="1"/>
+          </p:nvPr>
+        </p:nvSpPr>
+        <p:spPr/>
+        <p:txBody>
+          <a:bodyPr/>
+          <a:lstStyle/>
+          <a:p>
+            <a:r>
+              <a:rPr lang="en-IN" dirty="0"/>
+              <a:t>You can declare a method on non-struct types, too.</a:t>
+            </a:r>
+          </a:p>
+          <a:p>
+            <a:r>
+              <a:rPr lang="en-IN" dirty="0"/>
+              <a:t>You can only declare a method with a receiver whose type is defined in the same package as the method.</a:t>
+            </a:r>
+          </a:p>
+          <a:p>
+            <a:r>
+              <a:rPr lang="en-IN" dirty="0"/>
+              <a:t>You cannot declare a method with a receiver whose type is defined in another package.</a:t>
+            </a:r>
+          </a:p>
+          <a:p>
+            <a:r>
+              <a:rPr lang="en-US" dirty="0">
+                <a:hlinkClick r:id="rId2"/>
+              </a:rPr>
+              <a:t>Get Your Hands Dirty!</a:t>
+            </a:r>
+            <a:endParaRPr lang="en-US" dirty="0"/>
+          </a:p>
+        </p:txBody>
+      </p:sp>
+    </p:spTree>
+    <p:extLst>
+      <p:ext uri="{BB962C8B-B14F-4D97-AF65-F5344CB8AC3E}">
+        <p14:creationId xmlns:p14="http://schemas.microsoft.com/office/powerpoint/2010/main" val="3012547158"/>
+      </p:ext>
+    </p:extLst>
+  </p:cSld>
+  <p:clrMapOvr>
+    <a:masterClrMapping/>
+  </p:clrMapOvr>
+</p:sld>
+</file>
+
+<file path=ppt/slides/slide39.xml><?xml version="1.0" encoding="utf-8"?>
+<p:sld xmlns:a="http://schemas.openxmlformats.org/drawingml/2006/main" xmlns:r="http://schemas.openxmlformats.org/officeDocument/2006/relationships" xmlns:p="http://schemas.openxmlformats.org/presentationml/2006/main">
+  <p:cSld>
+    <p:bg>
+      <p:bgPr>
+        <a:solidFill>
+          <a:schemeClr val="bg2"/>
+        </a:solidFill>
+        <a:effectLst/>
+      </p:bgPr>
+    </p:bg>
+    <p:spTree>
+      <p:nvGrpSpPr>
+        <p:cNvPr id="1" name=""/>
+        <p:cNvGrpSpPr/>
+        <p:nvPr/>
+      </p:nvGrpSpPr>
+      <p:grpSpPr>
+        <a:xfrm>
+          <a:off x="0" y="0"/>
+          <a:ext cx="0" cy="0"/>
+          <a:chOff x="0" y="0"/>
+          <a:chExt cx="0" cy="0"/>
+        </a:xfrm>
+      </p:grpSpPr>
+      <p:sp useBgFill="1">
+        <p:nvSpPr>
+          <p:cNvPr id="9" name="Rectangle 8">
+            <a:extLst>
+              <a:ext uri="{FF2B5EF4-FFF2-40B4-BE49-F238E27FC236}">
+                <a16:creationId xmlns:a16="http://schemas.microsoft.com/office/drawing/2014/main" id="{3FAD17B9-9E6C-4DD1-9728-97B5E5FCCAB2}"/>
+              </a:ext>
+              <a:ext uri="{C183D7F6-B498-43B3-948B-1728B52AA6E4}">
+                <adec:decorative xmlns:adec="http://schemas.microsoft.com/office/drawing/2017/decorative" val="1"/>
+              </a:ext>
+            </a:extLst>
+          </p:cNvPr>
+          <p:cNvSpPr>
+            <a:spLocks noGrp="1" noRot="1" noChangeAspect="1" noMove="1" noResize="1" noEditPoints="1" noAdjustHandles="1" noChangeArrowheads="1" noChangeShapeType="1" noTextEdit="1"/>
+          </p:cNvSpPr>
+          <p:nvPr>
+            <p:extLst>
+              <p:ext uri="{386F3935-93C4-4BCD-93E2-E3B085C9AB24}">
+                <p16:designElem xmlns:p16="http://schemas.microsoft.com/office/powerpoint/2015/main" val="1"/>
+              </p:ext>
+            </p:extLst>
+          </p:nvPr>
+        </p:nvSpPr>
+        <p:spPr>
+          <a:xfrm>
+            <a:off x="1524" y="0"/>
+            <a:ext cx="12188952" cy="6858000"/>
+          </a:xfrm>
+          <a:prstGeom prst="rect">
+            <a:avLst/>
+          </a:prstGeom>
+          <a:ln>
+            <a:noFill/>
+          </a:ln>
+        </p:spPr>
+        <p:style>
+          <a:lnRef idx="2">
+            <a:schemeClr val="accent1">
+              <a:shade val="50000"/>
+            </a:schemeClr>
+          </a:lnRef>
+          <a:fillRef idx="1">
+            <a:schemeClr val="accent1"/>
+          </a:fillRef>
+          <a:effectRef idx="0">
+            <a:schemeClr val="accent1"/>
+          </a:effectRef>
+          <a:fontRef idx="minor">
+            <a:schemeClr val="lt1"/>
+          </a:fontRef>
+        </p:style>
+        <p:txBody>
+          <a:bodyPr rtlCol="0" anchor="ctr"/>
+          <a:lstStyle/>
+          <a:p>
+            <a:pPr algn="ctr"/>
+            <a:endParaRPr lang="en-US"/>
+          </a:p>
+        </p:txBody>
+      </p:sp>
+      <p:sp useBgFill="1">
+        <p:nvSpPr>
+          <p:cNvPr id="11" name="Rectangle 10">
+            <a:extLst>
+              <a:ext uri="{FF2B5EF4-FFF2-40B4-BE49-F238E27FC236}">
+                <a16:creationId xmlns:a16="http://schemas.microsoft.com/office/drawing/2014/main" id="{D7AC3F90-A588-42FF-B41D-062A8D91B9E5}"/>
+              </a:ext>
+              <a:ext uri="{C183D7F6-B498-43B3-948B-1728B52AA6E4}">
+                <adec:decorative xmlns:adec="http://schemas.microsoft.com/office/drawing/2017/decorative" val="1"/>
+              </a:ext>
+            </a:extLst>
+          </p:cNvPr>
+          <p:cNvSpPr>
+            <a:spLocks noGrp="1" noRot="1" noChangeAspect="1" noMove="1" noResize="1" noEditPoints="1" noAdjustHandles="1" noChangeArrowheads="1" noChangeShapeType="1" noTextEdit="1"/>
+          </p:cNvSpPr>
+          <p:nvPr>
+            <p:extLst>
+              <p:ext uri="{386F3935-93C4-4BCD-93E2-E3B085C9AB24}">
+                <p16:designElem xmlns:p16="http://schemas.microsoft.com/office/powerpoint/2015/main" val="1"/>
+              </p:ext>
+            </p:extLst>
+          </p:nvPr>
+        </p:nvSpPr>
+        <p:spPr>
+          <a:xfrm>
+            <a:off x="0" y="0"/>
+            <a:ext cx="12189867" cy="6855282"/>
+          </a:xfrm>
+          <a:prstGeom prst="rect">
+            <a:avLst/>
+          </a:prstGeom>
+          <a:ln>
+            <a:noFill/>
+          </a:ln>
+        </p:spPr>
+        <p:style>
+          <a:lnRef idx="2">
+            <a:schemeClr val="accent1">
+              <a:shade val="50000"/>
+            </a:schemeClr>
+          </a:lnRef>
+          <a:fillRef idx="1">
+            <a:schemeClr val="accent1"/>
+          </a:fillRef>
+          <a:effectRef idx="0">
+            <a:schemeClr val="accent1"/>
+          </a:effectRef>
+          <a:fontRef idx="minor">
+            <a:schemeClr val="lt1"/>
+          </a:fontRef>
+        </p:style>
+        <p:txBody>
+          <a:bodyPr rtlCol="0" anchor="ctr"/>
+          <a:lstStyle/>
+          <a:p>
+            <a:pPr algn="ctr"/>
+            <a:endParaRPr lang="en-US"/>
+          </a:p>
+        </p:txBody>
+      </p:sp>
+      <p:pic>
+        <p:nvPicPr>
+          <p:cNvPr id="13" name="Picture 12">
+            <a:extLst>
+              <a:ext uri="{FF2B5EF4-FFF2-40B4-BE49-F238E27FC236}">
+                <a16:creationId xmlns:a16="http://schemas.microsoft.com/office/drawing/2014/main" id="{015AB904-4FB7-4A0D-B43E-03ACF05E1445}"/>
+              </a:ext>
+              <a:ext uri="{C183D7F6-B498-43B3-948B-1728B52AA6E4}">
+                <adec:decorative xmlns:adec="http://schemas.microsoft.com/office/drawing/2017/decorative" val="1"/>
+              </a:ext>
+            </a:extLst>
+          </p:cNvPr>
+          <p:cNvPicPr>
+            <a:picLocks noGrp="1" noRot="1" noChangeAspect="1" noMove="1" noResize="1" noEditPoints="1" noAdjustHandles="1" noChangeArrowheads="1" noChangeShapeType="1" noCrop="1"/>
+          </p:cNvPicPr>
+          <p:nvPr>
+            <p:extLst>
+              <p:ext uri="{386F3935-93C4-4BCD-93E2-E3B085C9AB24}">
+                <p16:designElem xmlns:p16="http://schemas.microsoft.com/office/powerpoint/2015/main" val="1"/>
+              </p:ext>
+            </p:extLst>
+          </p:nvPr>
+        </p:nvPicPr>
+        <p:blipFill>
+          <a:blip r:embed="rId2">
+            <a:alphaModFix/>
+            <a:extLst>
+              <a:ext uri="{28A0092B-C50C-407E-A947-70E740481C1C}">
+                <a14:useLocalDpi xmlns:a14="http://schemas.microsoft.com/office/drawing/2010/main" val="0"/>
+              </a:ext>
+            </a:extLst>
+          </a:blip>
+          <a:stretch>
+            <a:fillRect/>
+          </a:stretch>
+        </p:blipFill>
+        <p:spPr>
+          <a:xfrm>
+            <a:off x="1067" y="0"/>
+            <a:ext cx="12189867" cy="6858000"/>
+          </a:xfrm>
+          <a:prstGeom prst="rect">
+            <a:avLst/>
+          </a:prstGeom>
+        </p:spPr>
+      </p:pic>
+      <p:sp>
+        <p:nvSpPr>
+          <p:cNvPr id="2" name="Title 1">
+            <a:extLst>
+              <a:ext uri="{FF2B5EF4-FFF2-40B4-BE49-F238E27FC236}">
+                <a16:creationId xmlns:a16="http://schemas.microsoft.com/office/drawing/2014/main" id="{977E2A2F-8D02-2846-9F86-4594B47A9FFE}"/>
+              </a:ext>
+            </a:extLst>
+          </p:cNvPr>
+          <p:cNvSpPr>
+            <a:spLocks noGrp="1"/>
+          </p:cNvSpPr>
+          <p:nvPr>
+            <p:ph type="title"/>
+          </p:nvPr>
+        </p:nvSpPr>
+        <p:spPr>
+          <a:xfrm>
+            <a:off x="2611808" y="808056"/>
+            <a:ext cx="7958331" cy="1077229"/>
+          </a:xfrm>
+        </p:spPr>
+        <p:txBody>
+          <a:bodyPr>
+            <a:normAutofit/>
+          </a:bodyPr>
+          <a:lstStyle/>
+          <a:p>
+            <a:pPr algn="l"/>
+            <a:r>
+              <a:rPr lang="en-US" dirty="0"/>
+              <a:t>Types of methods and functions</a:t>
+            </a:r>
+            <a:endParaRPr lang="en-US"/>
+          </a:p>
+        </p:txBody>
+      </p:sp>
+      <p:sp>
+        <p:nvSpPr>
+          <p:cNvPr id="15" name="Rectangle 14">
+            <a:extLst>
+              <a:ext uri="{FF2B5EF4-FFF2-40B4-BE49-F238E27FC236}">
+                <a16:creationId xmlns:a16="http://schemas.microsoft.com/office/drawing/2014/main" id="{E1AADF25-43E9-4DE0-AD82-4F6052319136}"/>
+              </a:ext>
+              <a:ext uri="{C183D7F6-B498-43B3-948B-1728B52AA6E4}">
+                <adec:decorative xmlns:adec="http://schemas.microsoft.com/office/drawing/2017/decorative" val="1"/>
+              </a:ext>
+            </a:extLst>
+          </p:cNvPr>
+          <p:cNvSpPr>
+            <a:spLocks noGrp="1" noRot="1" noChangeAspect="1" noMove="1" noResize="1" noEditPoints="1" noAdjustHandles="1" noChangeArrowheads="1" noChangeShapeType="1" noTextEdit="1"/>
+          </p:cNvSpPr>
+          <p:nvPr>
+            <p:extLst>
+              <p:ext uri="{386F3935-93C4-4BCD-93E2-E3B085C9AB24}">
+                <p16:designElem xmlns:p16="http://schemas.microsoft.com/office/powerpoint/2015/main" val="1"/>
+              </p:ext>
+            </p:extLst>
+          </p:nvPr>
+        </p:nvSpPr>
+        <p:spPr>
+          <a:xfrm>
+            <a:off x="0" y="0"/>
+            <a:ext cx="964174" cy="6858000"/>
+          </a:xfrm>
+          <a:prstGeom prst="rect">
+            <a:avLst/>
+          </a:prstGeom>
+          <a:solidFill>
+            <a:schemeClr val="bg2"/>
+          </a:solidFill>
+          <a:ln>
+            <a:noFill/>
+          </a:ln>
+        </p:spPr>
+        <p:style>
+          <a:lnRef idx="2">
+            <a:schemeClr val="accent1">
+              <a:shade val="50000"/>
+            </a:schemeClr>
+          </a:lnRef>
+          <a:fillRef idx="1">
+            <a:schemeClr val="accent1"/>
+          </a:fillRef>
+          <a:effectRef idx="0">
+            <a:schemeClr val="accent1"/>
+          </a:effectRef>
+          <a:fontRef idx="minor">
+            <a:schemeClr val="lt1"/>
+          </a:fontRef>
+        </p:style>
+        <p:txBody>
+          <a:bodyPr rtlCol="0" anchor="ctr"/>
+          <a:lstStyle/>
+          <a:p>
+            <a:pPr algn="ctr"/>
+            <a:endParaRPr lang="en-US"/>
+          </a:p>
+        </p:txBody>
+      </p:sp>
+      <p:sp>
+        <p:nvSpPr>
+          <p:cNvPr id="17" name="Rectangle 16">
+            <a:extLst>
+              <a:ext uri="{FF2B5EF4-FFF2-40B4-BE49-F238E27FC236}">
+                <a16:creationId xmlns:a16="http://schemas.microsoft.com/office/drawing/2014/main" id="{CBC2D515-EF3C-4E4E-8BC1-192B21E92713}"/>
+              </a:ext>
+              <a:ext uri="{C183D7F6-B498-43B3-948B-1728B52AA6E4}">
+                <adec:decorative xmlns:adec="http://schemas.microsoft.com/office/drawing/2017/decorative" val="1"/>
+              </a:ext>
+            </a:extLst>
+          </p:cNvPr>
+          <p:cNvSpPr>
+            <a:spLocks noGrp="1" noRot="1" noChangeAspect="1" noMove="1" noResize="1" noEditPoints="1" noAdjustHandles="1" noChangeArrowheads="1" noChangeShapeType="1" noTextEdit="1"/>
+          </p:cNvSpPr>
+          <p:nvPr>
+            <p:extLst>
+              <p:ext uri="{386F3935-93C4-4BCD-93E2-E3B085C9AB24}">
+                <p16:designElem xmlns:p16="http://schemas.microsoft.com/office/powerpoint/2015/main" val="1"/>
+              </p:ext>
+            </p:extLst>
+          </p:nvPr>
+        </p:nvSpPr>
+        <p:spPr>
+          <a:xfrm>
+            <a:off x="962042" y="0"/>
+            <a:ext cx="45719" cy="6858000"/>
+          </a:xfrm>
+          <a:prstGeom prst="rect">
+            <a:avLst/>
+          </a:prstGeom>
+          <a:solidFill>
+            <a:schemeClr val="accent6"/>
+          </a:solidFill>
+          <a:ln>
+            <a:noFill/>
+          </a:ln>
+        </p:spPr>
+        <p:style>
+          <a:lnRef idx="2">
+            <a:schemeClr val="accent1">
+              <a:shade val="50000"/>
+            </a:schemeClr>
+          </a:lnRef>
+          <a:fillRef idx="1">
+            <a:schemeClr val="accent1"/>
+          </a:fillRef>
+          <a:effectRef idx="0">
+            <a:schemeClr val="accent1"/>
+          </a:effectRef>
+          <a:fontRef idx="minor">
+            <a:schemeClr val="lt1"/>
+          </a:fontRef>
+        </p:style>
+        <p:txBody>
+          <a:bodyPr rtlCol="0" anchor="ctr"/>
+          <a:lstStyle/>
+          <a:p>
+            <a:pPr algn="ctr"/>
+            <a:endParaRPr lang="en-US"/>
+          </a:p>
+        </p:txBody>
+      </p:sp>
+      <p:graphicFrame>
+        <p:nvGraphicFramePr>
+          <p:cNvPr id="4" name="Content Placeholder 3">
+            <a:hlinkClick r:id="rId3" tooltip="Try Methods/Function types"/>
+            <a:extLst>
+              <a:ext uri="{FF2B5EF4-FFF2-40B4-BE49-F238E27FC236}">
+                <a16:creationId xmlns:a16="http://schemas.microsoft.com/office/drawing/2014/main" id="{733C8D67-A984-0B4A-B8D2-86DC4B119B06}"/>
+              </a:ext>
+            </a:extLst>
+          </p:cNvPr>
+          <p:cNvGraphicFramePr>
+            <a:graphicFrameLocks noGrp="1"/>
+          </p:cNvGraphicFramePr>
+          <p:nvPr>
+            <p:ph idx="1"/>
+            <p:extLst>
+              <p:ext uri="{D42A27DB-BD31-4B8C-83A1-F6EECF244321}">
+                <p14:modId xmlns:p14="http://schemas.microsoft.com/office/powerpoint/2010/main" val="1001372131"/>
+              </p:ext>
+            </p:extLst>
+          </p:nvPr>
+        </p:nvGraphicFramePr>
+        <p:xfrm>
+          <a:off x="2610579" y="2052116"/>
+          <a:ext cx="7959560" cy="3997828"/>
+        </p:xfrm>
+        <a:graphic>
+          <a:graphicData uri="http://schemas.openxmlformats.org/drawingml/2006/diagram">
+            <dgm:relIds xmlns:dgm="http://schemas.openxmlformats.org/drawingml/2006/diagram" xmlns:r="http://schemas.openxmlformats.org/officeDocument/2006/relationships" r:dm="rId4" r:lo="rId5" r:qs="rId6" r:cs="rId7"/>
+          </a:graphicData>
+        </a:graphic>
+      </p:graphicFrame>
+    </p:spTree>
+    <p:extLst>
+      <p:ext uri="{BB962C8B-B14F-4D97-AF65-F5344CB8AC3E}">
+        <p14:creationId xmlns:p14="http://schemas.microsoft.com/office/powerpoint/2010/main" val="561350302"/>
+      </p:ext>
+    </p:extLst>
+  </p:cSld>
+  <p:clrMapOvr>
+    <a:masterClrMapping/>
+  </p:clrMapOvr>
+</p:sld>
+</file>
+
+<file path=ppt/slides/slide4.xml><?xml version="1.0" encoding="utf-8"?>
+<p:sld xmlns:a="http://schemas.openxmlformats.org/drawingml/2006/main" xmlns:r="http://schemas.openxmlformats.org/officeDocument/2006/relationships" xmlns:p="http://schemas.openxmlformats.org/presentationml/2006/main">
+  <p:cSld>
+    <p:spTree>
+      <p:nvGrpSpPr>
+        <p:cNvPr id="1" name=""/>
+        <p:cNvGrpSpPr/>
+        <p:nvPr/>
+      </p:nvGrpSpPr>
+      <p:grpSpPr>
+        <a:xfrm>
+          <a:off x="0" y="0"/>
+          <a:ext cx="0" cy="0"/>
+          <a:chOff x="0" y="0"/>
+          <a:chExt cx="0" cy="0"/>
+        </a:xfrm>
+      </p:grpSpPr>
+      <p:sp>
+        <p:nvSpPr>
+          <p:cNvPr id="2" name="Title 1">
+            <a:extLst>
+              <a:ext uri="{FF2B5EF4-FFF2-40B4-BE49-F238E27FC236}">
+                <a16:creationId xmlns:a16="http://schemas.microsoft.com/office/drawing/2014/main" id="{119FF6B6-83AF-D74A-BA0D-EEAC15D13212}"/>
+              </a:ext>
+            </a:extLst>
+          </p:cNvPr>
+          <p:cNvSpPr>
+            <a:spLocks noGrp="1"/>
+          </p:cNvSpPr>
+          <p:nvPr>
+            <p:ph type="title"/>
+          </p:nvPr>
+        </p:nvSpPr>
+        <p:spPr/>
+        <p:txBody>
+          <a:bodyPr/>
+          <a:lstStyle/>
+          <a:p>
+            <a:r>
+              <a:rPr lang="en-US" dirty="0"/>
+              <a:t>Slices</a:t>
+            </a:r>
+          </a:p>
+        </p:txBody>
+      </p:sp>
+      <p:sp>
+        <p:nvSpPr>
+          <p:cNvPr id="3" name="Content Placeholder 2">
+            <a:extLst>
+              <a:ext uri="{FF2B5EF4-FFF2-40B4-BE49-F238E27FC236}">
+                <a16:creationId xmlns:a16="http://schemas.microsoft.com/office/drawing/2014/main" id="{9C37ADD3-A244-1346-AF4B-70312C1FA43C}"/>
+              </a:ext>
+            </a:extLst>
+          </p:cNvPr>
+          <p:cNvSpPr>
+            <a:spLocks noGrp="1"/>
+          </p:cNvSpPr>
+          <p:nvPr>
+            <p:ph idx="1"/>
+          </p:nvPr>
+        </p:nvSpPr>
+        <p:spPr/>
+        <p:txBody>
+          <a:bodyPr/>
+          <a:lstStyle/>
+          <a:p>
+            <a:r>
+              <a:rPr lang="en-IN" dirty="0"/>
+              <a:t>The zero value of a slice is nil.</a:t>
+            </a:r>
+          </a:p>
+          <a:p>
+            <a:r>
+              <a:rPr lang="en-IN" dirty="0"/>
+              <a:t>The </a:t>
+            </a:r>
+            <a:r>
+              <a:rPr lang="en-IN" dirty="0" err="1"/>
+              <a:t>len</a:t>
+            </a:r>
+            <a:r>
+              <a:rPr lang="en-IN" dirty="0"/>
+              <a:t> and cap functions will both return 0 for a nil slice.</a:t>
+            </a:r>
+          </a:p>
+          <a:p>
+            <a:r>
+              <a:rPr lang="en-IN" dirty="0"/>
+              <a:t>A slice can also be formed by “slicing” an existing slice or array.</a:t>
+            </a:r>
+          </a:p>
+          <a:p>
+            <a:endParaRPr lang="en-IN" dirty="0"/>
+          </a:p>
+          <a:p>
+            <a:r>
+              <a:rPr lang="en-IN" dirty="0"/>
+              <a:t>Same can be done on array as well to create the slice</a:t>
+            </a:r>
+          </a:p>
+          <a:p>
+            <a:endParaRPr lang="en-US" dirty="0"/>
+          </a:p>
+        </p:txBody>
+      </p:sp>
+      <p:pic>
+        <p:nvPicPr>
+          <p:cNvPr id="5" name="Picture 4">
+            <a:extLst>
+              <a:ext uri="{FF2B5EF4-FFF2-40B4-BE49-F238E27FC236}">
+                <a16:creationId xmlns:a16="http://schemas.microsoft.com/office/drawing/2014/main" id="{3CF9EB9D-313F-7049-B981-CE25ED590227}"/>
+              </a:ext>
+            </a:extLst>
+          </p:cNvPr>
+          <p:cNvPicPr>
+            <a:picLocks noChangeAspect="1"/>
+          </p:cNvPicPr>
+          <p:nvPr/>
+        </p:nvPicPr>
+        <p:blipFill>
+          <a:blip r:embed="rId2"/>
+          <a:stretch>
+            <a:fillRect/>
+          </a:stretch>
+        </p:blipFill>
+        <p:spPr>
+          <a:xfrm>
+            <a:off x="3161973" y="4051030"/>
+            <a:ext cx="6858000" cy="609600"/>
+          </a:xfrm>
+          <a:prstGeom prst="rect">
+            <a:avLst/>
+          </a:prstGeom>
+        </p:spPr>
+      </p:pic>
+    </p:spTree>
+    <p:extLst>
+      <p:ext uri="{BB962C8B-B14F-4D97-AF65-F5344CB8AC3E}">
+        <p14:creationId xmlns:p14="http://schemas.microsoft.com/office/powerpoint/2010/main" val="2687734498"/>
+      </p:ext>
+    </p:extLst>
+  </p:cSld>
+  <p:clrMapOvr>
+    <a:masterClrMapping/>
+  </p:clrMapOvr>
+</p:sld>
+</file>
+
+<file path=ppt/slides/slide40.xml><?xml version="1.0" encoding="utf-8"?>
+<p:sld xmlns:a="http://schemas.openxmlformats.org/drawingml/2006/main" xmlns:r="http://schemas.openxmlformats.org/officeDocument/2006/relationships" xmlns:p="http://schemas.openxmlformats.org/presentationml/2006/main">
+  <p:cSld>
+    <p:spTree>
+      <p:nvGrpSpPr>
+        <p:cNvPr id="1" name=""/>
+        <p:cNvGrpSpPr/>
+        <p:nvPr/>
+      </p:nvGrpSpPr>
+      <p:grpSpPr>
+        <a:xfrm>
+          <a:off x="0" y="0"/>
+          <a:ext cx="0" cy="0"/>
+          <a:chOff x="0" y="0"/>
+          <a:chExt cx="0" cy="0"/>
+        </a:xfrm>
+      </p:grpSpPr>
+      <p:sp>
+        <p:nvSpPr>
+          <p:cNvPr id="2" name="Title 1">
+            <a:extLst>
+              <a:ext uri="{FF2B5EF4-FFF2-40B4-BE49-F238E27FC236}">
+                <a16:creationId xmlns:a16="http://schemas.microsoft.com/office/drawing/2014/main" id="{D4F364AA-6C91-4747-B41B-4C5F1CD63AE8}"/>
+              </a:ext>
+            </a:extLst>
+          </p:cNvPr>
+          <p:cNvSpPr>
+            <a:spLocks noGrp="1"/>
+          </p:cNvSpPr>
+          <p:nvPr>
+            <p:ph type="title"/>
+          </p:nvPr>
+        </p:nvSpPr>
+        <p:spPr/>
+        <p:txBody>
+          <a:bodyPr/>
+          <a:lstStyle/>
+          <a:p>
+            <a:r>
+              <a:rPr lang="en-US" dirty="0"/>
+              <a:t>Why two name for similar things?</a:t>
+            </a:r>
+          </a:p>
+        </p:txBody>
+      </p:sp>
+      <p:sp>
+        <p:nvSpPr>
+          <p:cNvPr id="3" name="Content Placeholder 2">
+            <a:extLst>
+              <a:ext uri="{FF2B5EF4-FFF2-40B4-BE49-F238E27FC236}">
+                <a16:creationId xmlns:a16="http://schemas.microsoft.com/office/drawing/2014/main" id="{36921B65-82EF-EB46-9637-28908C21D3C5}"/>
+              </a:ext>
+            </a:extLst>
+          </p:cNvPr>
+          <p:cNvSpPr>
+            <a:spLocks noGrp="1"/>
+          </p:cNvSpPr>
+          <p:nvPr>
+            <p:ph idx="1"/>
+          </p:nvPr>
+        </p:nvSpPr>
+        <p:spPr/>
+        <p:txBody>
+          <a:bodyPr/>
+          <a:lstStyle/>
+          <a:p>
+            <a:r>
+              <a:rPr lang="en-US" dirty="0"/>
+              <a:t>Apart from methods having receiver type, there is a difference:-</a:t>
+            </a:r>
+          </a:p>
+          <a:p>
+            <a:pPr lvl="1"/>
+            <a:r>
+              <a:rPr lang="en-IN" dirty="0"/>
+              <a:t>Functions with a pointer argument must take a pointer.</a:t>
+            </a:r>
+          </a:p>
+          <a:p>
+            <a:pPr lvl="1"/>
+            <a:r>
+              <a:rPr lang="en-IN" dirty="0"/>
+              <a:t>Methods with pointer receivers take either a value or a pointer as the receiver when they are called.</a:t>
+            </a:r>
+            <a:endParaRPr lang="en-US" dirty="0"/>
+          </a:p>
+          <a:p>
+            <a:r>
+              <a:rPr lang="en-IN" dirty="0">
+                <a:hlinkClick r:id="rId2"/>
+              </a:rPr>
+              <a:t>See for yourself!</a:t>
+            </a:r>
+            <a:endParaRPr lang="en-IN" dirty="0"/>
+          </a:p>
+        </p:txBody>
+      </p:sp>
+    </p:spTree>
+    <p:extLst>
+      <p:ext uri="{BB962C8B-B14F-4D97-AF65-F5344CB8AC3E}">
+        <p14:creationId xmlns:p14="http://schemas.microsoft.com/office/powerpoint/2010/main" val="1744723963"/>
+      </p:ext>
+    </p:extLst>
+  </p:cSld>
+  <p:clrMapOvr>
+    <a:masterClrMapping/>
+  </p:clrMapOvr>
+</p:sld>
+</file>
+
+<file path=ppt/slides/slide41.xml><?xml version="1.0" encoding="utf-8"?>
+<p:sld xmlns:a="http://schemas.openxmlformats.org/drawingml/2006/main" xmlns:r="http://schemas.openxmlformats.org/officeDocument/2006/relationships" xmlns:p="http://schemas.openxmlformats.org/presentationml/2006/main">
+  <p:cSld>
+    <p:bg>
+      <p:bgPr>
+        <a:solidFill>
+          <a:schemeClr val="bg2"/>
+        </a:solidFill>
+        <a:effectLst/>
+      </p:bgPr>
+    </p:bg>
+    <p:spTree>
+      <p:nvGrpSpPr>
+        <p:cNvPr id="1" name=""/>
+        <p:cNvGrpSpPr/>
+        <p:nvPr/>
+      </p:nvGrpSpPr>
+      <p:grpSpPr>
+        <a:xfrm>
+          <a:off x="0" y="0"/>
+          <a:ext cx="0" cy="0"/>
+          <a:chOff x="0" y="0"/>
+          <a:chExt cx="0" cy="0"/>
+        </a:xfrm>
+      </p:grpSpPr>
+      <p:sp useBgFill="1">
+        <p:nvSpPr>
+          <p:cNvPr id="8" name="Rectangle 7">
+            <a:extLst>
+              <a:ext uri="{FF2B5EF4-FFF2-40B4-BE49-F238E27FC236}">
+                <a16:creationId xmlns:a16="http://schemas.microsoft.com/office/drawing/2014/main" id="{92806DFD-E192-42CC-B190-3C4C95B8FF4E}"/>
+              </a:ext>
+              <a:ext uri="{C183D7F6-B498-43B3-948B-1728B52AA6E4}">
+                <adec:decorative xmlns:adec="http://schemas.microsoft.com/office/drawing/2017/decorative" val="1"/>
+              </a:ext>
+            </a:extLst>
+          </p:cNvPr>
+          <p:cNvSpPr>
+            <a:spLocks noGrp="1" noRot="1" noChangeAspect="1" noMove="1" noResize="1" noEditPoints="1" noAdjustHandles="1" noChangeArrowheads="1" noChangeShapeType="1" noTextEdit="1"/>
+          </p:cNvSpPr>
+          <p:nvPr>
+            <p:extLst>
+              <p:ext uri="{386F3935-93C4-4BCD-93E2-E3B085C9AB24}">
+                <p16:designElem xmlns:p16="http://schemas.microsoft.com/office/powerpoint/2015/main" val="1"/>
+              </p:ext>
+            </p:extLst>
+          </p:nvPr>
+        </p:nvSpPr>
+        <p:spPr>
+          <a:xfrm>
+            <a:off x="2133" y="-1"/>
+            <a:ext cx="12189867" cy="6858001"/>
+          </a:xfrm>
+          <a:prstGeom prst="rect">
+            <a:avLst/>
+          </a:prstGeom>
+          <a:ln>
+            <a:noFill/>
+          </a:ln>
+        </p:spPr>
+        <p:style>
+          <a:lnRef idx="2">
+            <a:schemeClr val="accent1">
+              <a:shade val="50000"/>
+            </a:schemeClr>
+          </a:lnRef>
+          <a:fillRef idx="1">
+            <a:schemeClr val="accent1"/>
+          </a:fillRef>
+          <a:effectRef idx="0">
+            <a:schemeClr val="accent1"/>
+          </a:effectRef>
+          <a:fontRef idx="minor">
+            <a:schemeClr val="lt1"/>
+          </a:fontRef>
+        </p:style>
+        <p:txBody>
+          <a:bodyPr rtlCol="0" anchor="ctr"/>
+          <a:lstStyle/>
+          <a:p>
+            <a:pPr algn="ctr"/>
+            <a:endParaRPr lang="en-US"/>
+          </a:p>
+        </p:txBody>
+      </p:sp>
+      <p:pic>
+        <p:nvPicPr>
+          <p:cNvPr id="10" name="Picture 9">
+            <a:extLst>
+              <a:ext uri="{FF2B5EF4-FFF2-40B4-BE49-F238E27FC236}">
+                <a16:creationId xmlns:a16="http://schemas.microsoft.com/office/drawing/2014/main" id="{0214283E-D7B4-49E9-932E-D7F2A2847F1F}"/>
+              </a:ext>
+              <a:ext uri="{C183D7F6-B498-43B3-948B-1728B52AA6E4}">
+                <adec:decorative xmlns:adec="http://schemas.microsoft.com/office/drawing/2017/decorative" val="1"/>
+              </a:ext>
+            </a:extLst>
+          </p:cNvPr>
+          <p:cNvPicPr>
+            <a:picLocks noGrp="1" noRot="1" noChangeAspect="1" noMove="1" noResize="1" noEditPoints="1" noAdjustHandles="1" noChangeArrowheads="1" noChangeShapeType="1" noCrop="1"/>
+          </p:cNvPicPr>
+          <p:nvPr>
+            <p:extLst>
+              <p:ext uri="{386F3935-93C4-4BCD-93E2-E3B085C9AB24}">
+                <p16:designElem xmlns:p16="http://schemas.microsoft.com/office/powerpoint/2015/main" val="1"/>
+              </p:ext>
+            </p:extLst>
+          </p:nvPr>
+        </p:nvPicPr>
+        <p:blipFill>
+          <a:blip r:embed="rId2">
+            <a:extLst>
+              <a:ext uri="{28A0092B-C50C-407E-A947-70E740481C1C}">
+                <a14:useLocalDpi xmlns:a14="http://schemas.microsoft.com/office/drawing/2010/main" val="0"/>
+              </a:ext>
+            </a:extLst>
+          </a:blip>
+          <a:stretch>
+            <a:fillRect/>
+          </a:stretch>
+        </p:blipFill>
+        <p:spPr>
+          <a:xfrm>
+            <a:off x="0" y="0"/>
+            <a:ext cx="12189867" cy="6858000"/>
+          </a:xfrm>
+          <a:prstGeom prst="rect">
+            <a:avLst/>
+          </a:prstGeom>
+        </p:spPr>
+      </p:pic>
+      <p:sp>
+        <p:nvSpPr>
+          <p:cNvPr id="12" name="Rectangle 11">
+            <a:extLst>
+              <a:ext uri="{FF2B5EF4-FFF2-40B4-BE49-F238E27FC236}">
+                <a16:creationId xmlns:a16="http://schemas.microsoft.com/office/drawing/2014/main" id="{BB17FFD2-DBC7-4ABB-B2A0-7E18EC1B8074}"/>
+              </a:ext>
+              <a:ext uri="{C183D7F6-B498-43B3-948B-1728B52AA6E4}">
+                <adec:decorative xmlns:adec="http://schemas.microsoft.com/office/drawing/2017/decorative" val="1"/>
+              </a:ext>
+            </a:extLst>
+          </p:cNvPr>
+          <p:cNvSpPr>
+            <a:spLocks noGrp="1" noRot="1" noChangeAspect="1" noMove="1" noResize="1" noEditPoints="1" noAdjustHandles="1" noChangeArrowheads="1" noChangeShapeType="1" noTextEdit="1"/>
+          </p:cNvSpPr>
+          <p:nvPr>
+            <p:extLst>
+              <p:ext uri="{386F3935-93C4-4BCD-93E2-E3B085C9AB24}">
+                <p16:designElem xmlns:p16="http://schemas.microsoft.com/office/powerpoint/2015/main" val="1"/>
+              </p:ext>
+            </p:extLst>
+          </p:nvPr>
+        </p:nvSpPr>
+        <p:spPr>
+          <a:xfrm>
+            <a:off x="0" y="0"/>
+            <a:ext cx="964174" cy="6858000"/>
+          </a:xfrm>
+          <a:prstGeom prst="rect">
+            <a:avLst/>
+          </a:prstGeom>
+          <a:solidFill>
+            <a:schemeClr val="bg1">
+              <a:lumMod val="85000"/>
+              <a:lumOff val="15000"/>
+            </a:schemeClr>
+          </a:solidFill>
+          <a:ln>
+            <a:noFill/>
+          </a:ln>
+        </p:spPr>
+        <p:style>
+          <a:lnRef idx="2">
+            <a:schemeClr val="accent1">
+              <a:shade val="50000"/>
+            </a:schemeClr>
+          </a:lnRef>
+          <a:fillRef idx="1">
+            <a:schemeClr val="accent1"/>
+          </a:fillRef>
+          <a:effectRef idx="0">
+            <a:schemeClr val="accent1"/>
+          </a:effectRef>
+          <a:fontRef idx="minor">
+            <a:schemeClr val="lt1"/>
+          </a:fontRef>
+        </p:style>
+      </p:sp>
+      <p:sp>
+        <p:nvSpPr>
+          <p:cNvPr id="14" name="Rectangle 13">
+            <a:extLst>
+              <a:ext uri="{FF2B5EF4-FFF2-40B4-BE49-F238E27FC236}">
+                <a16:creationId xmlns:a16="http://schemas.microsoft.com/office/drawing/2014/main" id="{25DA2D5B-EC4E-4C78-8139-F36D2F2D15A1}"/>
+              </a:ext>
+              <a:ext uri="{C183D7F6-B498-43B3-948B-1728B52AA6E4}">
+                <adec:decorative xmlns:adec="http://schemas.microsoft.com/office/drawing/2017/decorative" val="1"/>
+              </a:ext>
+            </a:extLst>
+          </p:cNvPr>
+          <p:cNvSpPr>
+            <a:spLocks noGrp="1" noRot="1" noChangeAspect="1" noMove="1" noResize="1" noEditPoints="1" noAdjustHandles="1" noChangeArrowheads="1" noChangeShapeType="1" noTextEdit="1"/>
+          </p:cNvSpPr>
+          <p:nvPr>
+            <p:extLst>
+              <p:ext uri="{386F3935-93C4-4BCD-93E2-E3B085C9AB24}">
+                <p16:designElem xmlns:p16="http://schemas.microsoft.com/office/powerpoint/2015/main" val="1"/>
+              </p:ext>
+            </p:extLst>
+          </p:nvPr>
+        </p:nvSpPr>
+        <p:spPr>
+          <a:xfrm>
+            <a:off x="945262" y="-2"/>
+            <a:ext cx="45719" cy="6858000"/>
+          </a:xfrm>
+          <a:prstGeom prst="rect">
+            <a:avLst/>
+          </a:prstGeom>
+          <a:solidFill>
+            <a:schemeClr val="accent6"/>
+          </a:solidFill>
+          <a:ln>
+            <a:noFill/>
+          </a:ln>
+        </p:spPr>
+        <p:style>
+          <a:lnRef idx="2">
+            <a:schemeClr val="accent1">
+              <a:shade val="50000"/>
+            </a:schemeClr>
+          </a:lnRef>
+          <a:fillRef idx="1">
+            <a:schemeClr val="accent1"/>
+          </a:fillRef>
+          <a:effectRef idx="0">
+            <a:schemeClr val="accent1"/>
+          </a:effectRef>
+          <a:fontRef idx="minor">
+            <a:schemeClr val="lt1"/>
+          </a:fontRef>
+        </p:style>
+      </p:sp>
+      <p:sp>
+        <p:nvSpPr>
+          <p:cNvPr id="16" name="Oval 15">
+            <a:extLst>
+              <a:ext uri="{FF2B5EF4-FFF2-40B4-BE49-F238E27FC236}">
+                <a16:creationId xmlns:a16="http://schemas.microsoft.com/office/drawing/2014/main" id="{D4AAACE2-9C9E-468F-8297-EF7B5E55FF37}"/>
+              </a:ext>
+              <a:ext uri="{C183D7F6-B498-43B3-948B-1728B52AA6E4}">
+                <adec:decorative xmlns:adec="http://schemas.microsoft.com/office/drawing/2017/decorative" val="1"/>
+              </a:ext>
+            </a:extLst>
+          </p:cNvPr>
+          <p:cNvSpPr>
+            <a:spLocks noGrp="1" noRot="1" noChangeAspect="1" noMove="1" noResize="1" noEditPoints="1" noAdjustHandles="1" noChangeArrowheads="1" noChangeShapeType="1" noTextEdit="1"/>
+          </p:cNvSpPr>
+          <p:nvPr>
+            <p:extLst>
+              <p:ext uri="{386F3935-93C4-4BCD-93E2-E3B085C9AB24}">
+                <p16:designElem xmlns:p16="http://schemas.microsoft.com/office/powerpoint/2015/main" val="1"/>
+              </p:ext>
+            </p:extLst>
+          </p:nvPr>
+        </p:nvSpPr>
+        <p:spPr>
+          <a:xfrm>
+            <a:off x="1547567" y="421698"/>
+            <a:ext cx="967148" cy="967148"/>
+          </a:xfrm>
+          <a:prstGeom prst="ellipse">
+            <a:avLst/>
+          </a:prstGeom>
+          <a:gradFill>
+            <a:gsLst>
+              <a:gs pos="0">
+                <a:schemeClr val="bg2">
+                  <a:alpha val="0"/>
+                </a:schemeClr>
+              </a:gs>
+              <a:gs pos="100000">
+                <a:schemeClr val="accent1">
+                  <a:alpha val="21000"/>
+                </a:schemeClr>
+              </a:gs>
+            </a:gsLst>
+            <a:lin ang="10800000" scaled="1"/>
+          </a:gradFill>
+          <a:ln>
+            <a:noFill/>
+          </a:ln>
+        </p:spPr>
+        <p:style>
+          <a:lnRef idx="2">
+            <a:schemeClr val="accent1">
+              <a:shade val="50000"/>
+            </a:schemeClr>
+          </a:lnRef>
+          <a:fillRef idx="1">
+            <a:schemeClr val="accent1"/>
+          </a:fillRef>
+          <a:effectRef idx="0">
+            <a:schemeClr val="accent1"/>
+          </a:effectRef>
+          <a:fontRef idx="minor">
+            <a:schemeClr val="lt1"/>
+          </a:fontRef>
+        </p:style>
+        <p:txBody>
+          <a:bodyPr rtlCol="0" anchor="ctr"/>
+          <a:lstStyle/>
+          <a:p>
+            <a:pPr algn="ctr"/>
+            <a:endParaRPr lang="en-US"/>
+          </a:p>
+        </p:txBody>
+      </p:sp>
+      <p:sp>
+        <p:nvSpPr>
+          <p:cNvPr id="2" name="Title 1">
+            <a:extLst>
+              <a:ext uri="{FF2B5EF4-FFF2-40B4-BE49-F238E27FC236}">
+                <a16:creationId xmlns:a16="http://schemas.microsoft.com/office/drawing/2014/main" id="{78B5BBA5-20B0-364F-A52D-3EEE3E946E44}"/>
+              </a:ext>
+            </a:extLst>
+          </p:cNvPr>
+          <p:cNvSpPr>
+            <a:spLocks noGrp="1"/>
+          </p:cNvSpPr>
+          <p:nvPr>
+            <p:ph type="title"/>
+          </p:nvPr>
+        </p:nvSpPr>
+        <p:spPr>
+          <a:xfrm>
+            <a:off x="1518412" y="1201723"/>
+            <a:ext cx="3133750" cy="4454554"/>
+          </a:xfrm>
+        </p:spPr>
+        <p:txBody>
+          <a:bodyPr anchor="ctr">
+            <a:normAutofit/>
+          </a:bodyPr>
+          <a:lstStyle/>
+          <a:p>
+            <a:r>
+              <a:rPr lang="en-US" sz="3600"/>
+              <a:t>When to use what?</a:t>
+            </a:r>
+          </a:p>
+        </p:txBody>
+      </p:sp>
+      <p:sp>
+        <p:nvSpPr>
+          <p:cNvPr id="9" name="Content Placeholder 2">
+            <a:extLst>
+              <a:ext uri="{FF2B5EF4-FFF2-40B4-BE49-F238E27FC236}">
+                <a16:creationId xmlns:a16="http://schemas.microsoft.com/office/drawing/2014/main" id="{CDE4C5E9-1D65-0248-A801-847276202282}"/>
+              </a:ext>
+            </a:extLst>
+          </p:cNvPr>
+          <p:cNvSpPr>
+            <a:spLocks noGrp="1"/>
+          </p:cNvSpPr>
+          <p:nvPr>
+            <p:ph idx="1"/>
+          </p:nvPr>
+        </p:nvSpPr>
+        <p:spPr>
+          <a:xfrm>
+            <a:off x="5454363" y="1201723"/>
+            <a:ext cx="5329250" cy="4454554"/>
+          </a:xfrm>
+        </p:spPr>
+        <p:txBody>
+          <a:bodyPr anchor="ctr">
+            <a:normAutofit/>
+          </a:bodyPr>
+          <a:lstStyle/>
+          <a:p>
+            <a:r>
+              <a:rPr lang="en-IN" sz="1800"/>
+              <a:t>Two reasons:-</a:t>
+            </a:r>
+          </a:p>
+          <a:p>
+            <a:pPr lvl="1"/>
+            <a:r>
+              <a:rPr lang="en-IN"/>
+              <a:t>Method can modify the value that its receiver points to.</a:t>
+            </a:r>
+          </a:p>
+          <a:p>
+            <a:pPr lvl="1"/>
+            <a:r>
+              <a:rPr lang="en-IN"/>
+              <a:t>To avoid copying the value on each method call.</a:t>
+            </a:r>
+          </a:p>
+          <a:p>
+            <a:r>
+              <a:rPr lang="en-IN" sz="1800"/>
+              <a:t>A suggestion, all methods on a given type should have either value or pointer receivers, but not a mixture of both.</a:t>
+            </a:r>
+            <a:endParaRPr lang="en-US" sz="1800"/>
+          </a:p>
+        </p:txBody>
+      </p:sp>
+    </p:spTree>
+    <p:extLst>
+      <p:ext uri="{BB962C8B-B14F-4D97-AF65-F5344CB8AC3E}">
+        <p14:creationId xmlns:p14="http://schemas.microsoft.com/office/powerpoint/2010/main" val="2011637475"/>
+      </p:ext>
+    </p:extLst>
+  </p:cSld>
+  <p:clrMapOvr>
+    <a:masterClrMapping/>
+  </p:clrMapOvr>
+</p:sld>
+</file>
+
+<file path=ppt/slides/slide42.xml><?xml version="1.0" encoding="utf-8"?>
+<p:sld xmlns:a="http://schemas.openxmlformats.org/drawingml/2006/main" xmlns:r="http://schemas.openxmlformats.org/officeDocument/2006/relationships" xmlns:p="http://schemas.openxmlformats.org/presentationml/2006/main">
+  <p:cSld>
+    <p:spTree>
+      <p:nvGrpSpPr>
+        <p:cNvPr id="1" name=""/>
+        <p:cNvGrpSpPr/>
+        <p:nvPr/>
+      </p:nvGrpSpPr>
+      <p:grpSpPr>
+        <a:xfrm>
+          <a:off x="0" y="0"/>
+          <a:ext cx="0" cy="0"/>
+          <a:chOff x="0" y="0"/>
+          <a:chExt cx="0" cy="0"/>
+        </a:xfrm>
+      </p:grpSpPr>
+      <p:sp>
+        <p:nvSpPr>
+          <p:cNvPr id="2" name="Title 1">
+            <a:extLst>
+              <a:ext uri="{FF2B5EF4-FFF2-40B4-BE49-F238E27FC236}">
                 <a16:creationId xmlns:a16="http://schemas.microsoft.com/office/drawing/2014/main" id="{7AF1A9BD-C28F-6D4C-9DAB-CAB9A70CC411}"/>
               </a:ext>
             </a:extLst>
@@ -24784,6 +30422,27 @@
             </a:r>
           </a:p>
           <a:p>
+            <a:r>
+              <a:rPr lang="en-IN" dirty="0"/>
+              <a:t>An </a:t>
+            </a:r>
+            <a:r>
+              <a:rPr lang="en-IN" i="1" dirty="0"/>
+              <a:t>interface type</a:t>
+            </a:r>
+            <a:r>
+              <a:rPr lang="en-IN" dirty="0"/>
+              <a:t> is defined as a set of method signatures.</a:t>
+            </a:r>
+          </a:p>
+          <a:p>
+            <a:r>
+              <a:rPr lang="en-IN" dirty="0"/>
+              <a:t>A value of interface type can hold any value that implements those methods.</a:t>
+            </a:r>
+            <a:endParaRPr lang="en-IN" i="1" dirty="0"/>
+          </a:p>
+          <a:p>
             <a:endParaRPr lang="en-US" dirty="0"/>
           </a:p>
         </p:txBody>
@@ -24801,7 +30460,1599 @@
 </p:sld>
 </file>
 
-<file path=ppt/slides/slide37.xml><?xml version="1.0" encoding="utf-8"?>
+<file path=ppt/slides/slide43.xml><?xml version="1.0" encoding="utf-8"?>
+<p:sld xmlns:a="http://schemas.openxmlformats.org/drawingml/2006/main" xmlns:r="http://schemas.openxmlformats.org/officeDocument/2006/relationships" xmlns:p="http://schemas.openxmlformats.org/presentationml/2006/main">
+  <p:cSld>
+    <p:spTree>
+      <p:nvGrpSpPr>
+        <p:cNvPr id="1" name=""/>
+        <p:cNvGrpSpPr/>
+        <p:nvPr/>
+      </p:nvGrpSpPr>
+      <p:grpSpPr>
+        <a:xfrm>
+          <a:off x="0" y="0"/>
+          <a:ext cx="0" cy="0"/>
+          <a:chOff x="0" y="0"/>
+          <a:chExt cx="0" cy="0"/>
+        </a:xfrm>
+      </p:grpSpPr>
+      <p:sp>
+        <p:nvSpPr>
+          <p:cNvPr id="2" name="Title 1">
+            <a:extLst>
+              <a:ext uri="{FF2B5EF4-FFF2-40B4-BE49-F238E27FC236}">
+                <a16:creationId xmlns:a16="http://schemas.microsoft.com/office/drawing/2014/main" id="{478A1436-A639-8E45-A2B6-ECAA8CE736B2}"/>
+              </a:ext>
+            </a:extLst>
+          </p:cNvPr>
+          <p:cNvSpPr>
+            <a:spLocks noGrp="1"/>
+          </p:cNvSpPr>
+          <p:nvPr>
+            <p:ph type="title"/>
+          </p:nvPr>
+        </p:nvSpPr>
+        <p:spPr/>
+        <p:txBody>
+          <a:bodyPr/>
+          <a:lstStyle/>
+          <a:p>
+            <a:r>
+              <a:rPr lang="en-US" dirty="0"/>
+              <a:t>No implements keyword!</a:t>
+            </a:r>
+          </a:p>
+        </p:txBody>
+      </p:sp>
+      <p:sp>
+        <p:nvSpPr>
+          <p:cNvPr id="3" name="Content Placeholder 2">
+            <a:extLst>
+              <a:ext uri="{FF2B5EF4-FFF2-40B4-BE49-F238E27FC236}">
+                <a16:creationId xmlns:a16="http://schemas.microsoft.com/office/drawing/2014/main" id="{0A140E13-6EE6-0E46-A5EA-1B807B102720}"/>
+              </a:ext>
+            </a:extLst>
+          </p:cNvPr>
+          <p:cNvSpPr>
+            <a:spLocks noGrp="1"/>
+          </p:cNvSpPr>
+          <p:nvPr>
+            <p:ph idx="1"/>
+          </p:nvPr>
+        </p:nvSpPr>
+        <p:spPr/>
+        <p:txBody>
+          <a:bodyPr/>
+          <a:lstStyle/>
+          <a:p>
+            <a:r>
+              <a:rPr lang="en-IN" dirty="0"/>
+              <a:t>Interfaces are implemented implicitly.</a:t>
+            </a:r>
+          </a:p>
+          <a:p>
+            <a:r>
+              <a:rPr lang="en-IN" dirty="0">
+                <a:hlinkClick r:id="rId2"/>
+              </a:rPr>
+              <a:t>Try it out!</a:t>
+            </a:r>
+            <a:endParaRPr lang="en-IN" dirty="0"/>
+          </a:p>
+          <a:p>
+            <a:endParaRPr lang="en-US" dirty="0"/>
+          </a:p>
+        </p:txBody>
+      </p:sp>
+    </p:spTree>
+    <p:extLst>
+      <p:ext uri="{BB962C8B-B14F-4D97-AF65-F5344CB8AC3E}">
+        <p14:creationId xmlns:p14="http://schemas.microsoft.com/office/powerpoint/2010/main" val="1436705855"/>
+      </p:ext>
+    </p:extLst>
+  </p:cSld>
+  <p:clrMapOvr>
+    <a:masterClrMapping/>
+  </p:clrMapOvr>
+</p:sld>
+</file>
+
+<file path=ppt/slides/slide44.xml><?xml version="1.0" encoding="utf-8"?>
+<p:sld xmlns:a="http://schemas.openxmlformats.org/drawingml/2006/main" xmlns:r="http://schemas.openxmlformats.org/officeDocument/2006/relationships" xmlns:p="http://schemas.openxmlformats.org/presentationml/2006/main">
+  <p:cSld>
+    <p:spTree>
+      <p:nvGrpSpPr>
+        <p:cNvPr id="1" name=""/>
+        <p:cNvGrpSpPr/>
+        <p:nvPr/>
+      </p:nvGrpSpPr>
+      <p:grpSpPr>
+        <a:xfrm>
+          <a:off x="0" y="0"/>
+          <a:ext cx="0" cy="0"/>
+          <a:chOff x="0" y="0"/>
+          <a:chExt cx="0" cy="0"/>
+        </a:xfrm>
+      </p:grpSpPr>
+      <p:sp>
+        <p:nvSpPr>
+          <p:cNvPr id="2" name="Title 1">
+            <a:extLst>
+              <a:ext uri="{FF2B5EF4-FFF2-40B4-BE49-F238E27FC236}">
+                <a16:creationId xmlns:a16="http://schemas.microsoft.com/office/drawing/2014/main" id="{68902012-1B3C-554B-81AA-3F074725D1E8}"/>
+              </a:ext>
+            </a:extLst>
+          </p:cNvPr>
+          <p:cNvSpPr>
+            <a:spLocks noGrp="1"/>
+          </p:cNvSpPr>
+          <p:nvPr>
+            <p:ph type="title"/>
+          </p:nvPr>
+        </p:nvSpPr>
+        <p:spPr/>
+        <p:txBody>
+          <a:bodyPr/>
+          <a:lstStyle/>
+          <a:p>
+            <a:r>
+              <a:rPr lang="en-IN" b="1" dirty="0"/>
+              <a:t>Interface values</a:t>
+            </a:r>
+            <a:br>
+              <a:rPr lang="en-IN" b="1" dirty="0"/>
+            </a:br>
+            <a:endParaRPr lang="en-US" dirty="0"/>
+          </a:p>
+        </p:txBody>
+      </p:sp>
+      <p:sp>
+        <p:nvSpPr>
+          <p:cNvPr id="3" name="Content Placeholder 2">
+            <a:extLst>
+              <a:ext uri="{FF2B5EF4-FFF2-40B4-BE49-F238E27FC236}">
+                <a16:creationId xmlns:a16="http://schemas.microsoft.com/office/drawing/2014/main" id="{FA885DA1-4889-D342-AADD-FD03D044077F}"/>
+              </a:ext>
+            </a:extLst>
+          </p:cNvPr>
+          <p:cNvSpPr>
+            <a:spLocks noGrp="1"/>
+          </p:cNvSpPr>
+          <p:nvPr>
+            <p:ph idx="1"/>
+          </p:nvPr>
+        </p:nvSpPr>
+        <p:spPr/>
+        <p:txBody>
+          <a:bodyPr/>
+          <a:lstStyle/>
+          <a:p>
+            <a:r>
+              <a:rPr lang="en-IN" dirty="0"/>
+              <a:t>Under the hood, interface values can be thought of as a tuple of a value and a concrete type:</a:t>
+            </a:r>
+          </a:p>
+          <a:p>
+            <a:pPr lvl="1"/>
+            <a:r>
+              <a:rPr lang="en-IN" dirty="0"/>
+              <a:t>(value, type)</a:t>
+            </a:r>
+          </a:p>
+          <a:p>
+            <a:r>
+              <a:rPr lang="en-IN" dirty="0">
+                <a:hlinkClick r:id="rId2"/>
+              </a:rPr>
+              <a:t>Check the type!</a:t>
+            </a:r>
+            <a:endParaRPr lang="en-IN" dirty="0"/>
+          </a:p>
+          <a:p>
+            <a:endParaRPr lang="en-US" dirty="0"/>
+          </a:p>
+        </p:txBody>
+      </p:sp>
+    </p:spTree>
+    <p:extLst>
+      <p:ext uri="{BB962C8B-B14F-4D97-AF65-F5344CB8AC3E}">
+        <p14:creationId xmlns:p14="http://schemas.microsoft.com/office/powerpoint/2010/main" val="3821529451"/>
+      </p:ext>
+    </p:extLst>
+  </p:cSld>
+  <p:clrMapOvr>
+    <a:masterClrMapping/>
+  </p:clrMapOvr>
+</p:sld>
+</file>
+
+<file path=ppt/slides/slide45.xml><?xml version="1.0" encoding="utf-8"?>
+<p:sld xmlns:a="http://schemas.openxmlformats.org/drawingml/2006/main" xmlns:r="http://schemas.openxmlformats.org/officeDocument/2006/relationships" xmlns:p="http://schemas.openxmlformats.org/presentationml/2006/main">
+  <p:cSld>
+    <p:bg>
+      <p:bgPr>
+        <a:blipFill rotWithShape="1">
+          <a:blip r:embed="rId2"/>
+          <a:stretch/>
+        </a:blipFill>
+        <a:effectLst/>
+      </p:bgPr>
+    </p:bg>
+    <p:spTree>
+      <p:nvGrpSpPr>
+        <p:cNvPr id="1" name=""/>
+        <p:cNvGrpSpPr/>
+        <p:nvPr/>
+      </p:nvGrpSpPr>
+      <p:grpSpPr>
+        <a:xfrm>
+          <a:off x="0" y="0"/>
+          <a:ext cx="0" cy="0"/>
+          <a:chOff x="0" y="0"/>
+          <a:chExt cx="0" cy="0"/>
+        </a:xfrm>
+      </p:grpSpPr>
+      <p:sp useBgFill="1">
+        <p:nvSpPr>
+          <p:cNvPr id="14" name="Rectangle 13">
+            <a:extLst>
+              <a:ext uri="{FF2B5EF4-FFF2-40B4-BE49-F238E27FC236}">
+                <a16:creationId xmlns:a16="http://schemas.microsoft.com/office/drawing/2014/main" id="{624A1565-B7E1-4C59-84A2-5831F11608D7}"/>
+              </a:ext>
+              <a:ext uri="{C183D7F6-B498-43B3-948B-1728B52AA6E4}">
+                <adec:decorative xmlns:adec="http://schemas.microsoft.com/office/drawing/2017/decorative" val="1"/>
+              </a:ext>
+            </a:extLst>
+          </p:cNvPr>
+          <p:cNvSpPr>
+            <a:spLocks noGrp="1" noRot="1" noChangeAspect="1" noMove="1" noResize="1" noEditPoints="1" noAdjustHandles="1" noChangeArrowheads="1" noChangeShapeType="1" noTextEdit="1"/>
+          </p:cNvSpPr>
+          <p:nvPr>
+            <p:extLst>
+              <p:ext uri="{386F3935-93C4-4BCD-93E2-E3B085C9AB24}">
+                <p16:designElem xmlns:p16="http://schemas.microsoft.com/office/powerpoint/2015/main" val="1"/>
+              </p:ext>
+            </p:extLst>
+          </p:nvPr>
+        </p:nvSpPr>
+        <p:spPr>
+          <a:xfrm>
+            <a:off x="0" y="0"/>
+            <a:ext cx="12189867" cy="6855282"/>
+          </a:xfrm>
+          <a:prstGeom prst="rect">
+            <a:avLst/>
+          </a:prstGeom>
+          <a:ln>
+            <a:noFill/>
+          </a:ln>
+        </p:spPr>
+        <p:style>
+          <a:lnRef idx="2">
+            <a:schemeClr val="accent1">
+              <a:shade val="50000"/>
+            </a:schemeClr>
+          </a:lnRef>
+          <a:fillRef idx="1">
+            <a:schemeClr val="accent1"/>
+          </a:fillRef>
+          <a:effectRef idx="0">
+            <a:schemeClr val="accent1"/>
+          </a:effectRef>
+          <a:fontRef idx="minor">
+            <a:schemeClr val="lt1"/>
+          </a:fontRef>
+        </p:style>
+        <p:txBody>
+          <a:bodyPr rtlCol="0" anchor="ctr"/>
+          <a:lstStyle/>
+          <a:p>
+            <a:pPr algn="ctr"/>
+            <a:endParaRPr lang="en-US"/>
+          </a:p>
+        </p:txBody>
+      </p:sp>
+      <p:pic>
+        <p:nvPicPr>
+          <p:cNvPr id="16" name="Picture 15">
+            <a:extLst>
+              <a:ext uri="{FF2B5EF4-FFF2-40B4-BE49-F238E27FC236}">
+                <a16:creationId xmlns:a16="http://schemas.microsoft.com/office/drawing/2014/main" id="{3B8B134C-47B2-49B8-B810-2931B20EA760}"/>
+              </a:ext>
+              <a:ext uri="{C183D7F6-B498-43B3-948B-1728B52AA6E4}">
+                <adec:decorative xmlns:adec="http://schemas.microsoft.com/office/drawing/2017/decorative" val="1"/>
+              </a:ext>
+            </a:extLst>
+          </p:cNvPr>
+          <p:cNvPicPr>
+            <a:picLocks noGrp="1" noRot="1" noChangeAspect="1" noMove="1" noResize="1" noEditPoints="1" noAdjustHandles="1" noChangeArrowheads="1" noChangeShapeType="1" noCrop="1"/>
+          </p:cNvPicPr>
+          <p:nvPr>
+            <p:extLst>
+              <p:ext uri="{386F3935-93C4-4BCD-93E2-E3B085C9AB24}">
+                <p16:designElem xmlns:p16="http://schemas.microsoft.com/office/powerpoint/2015/main" val="1"/>
+              </p:ext>
+            </p:extLst>
+          </p:nvPr>
+        </p:nvPicPr>
+        <p:blipFill>
+          <a:blip r:embed="rId3">
+            <a:extLst>
+              <a:ext uri="{28A0092B-C50C-407E-A947-70E740481C1C}">
+                <a14:useLocalDpi xmlns:a14="http://schemas.microsoft.com/office/drawing/2010/main" val="0"/>
+              </a:ext>
+            </a:extLst>
+          </a:blip>
+          <a:stretch>
+            <a:fillRect/>
+          </a:stretch>
+        </p:blipFill>
+        <p:spPr>
+          <a:xfrm>
+            <a:off x="2831794" y="2105202"/>
+            <a:ext cx="9360205" cy="4752798"/>
+          </a:xfrm>
+          <a:prstGeom prst="rect">
+            <a:avLst/>
+          </a:prstGeom>
+        </p:spPr>
+      </p:pic>
+      <p:pic>
+        <p:nvPicPr>
+          <p:cNvPr id="18" name="Picture 17">
+            <a:extLst>
+              <a:ext uri="{FF2B5EF4-FFF2-40B4-BE49-F238E27FC236}">
+                <a16:creationId xmlns:a16="http://schemas.microsoft.com/office/drawing/2014/main" id="{1550BD34-8417-42DB-BEA7-96B1E4156223}"/>
+              </a:ext>
+              <a:ext uri="{C183D7F6-B498-43B3-948B-1728B52AA6E4}">
+                <adec:decorative xmlns:adec="http://schemas.microsoft.com/office/drawing/2017/decorative" val="1"/>
+              </a:ext>
+            </a:extLst>
+          </p:cNvPr>
+          <p:cNvPicPr>
+            <a:picLocks noGrp="1" noRot="1" noChangeAspect="1" noMove="1" noResize="1" noEditPoints="1" noAdjustHandles="1" noChangeArrowheads="1" noChangeShapeType="1" noCrop="1"/>
+          </p:cNvPicPr>
+          <p:nvPr>
+            <p:extLst>
+              <p:ext uri="{386F3935-93C4-4BCD-93E2-E3B085C9AB24}">
+                <p16:designElem xmlns:p16="http://schemas.microsoft.com/office/powerpoint/2015/main" val="1"/>
+              </p:ext>
+            </p:extLst>
+          </p:nvPr>
+        </p:nvPicPr>
+        <p:blipFill>
+          <a:blip r:embed="rId4">
+            <a:alphaModFix/>
+            <a:extLst>
+              <a:ext uri="{28A0092B-C50C-407E-A947-70E740481C1C}">
+                <a14:useLocalDpi xmlns:a14="http://schemas.microsoft.com/office/drawing/2010/main" val="0"/>
+              </a:ext>
+            </a:extLst>
+          </a:blip>
+          <a:stretch>
+            <a:fillRect/>
+          </a:stretch>
+        </p:blipFill>
+        <p:spPr>
+          <a:xfrm>
+            <a:off x="0" y="0"/>
+            <a:ext cx="12189867" cy="6858000"/>
+          </a:xfrm>
+          <a:prstGeom prst="rect">
+            <a:avLst/>
+          </a:prstGeom>
+        </p:spPr>
+      </p:pic>
+      <p:sp>
+        <p:nvSpPr>
+          <p:cNvPr id="20" name="Rectangle 19">
+            <a:extLst>
+              <a:ext uri="{FF2B5EF4-FFF2-40B4-BE49-F238E27FC236}">
+                <a16:creationId xmlns:a16="http://schemas.microsoft.com/office/drawing/2014/main" id="{EE04A24D-ECF7-4024-BAC2-981BA69CF65C}"/>
+              </a:ext>
+              <a:ext uri="{C183D7F6-B498-43B3-948B-1728B52AA6E4}">
+                <adec:decorative xmlns:adec="http://schemas.microsoft.com/office/drawing/2017/decorative" val="1"/>
+              </a:ext>
+            </a:extLst>
+          </p:cNvPr>
+          <p:cNvSpPr>
+            <a:spLocks noGrp="1" noRot="1" noChangeAspect="1" noMove="1" noResize="1" noEditPoints="1" noAdjustHandles="1" noChangeArrowheads="1" noChangeShapeType="1" noTextEdit="1"/>
+          </p:cNvSpPr>
+          <p:nvPr>
+            <p:extLst>
+              <p:ext uri="{386F3935-93C4-4BCD-93E2-E3B085C9AB24}">
+                <p16:designElem xmlns:p16="http://schemas.microsoft.com/office/powerpoint/2015/main" val="1"/>
+              </p:ext>
+            </p:extLst>
+          </p:nvPr>
+        </p:nvSpPr>
+        <p:spPr>
+          <a:xfrm>
+            <a:off x="0" y="0"/>
+            <a:ext cx="964174" cy="6858000"/>
+          </a:xfrm>
+          <a:prstGeom prst="rect">
+            <a:avLst/>
+          </a:prstGeom>
+          <a:solidFill>
+            <a:schemeClr val="bg2"/>
+          </a:solidFill>
+          <a:ln>
+            <a:noFill/>
+          </a:ln>
+        </p:spPr>
+        <p:style>
+          <a:lnRef idx="2">
+            <a:schemeClr val="accent1">
+              <a:shade val="50000"/>
+            </a:schemeClr>
+          </a:lnRef>
+          <a:fillRef idx="1">
+            <a:schemeClr val="accent1"/>
+          </a:fillRef>
+          <a:effectRef idx="0">
+            <a:schemeClr val="accent1"/>
+          </a:effectRef>
+          <a:fontRef idx="minor">
+            <a:schemeClr val="lt1"/>
+          </a:fontRef>
+        </p:style>
+        <p:txBody>
+          <a:bodyPr rtlCol="0" anchor="ctr"/>
+          <a:lstStyle/>
+          <a:p>
+            <a:pPr algn="ctr"/>
+            <a:endParaRPr lang="en-US"/>
+          </a:p>
+        </p:txBody>
+      </p:sp>
+      <p:sp>
+        <p:nvSpPr>
+          <p:cNvPr id="22" name="Rectangle 21">
+            <a:extLst>
+              <a:ext uri="{FF2B5EF4-FFF2-40B4-BE49-F238E27FC236}">
+                <a16:creationId xmlns:a16="http://schemas.microsoft.com/office/drawing/2014/main" id="{F1C3D135-9831-45A9-8FBE-2A2548C87BCE}"/>
+              </a:ext>
+              <a:ext uri="{C183D7F6-B498-43B3-948B-1728B52AA6E4}">
+                <adec:decorative xmlns:adec="http://schemas.microsoft.com/office/drawing/2017/decorative" val="1"/>
+              </a:ext>
+            </a:extLst>
+          </p:cNvPr>
+          <p:cNvSpPr>
+            <a:spLocks noGrp="1" noRot="1" noChangeAspect="1" noMove="1" noResize="1" noEditPoints="1" noAdjustHandles="1" noChangeArrowheads="1" noChangeShapeType="1" noTextEdit="1"/>
+          </p:cNvSpPr>
+          <p:nvPr>
+            <p:extLst>
+              <p:ext uri="{386F3935-93C4-4BCD-93E2-E3B085C9AB24}">
+                <p16:designElem xmlns:p16="http://schemas.microsoft.com/office/powerpoint/2015/main" val="1"/>
+              </p:ext>
+            </p:extLst>
+          </p:nvPr>
+        </p:nvSpPr>
+        <p:spPr>
+          <a:xfrm>
+            <a:off x="962042" y="0"/>
+            <a:ext cx="45719" cy="6858000"/>
+          </a:xfrm>
+          <a:prstGeom prst="rect">
+            <a:avLst/>
+          </a:prstGeom>
+          <a:solidFill>
+            <a:schemeClr val="accent6"/>
+          </a:solidFill>
+          <a:ln>
+            <a:noFill/>
+          </a:ln>
+        </p:spPr>
+        <p:style>
+          <a:lnRef idx="2">
+            <a:schemeClr val="accent1">
+              <a:shade val="50000"/>
+            </a:schemeClr>
+          </a:lnRef>
+          <a:fillRef idx="1">
+            <a:schemeClr val="accent1"/>
+          </a:fillRef>
+          <a:effectRef idx="0">
+            <a:schemeClr val="accent1"/>
+          </a:effectRef>
+          <a:fontRef idx="minor">
+            <a:schemeClr val="lt1"/>
+          </a:fontRef>
+        </p:style>
+        <p:txBody>
+          <a:bodyPr rtlCol="0" anchor="ctr"/>
+          <a:lstStyle/>
+          <a:p>
+            <a:pPr algn="ctr"/>
+            <a:endParaRPr lang="en-US"/>
+          </a:p>
+        </p:txBody>
+      </p:sp>
+      <p:sp>
+        <p:nvSpPr>
+          <p:cNvPr id="24" name="Rectangle 23">
+            <a:extLst>
+              <a:ext uri="{FF2B5EF4-FFF2-40B4-BE49-F238E27FC236}">
+                <a16:creationId xmlns:a16="http://schemas.microsoft.com/office/drawing/2014/main" id="{F8375ABF-52E0-4C78-B2CF-0A949D7D887E}"/>
+              </a:ext>
+              <a:ext uri="{C183D7F6-B498-43B3-948B-1728B52AA6E4}">
+                <adec:decorative xmlns:adec="http://schemas.microsoft.com/office/drawing/2017/decorative" val="1"/>
+              </a:ext>
+            </a:extLst>
+          </p:cNvPr>
+          <p:cNvSpPr>
+            <a:spLocks noGrp="1" noRot="1" noChangeAspect="1" noMove="1" noResize="1" noEditPoints="1" noAdjustHandles="1" noChangeArrowheads="1" noChangeShapeType="1" noTextEdit="1"/>
+          </p:cNvSpPr>
+          <p:nvPr>
+            <p:extLst>
+              <p:ext uri="{386F3935-93C4-4BCD-93E2-E3B085C9AB24}">
+                <p16:designElem xmlns:p16="http://schemas.microsoft.com/office/powerpoint/2015/main" val="1"/>
+              </p:ext>
+            </p:extLst>
+          </p:nvPr>
+        </p:nvSpPr>
+        <p:spPr>
+          <a:xfrm>
+            <a:off x="1007533" y="0"/>
+            <a:ext cx="10378001" cy="6858000"/>
+          </a:xfrm>
+          <a:prstGeom prst="rect">
+            <a:avLst/>
+          </a:prstGeom>
+          <a:solidFill>
+            <a:schemeClr val="bg2">
+              <a:alpha val="92000"/>
+            </a:schemeClr>
+          </a:solidFill>
+          <a:ln>
+            <a:noFill/>
+          </a:ln>
+        </p:spPr>
+        <p:style>
+          <a:lnRef idx="2">
+            <a:schemeClr val="accent1">
+              <a:shade val="50000"/>
+            </a:schemeClr>
+          </a:lnRef>
+          <a:fillRef idx="1">
+            <a:schemeClr val="accent1"/>
+          </a:fillRef>
+          <a:effectRef idx="0">
+            <a:schemeClr val="accent1"/>
+          </a:effectRef>
+          <a:fontRef idx="minor">
+            <a:schemeClr val="lt1"/>
+          </a:fontRef>
+        </p:style>
+        <p:txBody>
+          <a:bodyPr rtlCol="0" anchor="ctr"/>
+          <a:lstStyle/>
+          <a:p>
+            <a:pPr algn="ctr"/>
+            <a:endParaRPr lang="en-US"/>
+          </a:p>
+        </p:txBody>
+      </p:sp>
+      <p:sp>
+        <p:nvSpPr>
+          <p:cNvPr id="2" name="Title 1">
+            <a:extLst>
+              <a:ext uri="{FF2B5EF4-FFF2-40B4-BE49-F238E27FC236}">
+                <a16:creationId xmlns:a16="http://schemas.microsoft.com/office/drawing/2014/main" id="{DB8353B8-F40B-9946-870B-CD8C6C2499D5}"/>
+              </a:ext>
+            </a:extLst>
+          </p:cNvPr>
+          <p:cNvSpPr>
+            <a:spLocks noGrp="1"/>
+          </p:cNvSpPr>
+          <p:nvPr>
+            <p:ph type="title"/>
+          </p:nvPr>
+        </p:nvSpPr>
+        <p:spPr>
+          <a:xfrm>
+            <a:off x="1969804" y="808056"/>
+            <a:ext cx="3969504" cy="1077229"/>
+          </a:xfrm>
+        </p:spPr>
+        <p:txBody>
+          <a:bodyPr>
+            <a:normAutofit/>
+          </a:bodyPr>
+          <a:lstStyle/>
+          <a:p>
+            <a:pPr algn="l"/>
+            <a:r>
+              <a:rPr lang="en-US" sz="2900"/>
+              <a:t>Missing python’s dynamic type casting?</a:t>
+            </a:r>
+          </a:p>
+        </p:txBody>
+      </p:sp>
+      <p:sp>
+        <p:nvSpPr>
+          <p:cNvPr id="3" name="Content Placeholder 2">
+            <a:extLst>
+              <a:ext uri="{FF2B5EF4-FFF2-40B4-BE49-F238E27FC236}">
+                <a16:creationId xmlns:a16="http://schemas.microsoft.com/office/drawing/2014/main" id="{E5C0D8D7-603F-3C41-ABCE-52B05E4CE221}"/>
+              </a:ext>
+            </a:extLst>
+          </p:cNvPr>
+          <p:cNvSpPr>
+            <a:spLocks noGrp="1"/>
+          </p:cNvSpPr>
+          <p:nvPr>
+            <p:ph idx="1"/>
+          </p:nvPr>
+        </p:nvSpPr>
+        <p:spPr>
+          <a:xfrm>
+            <a:off x="1969803" y="2052116"/>
+            <a:ext cx="3969505" cy="3997828"/>
+          </a:xfrm>
+        </p:spPr>
+        <p:txBody>
+          <a:bodyPr>
+            <a:normAutofit/>
+          </a:bodyPr>
+          <a:lstStyle/>
+          <a:p>
+            <a:r>
+              <a:rPr lang="en-US" sz="1800"/>
+              <a:t>Go has got you empty interfaces? </a:t>
+            </a:r>
+          </a:p>
+        </p:txBody>
+      </p:sp>
+      <p:pic>
+        <p:nvPicPr>
+          <p:cNvPr id="9" name="Graphic 8" descr="人工知能 outline">
+            <a:hlinkClick r:id="rId5" tooltip="Scratch Your Mind!"/>
+            <a:extLst>
+              <a:ext uri="{FF2B5EF4-FFF2-40B4-BE49-F238E27FC236}">
+                <a16:creationId xmlns:a16="http://schemas.microsoft.com/office/drawing/2014/main" id="{A46148BD-95AF-C742-8A44-434B350E2E8A}"/>
+              </a:ext>
+            </a:extLst>
+          </p:cNvPr>
+          <p:cNvPicPr>
+            <a:picLocks noChangeAspect="1"/>
+          </p:cNvPicPr>
+          <p:nvPr/>
+        </p:nvPicPr>
+        <p:blipFill>
+          <a:blip r:embed="rId6">
+            <a:extLst>
+              <a:ext uri="{96DAC541-7B7A-43D3-8B79-37D633B846F1}">
+                <asvg:svgBlip xmlns:asvg="http://schemas.microsoft.com/office/drawing/2016/SVG/main" r:embed="rId7"/>
+              </a:ext>
+            </a:extLst>
+          </a:blip>
+          <a:stretch>
+            <a:fillRect/>
+          </a:stretch>
+        </p:blipFill>
+        <p:spPr>
+          <a:xfrm>
+            <a:off x="6751768" y="1432023"/>
+            <a:ext cx="3994617" cy="3994617"/>
+          </a:xfrm>
+          <a:prstGeom prst="rect">
+            <a:avLst/>
+          </a:prstGeom>
+          <a:ln>
+            <a:gradFill flip="none" rotWithShape="1">
+              <a:gsLst>
+                <a:gs pos="86000">
+                  <a:schemeClr val="accent6">
+                    <a:lumMod val="67000"/>
+                  </a:schemeClr>
+                </a:gs>
+                <a:gs pos="20000">
+                  <a:schemeClr val="accent6">
+                    <a:lumMod val="97000"/>
+                    <a:lumOff val="3000"/>
+                  </a:schemeClr>
+                </a:gs>
+                <a:gs pos="100000">
+                  <a:schemeClr val="accent6">
+                    <a:lumMod val="60000"/>
+                    <a:lumOff val="40000"/>
+                  </a:schemeClr>
+                </a:gs>
+              </a:gsLst>
+              <a:lin ang="16200000" scaled="1"/>
+              <a:tileRect/>
+            </a:gradFill>
+          </a:ln>
+          <a:effectLst>
+            <a:innerShdw blurRad="127000">
+              <a:prstClr val="black">
+                <a:alpha val="90000"/>
+              </a:prstClr>
+            </a:innerShdw>
+          </a:effectLst>
+        </p:spPr>
+      </p:pic>
+      <p:sp>
+        <p:nvSpPr>
+          <p:cNvPr id="26" name="Rectangle 25">
+            <a:extLst>
+              <a:ext uri="{FF2B5EF4-FFF2-40B4-BE49-F238E27FC236}">
+                <a16:creationId xmlns:a16="http://schemas.microsoft.com/office/drawing/2014/main" id="{34BB1BDF-EAFF-49B6-ABF3-7F9B3201C989}"/>
+              </a:ext>
+              <a:ext uri="{C183D7F6-B498-43B3-948B-1728B52AA6E4}">
+                <adec:decorative xmlns:adec="http://schemas.microsoft.com/office/drawing/2017/decorative" val="1"/>
+              </a:ext>
+            </a:extLst>
+          </p:cNvPr>
+          <p:cNvSpPr>
+            <a:spLocks noGrp="1" noRot="1" noChangeAspect="1" noMove="1" noResize="1" noEditPoints="1" noAdjustHandles="1" noChangeArrowheads="1" noChangeShapeType="1" noTextEdit="1"/>
+          </p:cNvSpPr>
+          <p:nvPr>
+            <p:extLst>
+              <p:ext uri="{386F3935-93C4-4BCD-93E2-E3B085C9AB24}">
+                <p16:designElem xmlns:p16="http://schemas.microsoft.com/office/powerpoint/2015/main" val="1"/>
+              </p:ext>
+            </p:extLst>
+          </p:nvPr>
+        </p:nvSpPr>
+        <p:spPr>
+          <a:xfrm>
+            <a:off x="11387666" y="-2718"/>
+            <a:ext cx="27432" cy="6858000"/>
+          </a:xfrm>
+          <a:prstGeom prst="rect">
+            <a:avLst/>
+          </a:prstGeom>
+          <a:solidFill>
+            <a:schemeClr val="accent6"/>
+          </a:solidFill>
+          <a:ln>
+            <a:noFill/>
+          </a:ln>
+        </p:spPr>
+        <p:style>
+          <a:lnRef idx="2">
+            <a:schemeClr val="accent1">
+              <a:shade val="50000"/>
+            </a:schemeClr>
+          </a:lnRef>
+          <a:fillRef idx="1">
+            <a:schemeClr val="accent1"/>
+          </a:fillRef>
+          <a:effectRef idx="0">
+            <a:schemeClr val="accent1"/>
+          </a:effectRef>
+          <a:fontRef idx="minor">
+            <a:schemeClr val="lt1"/>
+          </a:fontRef>
+        </p:style>
+        <p:txBody>
+          <a:bodyPr rtlCol="0" anchor="ctr"/>
+          <a:lstStyle/>
+          <a:p>
+            <a:pPr algn="ctr"/>
+            <a:endParaRPr lang="en-US"/>
+          </a:p>
+        </p:txBody>
+      </p:sp>
+    </p:spTree>
+    <p:extLst>
+      <p:ext uri="{BB962C8B-B14F-4D97-AF65-F5344CB8AC3E}">
+        <p14:creationId xmlns:p14="http://schemas.microsoft.com/office/powerpoint/2010/main" val="4021909278"/>
+      </p:ext>
+    </p:extLst>
+  </p:cSld>
+  <p:clrMapOvr>
+    <a:masterClrMapping/>
+  </p:clrMapOvr>
+</p:sld>
+</file>
+
+<file path=ppt/slides/slide46.xml><?xml version="1.0" encoding="utf-8"?>
+<p:sld xmlns:a="http://schemas.openxmlformats.org/drawingml/2006/main" xmlns:r="http://schemas.openxmlformats.org/officeDocument/2006/relationships" xmlns:p="http://schemas.openxmlformats.org/presentationml/2006/main">
+  <p:cSld>
+    <p:bg>
+      <p:bgPr>
+        <a:blipFill rotWithShape="1">
+          <a:blip r:embed="rId2"/>
+          <a:stretch/>
+        </a:blipFill>
+        <a:effectLst/>
+      </p:bgPr>
+    </p:bg>
+    <p:spTree>
+      <p:nvGrpSpPr>
+        <p:cNvPr id="1" name=""/>
+        <p:cNvGrpSpPr/>
+        <p:nvPr/>
+      </p:nvGrpSpPr>
+      <p:grpSpPr>
+        <a:xfrm>
+          <a:off x="0" y="0"/>
+          <a:ext cx="0" cy="0"/>
+          <a:chOff x="0" y="0"/>
+          <a:chExt cx="0" cy="0"/>
+        </a:xfrm>
+      </p:grpSpPr>
+      <p:sp useBgFill="1">
+        <p:nvSpPr>
+          <p:cNvPr id="43" name="Rectangle 42">
+            <a:extLst>
+              <a:ext uri="{FF2B5EF4-FFF2-40B4-BE49-F238E27FC236}">
+                <a16:creationId xmlns:a16="http://schemas.microsoft.com/office/drawing/2014/main" id="{624A1565-B7E1-4C59-84A2-5831F11608D7}"/>
+              </a:ext>
+              <a:ext uri="{C183D7F6-B498-43B3-948B-1728B52AA6E4}">
+                <adec:decorative xmlns:adec="http://schemas.microsoft.com/office/drawing/2017/decorative" val="1"/>
+              </a:ext>
+            </a:extLst>
+          </p:cNvPr>
+          <p:cNvSpPr>
+            <a:spLocks noGrp="1" noRot="1" noChangeAspect="1" noMove="1" noResize="1" noEditPoints="1" noAdjustHandles="1" noChangeArrowheads="1" noChangeShapeType="1" noTextEdit="1"/>
+          </p:cNvSpPr>
+          <p:nvPr>
+            <p:extLst>
+              <p:ext uri="{386F3935-93C4-4BCD-93E2-E3B085C9AB24}">
+                <p16:designElem xmlns:p16="http://schemas.microsoft.com/office/powerpoint/2015/main" val="1"/>
+              </p:ext>
+            </p:extLst>
+          </p:nvPr>
+        </p:nvSpPr>
+        <p:spPr>
+          <a:xfrm>
+            <a:off x="0" y="0"/>
+            <a:ext cx="12189867" cy="6855282"/>
+          </a:xfrm>
+          <a:prstGeom prst="rect">
+            <a:avLst/>
+          </a:prstGeom>
+          <a:ln>
+            <a:noFill/>
+          </a:ln>
+        </p:spPr>
+        <p:style>
+          <a:lnRef idx="2">
+            <a:schemeClr val="accent1">
+              <a:shade val="50000"/>
+            </a:schemeClr>
+          </a:lnRef>
+          <a:fillRef idx="1">
+            <a:schemeClr val="accent1"/>
+          </a:fillRef>
+          <a:effectRef idx="0">
+            <a:schemeClr val="accent1"/>
+          </a:effectRef>
+          <a:fontRef idx="minor">
+            <a:schemeClr val="lt1"/>
+          </a:fontRef>
+        </p:style>
+        <p:txBody>
+          <a:bodyPr rtlCol="0" anchor="ctr"/>
+          <a:lstStyle/>
+          <a:p>
+            <a:pPr algn="ctr"/>
+            <a:endParaRPr lang="en-US"/>
+          </a:p>
+        </p:txBody>
+      </p:sp>
+      <p:pic>
+        <p:nvPicPr>
+          <p:cNvPr id="45" name="Picture 44">
+            <a:extLst>
+              <a:ext uri="{FF2B5EF4-FFF2-40B4-BE49-F238E27FC236}">
+                <a16:creationId xmlns:a16="http://schemas.microsoft.com/office/drawing/2014/main" id="{3B8B134C-47B2-49B8-B810-2931B20EA760}"/>
+              </a:ext>
+              <a:ext uri="{C183D7F6-B498-43B3-948B-1728B52AA6E4}">
+                <adec:decorative xmlns:adec="http://schemas.microsoft.com/office/drawing/2017/decorative" val="1"/>
+              </a:ext>
+            </a:extLst>
+          </p:cNvPr>
+          <p:cNvPicPr>
+            <a:picLocks noGrp="1" noRot="1" noChangeAspect="1" noMove="1" noResize="1" noEditPoints="1" noAdjustHandles="1" noChangeArrowheads="1" noChangeShapeType="1" noCrop="1"/>
+          </p:cNvPicPr>
+          <p:nvPr>
+            <p:extLst>
+              <p:ext uri="{386F3935-93C4-4BCD-93E2-E3B085C9AB24}">
+                <p16:designElem xmlns:p16="http://schemas.microsoft.com/office/powerpoint/2015/main" val="1"/>
+              </p:ext>
+            </p:extLst>
+          </p:nvPr>
+        </p:nvPicPr>
+        <p:blipFill>
+          <a:blip r:embed="rId3">
+            <a:extLst>
+              <a:ext uri="{28A0092B-C50C-407E-A947-70E740481C1C}">
+                <a14:useLocalDpi xmlns:a14="http://schemas.microsoft.com/office/drawing/2010/main" val="0"/>
+              </a:ext>
+            </a:extLst>
+          </a:blip>
+          <a:stretch>
+            <a:fillRect/>
+          </a:stretch>
+        </p:blipFill>
+        <p:spPr>
+          <a:xfrm>
+            <a:off x="2831794" y="2105202"/>
+            <a:ext cx="9360205" cy="4752798"/>
+          </a:xfrm>
+          <a:prstGeom prst="rect">
+            <a:avLst/>
+          </a:prstGeom>
+        </p:spPr>
+      </p:pic>
+      <p:pic>
+        <p:nvPicPr>
+          <p:cNvPr id="47" name="Picture 46">
+            <a:extLst>
+              <a:ext uri="{FF2B5EF4-FFF2-40B4-BE49-F238E27FC236}">
+                <a16:creationId xmlns:a16="http://schemas.microsoft.com/office/drawing/2014/main" id="{1550BD34-8417-42DB-BEA7-96B1E4156223}"/>
+              </a:ext>
+              <a:ext uri="{C183D7F6-B498-43B3-948B-1728B52AA6E4}">
+                <adec:decorative xmlns:adec="http://schemas.microsoft.com/office/drawing/2017/decorative" val="1"/>
+              </a:ext>
+            </a:extLst>
+          </p:cNvPr>
+          <p:cNvPicPr>
+            <a:picLocks noGrp="1" noRot="1" noChangeAspect="1" noMove="1" noResize="1" noEditPoints="1" noAdjustHandles="1" noChangeArrowheads="1" noChangeShapeType="1" noCrop="1"/>
+          </p:cNvPicPr>
+          <p:nvPr>
+            <p:extLst>
+              <p:ext uri="{386F3935-93C4-4BCD-93E2-E3B085C9AB24}">
+                <p16:designElem xmlns:p16="http://schemas.microsoft.com/office/powerpoint/2015/main" val="1"/>
+              </p:ext>
+            </p:extLst>
+          </p:nvPr>
+        </p:nvPicPr>
+        <p:blipFill>
+          <a:blip r:embed="rId4">
+            <a:alphaModFix/>
+            <a:extLst>
+              <a:ext uri="{28A0092B-C50C-407E-A947-70E740481C1C}">
+                <a14:useLocalDpi xmlns:a14="http://schemas.microsoft.com/office/drawing/2010/main" val="0"/>
+              </a:ext>
+            </a:extLst>
+          </a:blip>
+          <a:stretch>
+            <a:fillRect/>
+          </a:stretch>
+        </p:blipFill>
+        <p:spPr>
+          <a:xfrm>
+            <a:off x="0" y="0"/>
+            <a:ext cx="12189867" cy="6858000"/>
+          </a:xfrm>
+          <a:prstGeom prst="rect">
+            <a:avLst/>
+          </a:prstGeom>
+        </p:spPr>
+      </p:pic>
+      <p:sp>
+        <p:nvSpPr>
+          <p:cNvPr id="49" name="Rectangle 48">
+            <a:extLst>
+              <a:ext uri="{FF2B5EF4-FFF2-40B4-BE49-F238E27FC236}">
+                <a16:creationId xmlns:a16="http://schemas.microsoft.com/office/drawing/2014/main" id="{EE04A24D-ECF7-4024-BAC2-981BA69CF65C}"/>
+              </a:ext>
+              <a:ext uri="{C183D7F6-B498-43B3-948B-1728B52AA6E4}">
+                <adec:decorative xmlns:adec="http://schemas.microsoft.com/office/drawing/2017/decorative" val="1"/>
+              </a:ext>
+            </a:extLst>
+          </p:cNvPr>
+          <p:cNvSpPr>
+            <a:spLocks noGrp="1" noRot="1" noChangeAspect="1" noMove="1" noResize="1" noEditPoints="1" noAdjustHandles="1" noChangeArrowheads="1" noChangeShapeType="1" noTextEdit="1"/>
+          </p:cNvSpPr>
+          <p:nvPr>
+            <p:extLst>
+              <p:ext uri="{386F3935-93C4-4BCD-93E2-E3B085C9AB24}">
+                <p16:designElem xmlns:p16="http://schemas.microsoft.com/office/powerpoint/2015/main" val="1"/>
+              </p:ext>
+            </p:extLst>
+          </p:nvPr>
+        </p:nvSpPr>
+        <p:spPr>
+          <a:xfrm>
+            <a:off x="0" y="0"/>
+            <a:ext cx="964174" cy="6858000"/>
+          </a:xfrm>
+          <a:prstGeom prst="rect">
+            <a:avLst/>
+          </a:prstGeom>
+          <a:solidFill>
+            <a:schemeClr val="bg2"/>
+          </a:solidFill>
+          <a:ln>
+            <a:noFill/>
+          </a:ln>
+        </p:spPr>
+        <p:style>
+          <a:lnRef idx="2">
+            <a:schemeClr val="accent1">
+              <a:shade val="50000"/>
+            </a:schemeClr>
+          </a:lnRef>
+          <a:fillRef idx="1">
+            <a:schemeClr val="accent1"/>
+          </a:fillRef>
+          <a:effectRef idx="0">
+            <a:schemeClr val="accent1"/>
+          </a:effectRef>
+          <a:fontRef idx="minor">
+            <a:schemeClr val="lt1"/>
+          </a:fontRef>
+        </p:style>
+        <p:txBody>
+          <a:bodyPr rtlCol="0" anchor="ctr"/>
+          <a:lstStyle/>
+          <a:p>
+            <a:pPr algn="ctr"/>
+            <a:endParaRPr lang="en-US"/>
+          </a:p>
+        </p:txBody>
+      </p:sp>
+      <p:sp>
+        <p:nvSpPr>
+          <p:cNvPr id="51" name="Rectangle 50">
+            <a:extLst>
+              <a:ext uri="{FF2B5EF4-FFF2-40B4-BE49-F238E27FC236}">
+                <a16:creationId xmlns:a16="http://schemas.microsoft.com/office/drawing/2014/main" id="{F1C3D135-9831-45A9-8FBE-2A2548C87BCE}"/>
+              </a:ext>
+              <a:ext uri="{C183D7F6-B498-43B3-948B-1728B52AA6E4}">
+                <adec:decorative xmlns:adec="http://schemas.microsoft.com/office/drawing/2017/decorative" val="1"/>
+              </a:ext>
+            </a:extLst>
+          </p:cNvPr>
+          <p:cNvSpPr>
+            <a:spLocks noGrp="1" noRot="1" noChangeAspect="1" noMove="1" noResize="1" noEditPoints="1" noAdjustHandles="1" noChangeArrowheads="1" noChangeShapeType="1" noTextEdit="1"/>
+          </p:cNvSpPr>
+          <p:nvPr>
+            <p:extLst>
+              <p:ext uri="{386F3935-93C4-4BCD-93E2-E3B085C9AB24}">
+                <p16:designElem xmlns:p16="http://schemas.microsoft.com/office/powerpoint/2015/main" val="1"/>
+              </p:ext>
+            </p:extLst>
+          </p:nvPr>
+        </p:nvSpPr>
+        <p:spPr>
+          <a:xfrm>
+            <a:off x="962042" y="0"/>
+            <a:ext cx="45719" cy="6858000"/>
+          </a:xfrm>
+          <a:prstGeom prst="rect">
+            <a:avLst/>
+          </a:prstGeom>
+          <a:solidFill>
+            <a:schemeClr val="accent6"/>
+          </a:solidFill>
+          <a:ln>
+            <a:noFill/>
+          </a:ln>
+        </p:spPr>
+        <p:style>
+          <a:lnRef idx="2">
+            <a:schemeClr val="accent1">
+              <a:shade val="50000"/>
+            </a:schemeClr>
+          </a:lnRef>
+          <a:fillRef idx="1">
+            <a:schemeClr val="accent1"/>
+          </a:fillRef>
+          <a:effectRef idx="0">
+            <a:schemeClr val="accent1"/>
+          </a:effectRef>
+          <a:fontRef idx="minor">
+            <a:schemeClr val="lt1"/>
+          </a:fontRef>
+        </p:style>
+        <p:txBody>
+          <a:bodyPr rtlCol="0" anchor="ctr"/>
+          <a:lstStyle/>
+          <a:p>
+            <a:pPr algn="ctr"/>
+            <a:endParaRPr lang="en-US"/>
+          </a:p>
+        </p:txBody>
+      </p:sp>
+      <p:sp>
+        <p:nvSpPr>
+          <p:cNvPr id="53" name="Rectangle 52">
+            <a:extLst>
+              <a:ext uri="{FF2B5EF4-FFF2-40B4-BE49-F238E27FC236}">
+                <a16:creationId xmlns:a16="http://schemas.microsoft.com/office/drawing/2014/main" id="{F8375ABF-52E0-4C78-B2CF-0A949D7D887E}"/>
+              </a:ext>
+              <a:ext uri="{C183D7F6-B498-43B3-948B-1728B52AA6E4}">
+                <adec:decorative xmlns:adec="http://schemas.microsoft.com/office/drawing/2017/decorative" val="1"/>
+              </a:ext>
+            </a:extLst>
+          </p:cNvPr>
+          <p:cNvSpPr>
+            <a:spLocks noGrp="1" noRot="1" noChangeAspect="1" noMove="1" noResize="1" noEditPoints="1" noAdjustHandles="1" noChangeArrowheads="1" noChangeShapeType="1" noTextEdit="1"/>
+          </p:cNvSpPr>
+          <p:nvPr>
+            <p:extLst>
+              <p:ext uri="{386F3935-93C4-4BCD-93E2-E3B085C9AB24}">
+                <p16:designElem xmlns:p16="http://schemas.microsoft.com/office/powerpoint/2015/main" val="1"/>
+              </p:ext>
+            </p:extLst>
+          </p:nvPr>
+        </p:nvSpPr>
+        <p:spPr>
+          <a:xfrm>
+            <a:off x="1007533" y="0"/>
+            <a:ext cx="10378001" cy="6858000"/>
+          </a:xfrm>
+          <a:prstGeom prst="rect">
+            <a:avLst/>
+          </a:prstGeom>
+          <a:solidFill>
+            <a:schemeClr val="bg2">
+              <a:alpha val="92000"/>
+            </a:schemeClr>
+          </a:solidFill>
+          <a:ln>
+            <a:noFill/>
+          </a:ln>
+        </p:spPr>
+        <p:style>
+          <a:lnRef idx="2">
+            <a:schemeClr val="accent1">
+              <a:shade val="50000"/>
+            </a:schemeClr>
+          </a:lnRef>
+          <a:fillRef idx="1">
+            <a:schemeClr val="accent1"/>
+          </a:fillRef>
+          <a:effectRef idx="0">
+            <a:schemeClr val="accent1"/>
+          </a:effectRef>
+          <a:fontRef idx="minor">
+            <a:schemeClr val="lt1"/>
+          </a:fontRef>
+        </p:style>
+        <p:txBody>
+          <a:bodyPr rtlCol="0" anchor="ctr"/>
+          <a:lstStyle/>
+          <a:p>
+            <a:pPr algn="ctr"/>
+            <a:endParaRPr lang="en-US"/>
+          </a:p>
+        </p:txBody>
+      </p:sp>
+      <p:sp>
+        <p:nvSpPr>
+          <p:cNvPr id="2" name="Title 1">
+            <a:extLst>
+              <a:ext uri="{FF2B5EF4-FFF2-40B4-BE49-F238E27FC236}">
+                <a16:creationId xmlns:a16="http://schemas.microsoft.com/office/drawing/2014/main" id="{639FE442-C2FB-7944-81C8-D4E2AE10B48E}"/>
+              </a:ext>
+            </a:extLst>
+          </p:cNvPr>
+          <p:cNvSpPr>
+            <a:spLocks noGrp="1"/>
+          </p:cNvSpPr>
+          <p:nvPr>
+            <p:ph type="title"/>
+          </p:nvPr>
+        </p:nvSpPr>
+        <p:spPr>
+          <a:xfrm>
+            <a:off x="1969804" y="808056"/>
+            <a:ext cx="3969504" cy="1077229"/>
+          </a:xfrm>
+        </p:spPr>
+        <p:txBody>
+          <a:bodyPr vert="horz" lIns="91440" tIns="45720" rIns="91440" bIns="45720" rtlCol="0">
+            <a:normAutofit/>
+          </a:bodyPr>
+          <a:lstStyle/>
+          <a:p>
+            <a:pPr algn="l"/>
+            <a:r>
+              <a:rPr lang="en-US"/>
+              <a:t>Scratch your mind some more!</a:t>
+            </a:r>
+          </a:p>
+        </p:txBody>
+      </p:sp>
+      <p:sp>
+        <p:nvSpPr>
+          <p:cNvPr id="40" name="Content Placeholder 39">
+            <a:extLst>
+              <a:ext uri="{FF2B5EF4-FFF2-40B4-BE49-F238E27FC236}">
+                <a16:creationId xmlns:a16="http://schemas.microsoft.com/office/drawing/2014/main" id="{315A895A-F8E8-49EF-809A-3D530241C29E}"/>
+              </a:ext>
+            </a:extLst>
+          </p:cNvPr>
+          <p:cNvSpPr>
+            <a:spLocks noGrp="1"/>
+          </p:cNvSpPr>
+          <p:nvPr>
+            <p:ph idx="1"/>
+          </p:nvPr>
+        </p:nvSpPr>
+        <p:spPr>
+          <a:xfrm>
+            <a:off x="1969803" y="2052116"/>
+            <a:ext cx="3969505" cy="3997828"/>
+          </a:xfrm>
+        </p:spPr>
+        <p:txBody>
+          <a:bodyPr>
+            <a:normAutofit/>
+          </a:bodyPr>
+          <a:lstStyle/>
+          <a:p>
+            <a:r>
+              <a:rPr lang="en-IN" b="1" dirty="0">
+                <a:hlinkClick r:id="rId5"/>
+              </a:rPr>
+              <a:t>Type assertions</a:t>
+            </a:r>
+            <a:endParaRPr lang="en-IN" b="1" dirty="0"/>
+          </a:p>
+          <a:p>
+            <a:r>
+              <a:rPr lang="en-IN" b="1" dirty="0">
+                <a:hlinkClick r:id="rId6"/>
+              </a:rPr>
+              <a:t>Type switches</a:t>
+            </a:r>
+            <a:endParaRPr lang="en-IN" b="1" dirty="0"/>
+          </a:p>
+        </p:txBody>
+      </p:sp>
+      <p:pic>
+        <p:nvPicPr>
+          <p:cNvPr id="5" name="Content Placeholder 4" descr="人工知能 with solid fill">
+            <a:hlinkClick r:id="rId5" tooltip="Scratch me!"/>
+            <a:extLst>
+              <a:ext uri="{FF2B5EF4-FFF2-40B4-BE49-F238E27FC236}">
+                <a16:creationId xmlns:a16="http://schemas.microsoft.com/office/drawing/2014/main" id="{17F68FD5-8249-0A42-8E7D-8D6DFD6A6A84}"/>
+              </a:ext>
+            </a:extLst>
+          </p:cNvPr>
+          <p:cNvPicPr>
+            <a:picLocks noChangeAspect="1"/>
+          </p:cNvPicPr>
+          <p:nvPr/>
+        </p:nvPicPr>
+        <p:blipFill>
+          <a:blip r:embed="rId7">
+            <a:extLst>
+              <a:ext uri="{96DAC541-7B7A-43D3-8B79-37D633B846F1}">
+                <asvg:svgBlip xmlns:asvg="http://schemas.microsoft.com/office/drawing/2016/SVG/main" r:embed="rId8"/>
+              </a:ext>
+            </a:extLst>
+          </a:blip>
+          <a:stretch>
+            <a:fillRect/>
+          </a:stretch>
+        </p:blipFill>
+        <p:spPr>
+          <a:xfrm>
+            <a:off x="6751768" y="1432023"/>
+            <a:ext cx="3994617" cy="3994617"/>
+          </a:xfrm>
+          <a:prstGeom prst="rect">
+            <a:avLst/>
+          </a:prstGeom>
+          <a:ln>
+            <a:gradFill flip="none" rotWithShape="1">
+              <a:gsLst>
+                <a:gs pos="86000">
+                  <a:schemeClr val="accent6">
+                    <a:lumMod val="67000"/>
+                  </a:schemeClr>
+                </a:gs>
+                <a:gs pos="20000">
+                  <a:schemeClr val="accent6">
+                    <a:lumMod val="97000"/>
+                    <a:lumOff val="3000"/>
+                  </a:schemeClr>
+                </a:gs>
+                <a:gs pos="100000">
+                  <a:schemeClr val="accent6">
+                    <a:lumMod val="60000"/>
+                    <a:lumOff val="40000"/>
+                  </a:schemeClr>
+                </a:gs>
+              </a:gsLst>
+              <a:lin ang="16200000" scaled="1"/>
+              <a:tileRect/>
+            </a:gradFill>
+          </a:ln>
+          <a:effectLst>
+            <a:innerShdw blurRad="127000">
+              <a:prstClr val="black">
+                <a:alpha val="90000"/>
+              </a:prstClr>
+            </a:innerShdw>
+          </a:effectLst>
+        </p:spPr>
+      </p:pic>
+      <p:sp>
+        <p:nvSpPr>
+          <p:cNvPr id="55" name="Rectangle 54">
+            <a:extLst>
+              <a:ext uri="{FF2B5EF4-FFF2-40B4-BE49-F238E27FC236}">
+                <a16:creationId xmlns:a16="http://schemas.microsoft.com/office/drawing/2014/main" id="{34BB1BDF-EAFF-49B6-ABF3-7F9B3201C989}"/>
+              </a:ext>
+              <a:ext uri="{C183D7F6-B498-43B3-948B-1728B52AA6E4}">
+                <adec:decorative xmlns:adec="http://schemas.microsoft.com/office/drawing/2017/decorative" val="1"/>
+              </a:ext>
+            </a:extLst>
+          </p:cNvPr>
+          <p:cNvSpPr>
+            <a:spLocks noGrp="1" noRot="1" noChangeAspect="1" noMove="1" noResize="1" noEditPoints="1" noAdjustHandles="1" noChangeArrowheads="1" noChangeShapeType="1" noTextEdit="1"/>
+          </p:cNvSpPr>
+          <p:nvPr>
+            <p:extLst>
+              <p:ext uri="{386F3935-93C4-4BCD-93E2-E3B085C9AB24}">
+                <p16:designElem xmlns:p16="http://schemas.microsoft.com/office/powerpoint/2015/main" val="1"/>
+              </p:ext>
+            </p:extLst>
+          </p:nvPr>
+        </p:nvSpPr>
+        <p:spPr>
+          <a:xfrm>
+            <a:off x="11387666" y="-2718"/>
+            <a:ext cx="27432" cy="6858000"/>
+          </a:xfrm>
+          <a:prstGeom prst="rect">
+            <a:avLst/>
+          </a:prstGeom>
+          <a:solidFill>
+            <a:schemeClr val="accent6"/>
+          </a:solidFill>
+          <a:ln>
+            <a:noFill/>
+          </a:ln>
+        </p:spPr>
+        <p:style>
+          <a:lnRef idx="2">
+            <a:schemeClr val="accent1">
+              <a:shade val="50000"/>
+            </a:schemeClr>
+          </a:lnRef>
+          <a:fillRef idx="1">
+            <a:schemeClr val="accent1"/>
+          </a:fillRef>
+          <a:effectRef idx="0">
+            <a:schemeClr val="accent1"/>
+          </a:effectRef>
+          <a:fontRef idx="minor">
+            <a:schemeClr val="lt1"/>
+          </a:fontRef>
+        </p:style>
+        <p:txBody>
+          <a:bodyPr rtlCol="0" anchor="ctr"/>
+          <a:lstStyle/>
+          <a:p>
+            <a:pPr algn="ctr"/>
+            <a:endParaRPr lang="en-US"/>
+          </a:p>
+        </p:txBody>
+      </p:sp>
+    </p:spTree>
+    <p:extLst>
+      <p:ext uri="{BB962C8B-B14F-4D97-AF65-F5344CB8AC3E}">
+        <p14:creationId xmlns:p14="http://schemas.microsoft.com/office/powerpoint/2010/main" val="965955400"/>
+      </p:ext>
+    </p:extLst>
+  </p:cSld>
+  <p:clrMapOvr>
+    <a:masterClrMapping/>
+  </p:clrMapOvr>
+</p:sld>
+</file>
+
+<file path=ppt/slides/slide47.xml><?xml version="1.0" encoding="utf-8"?>
+<p:sld xmlns:a="http://schemas.openxmlformats.org/drawingml/2006/main" xmlns:r="http://schemas.openxmlformats.org/officeDocument/2006/relationships" xmlns:p="http://schemas.openxmlformats.org/presentationml/2006/main">
+  <p:cSld>
+    <p:spTree>
+      <p:nvGrpSpPr>
+        <p:cNvPr id="1" name=""/>
+        <p:cNvGrpSpPr/>
+        <p:nvPr/>
+      </p:nvGrpSpPr>
+      <p:grpSpPr>
+        <a:xfrm>
+          <a:off x="0" y="0"/>
+          <a:ext cx="0" cy="0"/>
+          <a:chOff x="0" y="0"/>
+          <a:chExt cx="0" cy="0"/>
+        </a:xfrm>
+      </p:grpSpPr>
+      <p:sp>
+        <p:nvSpPr>
+          <p:cNvPr id="2" name="Title 1">
+            <a:extLst>
+              <a:ext uri="{FF2B5EF4-FFF2-40B4-BE49-F238E27FC236}">
+                <a16:creationId xmlns:a16="http://schemas.microsoft.com/office/drawing/2014/main" id="{669F98AB-D0F9-3441-AFF6-ED41E7C2BCF7}"/>
+              </a:ext>
+            </a:extLst>
+          </p:cNvPr>
+          <p:cNvSpPr>
+            <a:spLocks noGrp="1"/>
+          </p:cNvSpPr>
+          <p:nvPr>
+            <p:ph type="title"/>
+          </p:nvPr>
+        </p:nvSpPr>
+        <p:spPr/>
+        <p:txBody>
+          <a:bodyPr/>
+          <a:lstStyle/>
+          <a:p>
+            <a:r>
+              <a:rPr lang="en-US" dirty="0"/>
+              <a:t>Some Important Go Interfaces</a:t>
+            </a:r>
+          </a:p>
+        </p:txBody>
+      </p:sp>
+      <p:sp>
+        <p:nvSpPr>
+          <p:cNvPr id="3" name="Content Placeholder 2">
+            <a:extLst>
+              <a:ext uri="{FF2B5EF4-FFF2-40B4-BE49-F238E27FC236}">
+                <a16:creationId xmlns:a16="http://schemas.microsoft.com/office/drawing/2014/main" id="{9EAD1BA9-38C3-FB46-BACC-974E03024335}"/>
+              </a:ext>
+            </a:extLst>
+          </p:cNvPr>
+          <p:cNvSpPr>
+            <a:spLocks noGrp="1"/>
+          </p:cNvSpPr>
+          <p:nvPr>
+            <p:ph idx="1"/>
+          </p:nvPr>
+        </p:nvSpPr>
+        <p:spPr/>
+        <p:txBody>
+          <a:bodyPr/>
+          <a:lstStyle/>
+          <a:p>
+            <a:r>
+              <a:rPr lang="en-US" dirty="0"/>
+              <a:t>Stringer interface – </a:t>
+            </a:r>
+            <a:r>
+              <a:rPr lang="en-US" dirty="0" err="1"/>
+              <a:t>toString</a:t>
+            </a:r>
+            <a:r>
+              <a:rPr lang="en-US" dirty="0"/>
+              <a:t> of your struct or object</a:t>
+            </a:r>
+          </a:p>
+          <a:p>
+            <a:r>
+              <a:rPr lang="en-US" dirty="0"/>
+              <a:t>Error Interface – Handle your errors gracefully</a:t>
+            </a:r>
+          </a:p>
+          <a:p>
+            <a:r>
+              <a:rPr lang="en-US" dirty="0"/>
+              <a:t>Reader Interface – Write your own input handler</a:t>
+            </a:r>
+          </a:p>
+          <a:p>
+            <a:r>
+              <a:rPr lang="en-US" dirty="0">
+                <a:hlinkClick r:id="rId2"/>
+              </a:rPr>
+              <a:t>Let's Try Them!</a:t>
+            </a:r>
+            <a:endParaRPr lang="en-US" dirty="0"/>
+          </a:p>
+        </p:txBody>
+      </p:sp>
+    </p:spTree>
+    <p:extLst>
+      <p:ext uri="{BB962C8B-B14F-4D97-AF65-F5344CB8AC3E}">
+        <p14:creationId xmlns:p14="http://schemas.microsoft.com/office/powerpoint/2010/main" val="3967741041"/>
+      </p:ext>
+    </p:extLst>
+  </p:cSld>
+  <p:clrMapOvr>
+    <a:masterClrMapping/>
+  </p:clrMapOvr>
+</p:sld>
+</file>
+
+<file path=ppt/slides/slide48.xml><?xml version="1.0" encoding="utf-8"?>
+<p:sld xmlns:a="http://schemas.openxmlformats.org/drawingml/2006/main" xmlns:r="http://schemas.openxmlformats.org/officeDocument/2006/relationships" xmlns:p="http://schemas.openxmlformats.org/presentationml/2006/main">
+  <p:cSld>
+    <p:spTree>
+      <p:nvGrpSpPr>
+        <p:cNvPr id="1" name=""/>
+        <p:cNvGrpSpPr/>
+        <p:nvPr/>
+      </p:nvGrpSpPr>
+      <p:grpSpPr>
+        <a:xfrm>
+          <a:off x="0" y="0"/>
+          <a:ext cx="0" cy="0"/>
+          <a:chOff x="0" y="0"/>
+          <a:chExt cx="0" cy="0"/>
+        </a:xfrm>
+      </p:grpSpPr>
+      <p:sp>
+        <p:nvSpPr>
+          <p:cNvPr id="2" name="Title 1">
+            <a:extLst>
+              <a:ext uri="{FF2B5EF4-FFF2-40B4-BE49-F238E27FC236}">
+                <a16:creationId xmlns:a16="http://schemas.microsoft.com/office/drawing/2014/main" id="{0F484389-5347-4F43-9B9B-AE951D320F4A}"/>
+              </a:ext>
+            </a:extLst>
+          </p:cNvPr>
+          <p:cNvSpPr>
+            <a:spLocks noGrp="1"/>
+          </p:cNvSpPr>
+          <p:nvPr>
+            <p:ph type="title"/>
+          </p:nvPr>
+        </p:nvSpPr>
+        <p:spPr/>
+        <p:txBody>
+          <a:bodyPr/>
+          <a:lstStyle/>
+          <a:p>
+            <a:r>
+              <a:rPr lang="en-US" dirty="0"/>
+              <a:t>Polymorphism</a:t>
+            </a:r>
+          </a:p>
+        </p:txBody>
+      </p:sp>
+      <p:sp>
+        <p:nvSpPr>
+          <p:cNvPr id="3" name="Content Placeholder 2">
+            <a:extLst>
+              <a:ext uri="{FF2B5EF4-FFF2-40B4-BE49-F238E27FC236}">
+                <a16:creationId xmlns:a16="http://schemas.microsoft.com/office/drawing/2014/main" id="{A307049B-2B24-E94E-90AC-4AF9675F8203}"/>
+              </a:ext>
+            </a:extLst>
+          </p:cNvPr>
+          <p:cNvSpPr>
+            <a:spLocks noGrp="1"/>
+          </p:cNvSpPr>
+          <p:nvPr>
+            <p:ph idx="1"/>
+          </p:nvPr>
+        </p:nvSpPr>
+        <p:spPr/>
+        <p:txBody>
+          <a:bodyPr/>
+          <a:lstStyle/>
+          <a:p>
+            <a:r>
+              <a:rPr lang="en-US" dirty="0"/>
+              <a:t>Let’s see </a:t>
+            </a:r>
+            <a:r>
+              <a:rPr lang="en-US"/>
+              <a:t>an example!</a:t>
+            </a:r>
+          </a:p>
+        </p:txBody>
+      </p:sp>
+    </p:spTree>
+    <p:extLst>
+      <p:ext uri="{BB962C8B-B14F-4D97-AF65-F5344CB8AC3E}">
+        <p14:creationId xmlns:p14="http://schemas.microsoft.com/office/powerpoint/2010/main" val="1530156503"/>
+      </p:ext>
+    </p:extLst>
+  </p:cSld>
+  <p:clrMapOvr>
+    <a:masterClrMapping/>
+  </p:clrMapOvr>
+</p:sld>
+</file>
+
+<file path=ppt/slides/slide49.xml><?xml version="1.0" encoding="utf-8"?>
 <p:sld xmlns:a="http://schemas.openxmlformats.org/drawingml/2006/main" xmlns:r="http://schemas.openxmlformats.org/officeDocument/2006/relationships" xmlns:p="http://schemas.openxmlformats.org/presentationml/2006/main">
   <p:cSld>
     <p:bg>
@@ -25288,154 +32539,6 @@
     <p:extLst>
       <p:ext uri="{BB962C8B-B14F-4D97-AF65-F5344CB8AC3E}">
         <p14:creationId xmlns:p14="http://schemas.microsoft.com/office/powerpoint/2010/main" val="25916943"/>
-      </p:ext>
-    </p:extLst>
-  </p:cSld>
-  <p:clrMapOvr>
-    <a:masterClrMapping/>
-  </p:clrMapOvr>
-</p:sld>
-</file>
-
-<file path=ppt/slides/slide4.xml><?xml version="1.0" encoding="utf-8"?>
-<p:sld xmlns:a="http://schemas.openxmlformats.org/drawingml/2006/main" xmlns:r="http://schemas.openxmlformats.org/officeDocument/2006/relationships" xmlns:p="http://schemas.openxmlformats.org/presentationml/2006/main">
-  <p:cSld>
-    <p:spTree>
-      <p:nvGrpSpPr>
-        <p:cNvPr id="1" name=""/>
-        <p:cNvGrpSpPr/>
-        <p:nvPr/>
-      </p:nvGrpSpPr>
-      <p:grpSpPr>
-        <a:xfrm>
-          <a:off x="0" y="0"/>
-          <a:ext cx="0" cy="0"/>
-          <a:chOff x="0" y="0"/>
-          <a:chExt cx="0" cy="0"/>
-        </a:xfrm>
-      </p:grpSpPr>
-      <p:sp>
-        <p:nvSpPr>
-          <p:cNvPr id="2" name="Title 1">
-            <a:extLst>
-              <a:ext uri="{FF2B5EF4-FFF2-40B4-BE49-F238E27FC236}">
-                <a16:creationId xmlns:a16="http://schemas.microsoft.com/office/drawing/2014/main" id="{119FF6B6-83AF-D74A-BA0D-EEAC15D13212}"/>
-              </a:ext>
-            </a:extLst>
-          </p:cNvPr>
-          <p:cNvSpPr>
-            <a:spLocks noGrp="1"/>
-          </p:cNvSpPr>
-          <p:nvPr>
-            <p:ph type="title"/>
-          </p:nvPr>
-        </p:nvSpPr>
-        <p:spPr/>
-        <p:txBody>
-          <a:bodyPr/>
-          <a:lstStyle/>
-          <a:p>
-            <a:r>
-              <a:rPr lang="en-US" dirty="0"/>
-              <a:t>Slices</a:t>
-            </a:r>
-          </a:p>
-        </p:txBody>
-      </p:sp>
-      <p:sp>
-        <p:nvSpPr>
-          <p:cNvPr id="3" name="Content Placeholder 2">
-            <a:extLst>
-              <a:ext uri="{FF2B5EF4-FFF2-40B4-BE49-F238E27FC236}">
-                <a16:creationId xmlns:a16="http://schemas.microsoft.com/office/drawing/2014/main" id="{9C37ADD3-A244-1346-AF4B-70312C1FA43C}"/>
-              </a:ext>
-            </a:extLst>
-          </p:cNvPr>
-          <p:cNvSpPr>
-            <a:spLocks noGrp="1"/>
-          </p:cNvSpPr>
-          <p:nvPr>
-            <p:ph idx="1"/>
-          </p:nvPr>
-        </p:nvSpPr>
-        <p:spPr/>
-        <p:txBody>
-          <a:bodyPr/>
-          <a:lstStyle/>
-          <a:p>
-            <a:r>
-              <a:rPr lang="en-IN" dirty="0"/>
-              <a:t>The zero value of a slice is nil.</a:t>
-            </a:r>
-          </a:p>
-          <a:p>
-            <a:r>
-              <a:rPr lang="en-IN" dirty="0"/>
-              <a:t>The </a:t>
-            </a:r>
-            <a:r>
-              <a:rPr lang="en-IN" dirty="0" err="1"/>
-              <a:t>len</a:t>
-            </a:r>
-            <a:r>
-              <a:rPr lang="en-IN" dirty="0"/>
-              <a:t> and cap functions will both return 0 for a nil slice.</a:t>
-            </a:r>
-          </a:p>
-          <a:p>
-            <a:r>
-              <a:rPr lang="en-IN" dirty="0"/>
-              <a:t>A slice can also be formed by “slicing” an existing slice or array.</a:t>
-            </a:r>
-          </a:p>
-          <a:p>
-            <a:endParaRPr lang="en-IN" dirty="0"/>
-          </a:p>
-          <a:p>
-            <a:r>
-              <a:rPr lang="en-IN" dirty="0"/>
-              <a:t>Same can be done on array as well to create the slice</a:t>
-            </a:r>
-          </a:p>
-          <a:p>
-            <a:endParaRPr lang="en-US" dirty="0"/>
-          </a:p>
-        </p:txBody>
-      </p:sp>
-      <p:pic>
-        <p:nvPicPr>
-          <p:cNvPr id="5" name="Picture 4">
-            <a:extLst>
-              <a:ext uri="{FF2B5EF4-FFF2-40B4-BE49-F238E27FC236}">
-                <a16:creationId xmlns:a16="http://schemas.microsoft.com/office/drawing/2014/main" id="{3CF9EB9D-313F-7049-B981-CE25ED590227}"/>
-              </a:ext>
-            </a:extLst>
-          </p:cNvPr>
-          <p:cNvPicPr>
-            <a:picLocks noChangeAspect="1"/>
-          </p:cNvPicPr>
-          <p:nvPr/>
-        </p:nvPicPr>
-        <p:blipFill>
-          <a:blip r:embed="rId2"/>
-          <a:stretch>
-            <a:fillRect/>
-          </a:stretch>
-        </p:blipFill>
-        <p:spPr>
-          <a:xfrm>
-            <a:off x="3161973" y="4051030"/>
-            <a:ext cx="6858000" cy="609600"/>
-          </a:xfrm>
-          <a:prstGeom prst="rect">
-            <a:avLst/>
-          </a:prstGeom>
-        </p:spPr>
-      </p:pic>
-    </p:spTree>
-    <p:extLst>
-      <p:ext uri="{BB962C8B-B14F-4D97-AF65-F5344CB8AC3E}">
-        <p14:creationId xmlns:p14="http://schemas.microsoft.com/office/powerpoint/2010/main" val="2687734498"/>
       </p:ext>
     </p:extLst>
   </p:cSld>
